--- a/Project/Context/taskflow.contex.pptx
+++ b/Project/Context/taskflow.contex.pptx
@@ -8,6 +8,14 @@
     <p:sldId id="256" r:id="rId2"/>
     <p:sldId id="257" r:id="rId3"/>
     <p:sldId id="258" r:id="rId4"/>
+    <p:sldId id="259" r:id="rId5"/>
+    <p:sldId id="263" r:id="rId6"/>
+    <p:sldId id="264" r:id="rId7"/>
+    <p:sldId id="267" r:id="rId8"/>
+    <p:sldId id="268" r:id="rId9"/>
+    <p:sldId id="262" r:id="rId10"/>
+    <p:sldId id="269" r:id="rId11"/>
+    <p:sldId id="270" r:id="rId12"/>
   </p:sldIdLst>
   <p:sldSz cx="12192000" cy="6858000"/>
   <p:notesSz cx="6858000" cy="9144000"/>
@@ -106,15 +114,432 @@
       </a:defRPr>
     </a:lvl9pPr>
   </p:defaultTextStyle>
+  <p:extLst>
+    <p:ext uri="{EFAFB233-063F-42B5-8137-9DF3F51BA10A}">
+      <p15:sldGuideLst xmlns:p15="http://schemas.microsoft.com/office/powerpoint/2012/main"/>
+    </p:ext>
+  </p:extLst>
 </p:presentation>
 </file>
 
 <file path=ppt/revisionInfo.xml><?xml version="1.0" encoding="utf-8"?>
 <p1510:revInfo xmlns:a="http://schemas.openxmlformats.org/drawingml/2006/main" xmlns:r="http://schemas.openxmlformats.org/officeDocument/2006/relationships" xmlns:p1510="http://schemas.microsoft.com/office/powerpoint/2015/10/main">
   <p1510:revLst>
-    <p1510:client id="{4DDA4797-21B5-44C1-8E00-4257D0E402D2}" v="1" dt="2025-04-05T01:25:09.457"/>
+    <p1510:client id="{0B3890AF-F7B7-4C67-8FD3-7DE75953A6DD}" v="42" dt="2025-04-12T01:59:34.960"/>
   </p1510:revLst>
 </p1510:revInfo>
+</file>
+
+<file path=ppt/changesInfos/changesInfo1.xml><?xml version="1.0" encoding="utf-8"?>
+<pc:chgInfo xmlns:a="http://schemas.openxmlformats.org/drawingml/2006/main" xmlns:r="http://schemas.openxmlformats.org/officeDocument/2006/relationships" xmlns:ac="http://schemas.microsoft.com/office/drawing/2013/main/command" xmlns:pc="http://schemas.microsoft.com/office/powerpoint/2013/main/command">
+  <pc:docChgLst>
+    <pc:chgData name="Daniel Garcia Acevedo" userId="55c75eb6981db7e4" providerId="LiveId" clId="{0B3890AF-F7B7-4C67-8FD3-7DE75953A6DD}"/>
+    <pc:docChg chg="undo custSel addSld delSld modSld">
+      <pc:chgData name="Daniel Garcia Acevedo" userId="55c75eb6981db7e4" providerId="LiveId" clId="{0B3890AF-F7B7-4C67-8FD3-7DE75953A6DD}" dt="2025-04-12T01:59:36.077" v="4282" actId="113"/>
+      <pc:docMkLst>
+        <pc:docMk/>
+      </pc:docMkLst>
+      <pc:sldChg chg="modSp mod">
+        <pc:chgData name="Daniel Garcia Acevedo" userId="55c75eb6981db7e4" providerId="LiveId" clId="{0B3890AF-F7B7-4C67-8FD3-7DE75953A6DD}" dt="2025-04-12T01:59:36.077" v="4282" actId="113"/>
+        <pc:sldMkLst>
+          <pc:docMk/>
+          <pc:sldMk cId="4141302597" sldId="256"/>
+        </pc:sldMkLst>
+        <pc:spChg chg="mod">
+          <ac:chgData name="Daniel Garcia Acevedo" userId="55c75eb6981db7e4" providerId="LiveId" clId="{0B3890AF-F7B7-4C67-8FD3-7DE75953A6DD}" dt="2025-04-12T01:59:36.077" v="4282" actId="113"/>
+          <ac:spMkLst>
+            <pc:docMk/>
+            <pc:sldMk cId="4141302597" sldId="256"/>
+            <ac:spMk id="2" creationId="{2827BC08-9818-0D0E-DAB5-6F5FD4676495}"/>
+          </ac:spMkLst>
+        </pc:spChg>
+      </pc:sldChg>
+      <pc:sldChg chg="modSp">
+        <pc:chgData name="Daniel Garcia Acevedo" userId="55c75eb6981db7e4" providerId="LiveId" clId="{0B3890AF-F7B7-4C67-8FD3-7DE75953A6DD}" dt="2025-04-12T01:59:30.194" v="4280"/>
+        <pc:sldMkLst>
+          <pc:docMk/>
+          <pc:sldMk cId="2206196896" sldId="257"/>
+        </pc:sldMkLst>
+        <pc:spChg chg="mod">
+          <ac:chgData name="Daniel Garcia Acevedo" userId="55c75eb6981db7e4" providerId="LiveId" clId="{0B3890AF-F7B7-4C67-8FD3-7DE75953A6DD}" dt="2025-04-12T01:59:30.194" v="4280"/>
+          <ac:spMkLst>
+            <pc:docMk/>
+            <pc:sldMk cId="2206196896" sldId="257"/>
+            <ac:spMk id="4" creationId="{70E04D64-B14F-227F-01BB-FE28FDFEF2CB}"/>
+          </ac:spMkLst>
+        </pc:spChg>
+      </pc:sldChg>
+      <pc:sldChg chg="modSp mod">
+        <pc:chgData name="Daniel Garcia Acevedo" userId="55c75eb6981db7e4" providerId="LiveId" clId="{0B3890AF-F7B7-4C67-8FD3-7DE75953A6DD}" dt="2025-04-12T01:59:23.184" v="4279"/>
+        <pc:sldMkLst>
+          <pc:docMk/>
+          <pc:sldMk cId="2338738645" sldId="258"/>
+        </pc:sldMkLst>
+        <pc:spChg chg="mod">
+          <ac:chgData name="Daniel Garcia Acevedo" userId="55c75eb6981db7e4" providerId="LiveId" clId="{0B3890AF-F7B7-4C67-8FD3-7DE75953A6DD}" dt="2025-04-12T01:59:23.184" v="4279"/>
+          <ac:spMkLst>
+            <pc:docMk/>
+            <pc:sldMk cId="2338738645" sldId="258"/>
+            <ac:spMk id="2" creationId="{BA8365DF-BB5D-39CA-E986-B618B44FECDB}"/>
+          </ac:spMkLst>
+        </pc:spChg>
+        <pc:spChg chg="mod">
+          <ac:chgData name="Daniel Garcia Acevedo" userId="55c75eb6981db7e4" providerId="LiveId" clId="{0B3890AF-F7B7-4C67-8FD3-7DE75953A6DD}" dt="2025-04-12T01:34:05.647" v="3968" actId="123"/>
+          <ac:spMkLst>
+            <pc:docMk/>
+            <pc:sldMk cId="2338738645" sldId="258"/>
+            <ac:spMk id="3" creationId="{260BE9BA-C083-E08B-4079-E4127569B503}"/>
+          </ac:spMkLst>
+        </pc:spChg>
+      </pc:sldChg>
+      <pc:sldChg chg="addSp delSp modSp new mod">
+        <pc:chgData name="Daniel Garcia Acevedo" userId="55c75eb6981db7e4" providerId="LiveId" clId="{0B3890AF-F7B7-4C67-8FD3-7DE75953A6DD}" dt="2025-04-11T23:28:45.871" v="2761" actId="14100"/>
+        <pc:sldMkLst>
+          <pc:docMk/>
+          <pc:sldMk cId="520049992" sldId="259"/>
+        </pc:sldMkLst>
+        <pc:spChg chg="del">
+          <ac:chgData name="Daniel Garcia Acevedo" userId="55c75eb6981db7e4" providerId="LiveId" clId="{0B3890AF-F7B7-4C67-8FD3-7DE75953A6DD}" dt="2025-04-11T23:28:17.216" v="2753" actId="478"/>
+          <ac:spMkLst>
+            <pc:docMk/>
+            <pc:sldMk cId="520049992" sldId="259"/>
+            <ac:spMk id="2" creationId="{703B1037-009B-FF47-88BA-0BDCC6787403}"/>
+          </ac:spMkLst>
+        </pc:spChg>
+        <pc:spChg chg="del">
+          <ac:chgData name="Daniel Garcia Acevedo" userId="55c75eb6981db7e4" providerId="LiveId" clId="{0B3890AF-F7B7-4C67-8FD3-7DE75953A6DD}" dt="2025-04-11T23:28:19.215" v="2754" actId="478"/>
+          <ac:spMkLst>
+            <pc:docMk/>
+            <pc:sldMk cId="520049992" sldId="259"/>
+            <ac:spMk id="3" creationId="{7B894871-AFB8-14D0-4397-820D61552AD8}"/>
+          </ac:spMkLst>
+        </pc:spChg>
+        <pc:picChg chg="add mod">
+          <ac:chgData name="Daniel Garcia Acevedo" userId="55c75eb6981db7e4" providerId="LiveId" clId="{0B3890AF-F7B7-4C67-8FD3-7DE75953A6DD}" dt="2025-04-11T23:28:45.871" v="2761" actId="14100"/>
+          <ac:picMkLst>
+            <pc:docMk/>
+            <pc:sldMk cId="520049992" sldId="259"/>
+            <ac:picMk id="1026" creationId="{21DFB50C-D45A-240B-3E7D-EA5592B0834A}"/>
+          </ac:picMkLst>
+        </pc:picChg>
+      </pc:sldChg>
+      <pc:sldChg chg="new del">
+        <pc:chgData name="Daniel Garcia Acevedo" userId="55c75eb6981db7e4" providerId="LiveId" clId="{0B3890AF-F7B7-4C67-8FD3-7DE75953A6DD}" dt="2025-04-11T22:33:55.929" v="6" actId="47"/>
+        <pc:sldMkLst>
+          <pc:docMk/>
+          <pc:sldMk cId="3128318087" sldId="259"/>
+        </pc:sldMkLst>
+      </pc:sldChg>
+      <pc:sldChg chg="addSp delSp modSp new del mod">
+        <pc:chgData name="Daniel Garcia Acevedo" userId="55c75eb6981db7e4" providerId="LiveId" clId="{0B3890AF-F7B7-4C67-8FD3-7DE75953A6DD}" dt="2025-04-11T22:37:13.778" v="61" actId="2696"/>
+        <pc:sldMkLst>
+          <pc:docMk/>
+          <pc:sldMk cId="3160483148" sldId="260"/>
+        </pc:sldMkLst>
+        <pc:spChg chg="mod">
+          <ac:chgData name="Daniel Garcia Acevedo" userId="55c75eb6981db7e4" providerId="LiveId" clId="{0B3890AF-F7B7-4C67-8FD3-7DE75953A6DD}" dt="2025-04-11T22:34:47.823" v="40" actId="1076"/>
+          <ac:spMkLst>
+            <pc:docMk/>
+            <pc:sldMk cId="3160483148" sldId="260"/>
+            <ac:spMk id="2" creationId="{0DE57AE9-194F-57E0-90F3-854694910D90}"/>
+          </ac:spMkLst>
+        </pc:spChg>
+        <pc:spChg chg="del">
+          <ac:chgData name="Daniel Garcia Acevedo" userId="55c75eb6981db7e4" providerId="LiveId" clId="{0B3890AF-F7B7-4C67-8FD3-7DE75953A6DD}" dt="2025-04-11T22:35:12.134" v="41" actId="21"/>
+          <ac:spMkLst>
+            <pc:docMk/>
+            <pc:sldMk cId="3160483148" sldId="260"/>
+            <ac:spMk id="3" creationId="{C740F576-00D9-E894-987E-269300BB9CF7}"/>
+          </ac:spMkLst>
+        </pc:spChg>
+        <pc:graphicFrameChg chg="add del mod modGraphic">
+          <ac:chgData name="Daniel Garcia Acevedo" userId="55c75eb6981db7e4" providerId="LiveId" clId="{0B3890AF-F7B7-4C67-8FD3-7DE75953A6DD}" dt="2025-04-11T22:36:28.526" v="51" actId="478"/>
+          <ac:graphicFrameMkLst>
+            <pc:docMk/>
+            <pc:sldMk cId="3160483148" sldId="260"/>
+            <ac:graphicFrameMk id="4" creationId="{41B9A36C-BBFD-8AF9-A5E4-B18BBF3888D1}"/>
+          </ac:graphicFrameMkLst>
+        </pc:graphicFrameChg>
+      </pc:sldChg>
+      <pc:sldChg chg="addSp delSp modSp new del mod chgLayout">
+        <pc:chgData name="Daniel Garcia Acevedo" userId="55c75eb6981db7e4" providerId="LiveId" clId="{0B3890AF-F7B7-4C67-8FD3-7DE75953A6DD}" dt="2025-04-11T22:45:34.856" v="492" actId="2696"/>
+        <pc:sldMkLst>
+          <pc:docMk/>
+          <pc:sldMk cId="3809495927" sldId="261"/>
+        </pc:sldMkLst>
+        <pc:spChg chg="del mod ord">
+          <ac:chgData name="Daniel Garcia Acevedo" userId="55c75eb6981db7e4" providerId="LiveId" clId="{0B3890AF-F7B7-4C67-8FD3-7DE75953A6DD}" dt="2025-04-11T22:44:41.372" v="475" actId="700"/>
+          <ac:spMkLst>
+            <pc:docMk/>
+            <pc:sldMk cId="3809495927" sldId="261"/>
+            <ac:spMk id="2" creationId="{8E0B2894-83CE-AAE2-6534-A339DD3B9064}"/>
+          </ac:spMkLst>
+        </pc:spChg>
+        <pc:spChg chg="del mod ord">
+          <ac:chgData name="Daniel Garcia Acevedo" userId="55c75eb6981db7e4" providerId="LiveId" clId="{0B3890AF-F7B7-4C67-8FD3-7DE75953A6DD}" dt="2025-04-11T22:44:41.372" v="475" actId="700"/>
+          <ac:spMkLst>
+            <pc:docMk/>
+            <pc:sldMk cId="3809495927" sldId="261"/>
+            <ac:spMk id="3" creationId="{372C19C6-88D3-162E-C6A1-D11439DB9575}"/>
+          </ac:spMkLst>
+        </pc:spChg>
+        <pc:spChg chg="add mod ord">
+          <ac:chgData name="Daniel Garcia Acevedo" userId="55c75eb6981db7e4" providerId="LiveId" clId="{0B3890AF-F7B7-4C67-8FD3-7DE75953A6DD}" dt="2025-04-11T22:44:41.372" v="475" actId="700"/>
+          <ac:spMkLst>
+            <pc:docMk/>
+            <pc:sldMk cId="3809495927" sldId="261"/>
+            <ac:spMk id="4" creationId="{F0902F42-AD20-EE85-71BC-76DBBCA34007}"/>
+          </ac:spMkLst>
+        </pc:spChg>
+        <pc:spChg chg="add mod ord">
+          <ac:chgData name="Daniel Garcia Acevedo" userId="55c75eb6981db7e4" providerId="LiveId" clId="{0B3890AF-F7B7-4C67-8FD3-7DE75953A6DD}" dt="2025-04-11T22:44:41.372" v="475" actId="700"/>
+          <ac:spMkLst>
+            <pc:docMk/>
+            <pc:sldMk cId="3809495927" sldId="261"/>
+            <ac:spMk id="5" creationId="{746CE284-A869-DBC6-389F-B982173A236C}"/>
+          </ac:spMkLst>
+        </pc:spChg>
+      </pc:sldChg>
+      <pc:sldChg chg="addSp delSp modSp new mod modClrScheme chgLayout">
+        <pc:chgData name="Daniel Garcia Acevedo" userId="55c75eb6981db7e4" providerId="LiveId" clId="{0B3890AF-F7B7-4C67-8FD3-7DE75953A6DD}" dt="2025-04-12T01:54:43.417" v="4107" actId="5793"/>
+        <pc:sldMkLst>
+          <pc:docMk/>
+          <pc:sldMk cId="231851581" sldId="262"/>
+        </pc:sldMkLst>
+        <pc:spChg chg="del mod ord">
+          <ac:chgData name="Daniel Garcia Acevedo" userId="55c75eb6981db7e4" providerId="LiveId" clId="{0B3890AF-F7B7-4C67-8FD3-7DE75953A6DD}" dt="2025-04-11T23:46:31.230" v="2762" actId="700"/>
+          <ac:spMkLst>
+            <pc:docMk/>
+            <pc:sldMk cId="231851581" sldId="262"/>
+            <ac:spMk id="2" creationId="{B1960684-211C-10F7-9221-2D98CE2A6F10}"/>
+          </ac:spMkLst>
+        </pc:spChg>
+        <pc:spChg chg="del">
+          <ac:chgData name="Daniel Garcia Acevedo" userId="55c75eb6981db7e4" providerId="LiveId" clId="{0B3890AF-F7B7-4C67-8FD3-7DE75953A6DD}" dt="2025-04-11T23:46:31.230" v="2762" actId="700"/>
+          <ac:spMkLst>
+            <pc:docMk/>
+            <pc:sldMk cId="231851581" sldId="262"/>
+            <ac:spMk id="3" creationId="{76BCB603-7ED7-8996-223A-7CD6FC29377E}"/>
+          </ac:spMkLst>
+        </pc:spChg>
+        <pc:spChg chg="add mod ord">
+          <ac:chgData name="Daniel Garcia Acevedo" userId="55c75eb6981db7e4" providerId="LiveId" clId="{0B3890AF-F7B7-4C67-8FD3-7DE75953A6DD}" dt="2025-04-12T00:21:53.812" v="3362" actId="700"/>
+          <ac:spMkLst>
+            <pc:docMk/>
+            <pc:sldMk cId="231851581" sldId="262"/>
+            <ac:spMk id="4" creationId="{14DA1AD2-0326-BF18-3AEC-850737168228}"/>
+          </ac:spMkLst>
+        </pc:spChg>
+        <pc:graphicFrameChg chg="add mod modGraphic">
+          <ac:chgData name="Daniel Garcia Acevedo" userId="55c75eb6981db7e4" providerId="LiveId" clId="{0B3890AF-F7B7-4C67-8FD3-7DE75953A6DD}" dt="2025-04-12T01:54:43.417" v="4107" actId="5793"/>
+          <ac:graphicFrameMkLst>
+            <pc:docMk/>
+            <pc:sldMk cId="231851581" sldId="262"/>
+            <ac:graphicFrameMk id="5" creationId="{E327FB68-F46C-41CB-0D99-9A799F3384B1}"/>
+          </ac:graphicFrameMkLst>
+        </pc:graphicFrameChg>
+      </pc:sldChg>
+      <pc:sldChg chg="addSp delSp modSp new mod chgLayout">
+        <pc:chgData name="Daniel Garcia Acevedo" userId="55c75eb6981db7e4" providerId="LiveId" clId="{0B3890AF-F7B7-4C67-8FD3-7DE75953A6DD}" dt="2025-04-12T01:59:17.973" v="4278"/>
+        <pc:sldMkLst>
+          <pc:docMk/>
+          <pc:sldMk cId="446922081" sldId="263"/>
+        </pc:sldMkLst>
+        <pc:spChg chg="mod ord">
+          <ac:chgData name="Daniel Garcia Acevedo" userId="55c75eb6981db7e4" providerId="LiveId" clId="{0B3890AF-F7B7-4C67-8FD3-7DE75953A6DD}" dt="2025-04-12T01:59:17.973" v="4278"/>
+          <ac:spMkLst>
+            <pc:docMk/>
+            <pc:sldMk cId="446922081" sldId="263"/>
+            <ac:spMk id="2" creationId="{301AF5BA-6903-26EC-5567-44910B80D2C9}"/>
+          </ac:spMkLst>
+        </pc:spChg>
+        <pc:spChg chg="del">
+          <ac:chgData name="Daniel Garcia Acevedo" userId="55c75eb6981db7e4" providerId="LiveId" clId="{0B3890AF-F7B7-4C67-8FD3-7DE75953A6DD}" dt="2025-04-11T22:36:05.019" v="47" actId="21"/>
+          <ac:spMkLst>
+            <pc:docMk/>
+            <pc:sldMk cId="446922081" sldId="263"/>
+            <ac:spMk id="3" creationId="{34A929A2-891A-CF25-A288-396F7CF4E9DE}"/>
+          </ac:spMkLst>
+        </pc:spChg>
+        <pc:spChg chg="add del mod ord">
+          <ac:chgData name="Daniel Garcia Acevedo" userId="55c75eb6981db7e4" providerId="LiveId" clId="{0B3890AF-F7B7-4C67-8FD3-7DE75953A6DD}" dt="2025-04-11T22:44:37.087" v="474" actId="700"/>
+          <ac:spMkLst>
+            <pc:docMk/>
+            <pc:sldMk cId="446922081" sldId="263"/>
+            <ac:spMk id="5" creationId="{919173D1-4719-EDD6-A6A1-B8DF855FE751}"/>
+          </ac:spMkLst>
+        </pc:spChg>
+        <pc:graphicFrameChg chg="add mod modGraphic">
+          <ac:chgData name="Daniel Garcia Acevedo" userId="55c75eb6981db7e4" providerId="LiveId" clId="{0B3890AF-F7B7-4C67-8FD3-7DE75953A6DD}" dt="2025-04-11T23:14:41.542" v="2686" actId="2161"/>
+          <ac:graphicFrameMkLst>
+            <pc:docMk/>
+            <pc:sldMk cId="446922081" sldId="263"/>
+            <ac:graphicFrameMk id="4" creationId="{454748F4-7092-D522-2DCE-021903DB428F}"/>
+          </ac:graphicFrameMkLst>
+        </pc:graphicFrameChg>
+      </pc:sldChg>
+      <pc:sldChg chg="addSp delSp modSp add mod">
+        <pc:chgData name="Daniel Garcia Acevedo" userId="55c75eb6981db7e4" providerId="LiveId" clId="{0B3890AF-F7B7-4C67-8FD3-7DE75953A6DD}" dt="2025-04-11T23:15:18.687" v="2703" actId="20577"/>
+        <pc:sldMkLst>
+          <pc:docMk/>
+          <pc:sldMk cId="3073265482" sldId="264"/>
+        </pc:sldMkLst>
+        <pc:spChg chg="del mod">
+          <ac:chgData name="Daniel Garcia Acevedo" userId="55c75eb6981db7e4" providerId="LiveId" clId="{0B3890AF-F7B7-4C67-8FD3-7DE75953A6DD}" dt="2025-04-11T22:45:08.199" v="486" actId="21"/>
+          <ac:spMkLst>
+            <pc:docMk/>
+            <pc:sldMk cId="3073265482" sldId="264"/>
+            <ac:spMk id="2" creationId="{3683C00A-E72A-8F1D-9095-04EE61F3A711}"/>
+          </ac:spMkLst>
+        </pc:spChg>
+        <pc:spChg chg="add del mod">
+          <ac:chgData name="Daniel Garcia Acevedo" userId="55c75eb6981db7e4" providerId="LiveId" clId="{0B3890AF-F7B7-4C67-8FD3-7DE75953A6DD}" dt="2025-04-11T22:45:11.157" v="487" actId="21"/>
+          <ac:spMkLst>
+            <pc:docMk/>
+            <pc:sldMk cId="3073265482" sldId="264"/>
+            <ac:spMk id="5" creationId="{75BA8D01-C730-D165-0551-7194ADB14627}"/>
+          </ac:spMkLst>
+        </pc:spChg>
+        <pc:graphicFrameChg chg="mod modGraphic">
+          <ac:chgData name="Daniel Garcia Acevedo" userId="55c75eb6981db7e4" providerId="LiveId" clId="{0B3890AF-F7B7-4C67-8FD3-7DE75953A6DD}" dt="2025-04-11T23:15:18.687" v="2703" actId="20577"/>
+          <ac:graphicFrameMkLst>
+            <pc:docMk/>
+            <pc:sldMk cId="3073265482" sldId="264"/>
+            <ac:graphicFrameMk id="4" creationId="{A18129EF-F54C-9AEB-C947-5B58CB880454}"/>
+          </ac:graphicFrameMkLst>
+        </pc:graphicFrameChg>
+      </pc:sldChg>
+      <pc:sldChg chg="new del">
+        <pc:chgData name="Daniel Garcia Acevedo" userId="55c75eb6981db7e4" providerId="LiveId" clId="{0B3890AF-F7B7-4C67-8FD3-7DE75953A6DD}" dt="2025-04-11T22:53:16.115" v="1352" actId="47"/>
+        <pc:sldMkLst>
+          <pc:docMk/>
+          <pc:sldMk cId="2610503691" sldId="265"/>
+        </pc:sldMkLst>
+      </pc:sldChg>
+      <pc:sldChg chg="new del">
+        <pc:chgData name="Daniel Garcia Acevedo" userId="55c75eb6981db7e4" providerId="LiveId" clId="{0B3890AF-F7B7-4C67-8FD3-7DE75953A6DD}" dt="2025-04-11T22:53:38.183" v="1359" actId="47"/>
+        <pc:sldMkLst>
+          <pc:docMk/>
+          <pc:sldMk cId="1884538140" sldId="266"/>
+        </pc:sldMkLst>
+      </pc:sldChg>
+      <pc:sldChg chg="addSp modSp add mod">
+        <pc:chgData name="Daniel Garcia Acevedo" userId="55c75eb6981db7e4" providerId="LiveId" clId="{0B3890AF-F7B7-4C67-8FD3-7DE75953A6DD}" dt="2025-04-12T01:59:10.888" v="4277"/>
+        <pc:sldMkLst>
+          <pc:docMk/>
+          <pc:sldMk cId="1892481738" sldId="267"/>
+        </pc:sldMkLst>
+        <pc:spChg chg="mod">
+          <ac:chgData name="Daniel Garcia Acevedo" userId="55c75eb6981db7e4" providerId="LiveId" clId="{0B3890AF-F7B7-4C67-8FD3-7DE75953A6DD}" dt="2025-04-12T01:59:10.888" v="4277"/>
+          <ac:spMkLst>
+            <pc:docMk/>
+            <pc:sldMk cId="1892481738" sldId="267"/>
+            <ac:spMk id="2" creationId="{EF8AF021-BA89-E89C-46B1-F928DC791D15}"/>
+          </ac:spMkLst>
+        </pc:spChg>
+        <pc:graphicFrameChg chg="add mod">
+          <ac:chgData name="Daniel Garcia Acevedo" userId="55c75eb6981db7e4" providerId="LiveId" clId="{0B3890AF-F7B7-4C67-8FD3-7DE75953A6DD}" dt="2025-04-11T22:56:26.900" v="1382"/>
+          <ac:graphicFrameMkLst>
+            <pc:docMk/>
+            <pc:sldMk cId="1892481738" sldId="267"/>
+            <ac:graphicFrameMk id="3" creationId="{9A929AF3-E3D6-84A3-F228-8B28F9C48E63}"/>
+          </ac:graphicFrameMkLst>
+        </pc:graphicFrameChg>
+        <pc:graphicFrameChg chg="mod modGraphic">
+          <ac:chgData name="Daniel Garcia Acevedo" userId="55c75eb6981db7e4" providerId="LiveId" clId="{0B3890AF-F7B7-4C67-8FD3-7DE75953A6DD}" dt="2025-04-11T23:16:03.842" v="2729" actId="20577"/>
+          <ac:graphicFrameMkLst>
+            <pc:docMk/>
+            <pc:sldMk cId="1892481738" sldId="267"/>
+            <ac:graphicFrameMk id="4" creationId="{07DA3F77-A418-EC96-466D-F8D272C81835}"/>
+          </ac:graphicFrameMkLst>
+        </pc:graphicFrameChg>
+      </pc:sldChg>
+      <pc:sldChg chg="modSp add mod">
+        <pc:chgData name="Daniel Garcia Acevedo" userId="55c75eb6981db7e4" providerId="LiveId" clId="{0B3890AF-F7B7-4C67-8FD3-7DE75953A6DD}" dt="2025-04-11T23:16:34.909" v="2752" actId="20577"/>
+        <pc:sldMkLst>
+          <pc:docMk/>
+          <pc:sldMk cId="2583551509" sldId="268"/>
+        </pc:sldMkLst>
+        <pc:graphicFrameChg chg="mod modGraphic">
+          <ac:chgData name="Daniel Garcia Acevedo" userId="55c75eb6981db7e4" providerId="LiveId" clId="{0B3890AF-F7B7-4C67-8FD3-7DE75953A6DD}" dt="2025-04-11T23:16:34.909" v="2752" actId="20577"/>
+          <ac:graphicFrameMkLst>
+            <pc:docMk/>
+            <pc:sldMk cId="2583551509" sldId="268"/>
+            <ac:graphicFrameMk id="4" creationId="{B95DD2D6-336A-0CE9-14B3-9676A703EEFB}"/>
+          </ac:graphicFrameMkLst>
+        </pc:graphicFrameChg>
+      </pc:sldChg>
+      <pc:sldChg chg="add del">
+        <pc:chgData name="Daniel Garcia Acevedo" userId="55c75eb6981db7e4" providerId="LiveId" clId="{0B3890AF-F7B7-4C67-8FD3-7DE75953A6DD}" dt="2025-04-11T22:53:32.258" v="1357" actId="47"/>
+        <pc:sldMkLst>
+          <pc:docMk/>
+          <pc:sldMk cId="4282460520" sldId="268"/>
+        </pc:sldMkLst>
+      </pc:sldChg>
+      <pc:sldChg chg="new del">
+        <pc:chgData name="Daniel Garcia Acevedo" userId="55c75eb6981db7e4" providerId="LiveId" clId="{0B3890AF-F7B7-4C67-8FD3-7DE75953A6DD}" dt="2025-04-12T00:21:41.447" v="3361" actId="2696"/>
+        <pc:sldMkLst>
+          <pc:docMk/>
+          <pc:sldMk cId="1912532993" sldId="269"/>
+        </pc:sldMkLst>
+      </pc:sldChg>
+      <pc:sldChg chg="addSp delSp modSp new mod">
+        <pc:chgData name="Daniel Garcia Acevedo" userId="55c75eb6981db7e4" providerId="LiveId" clId="{0B3890AF-F7B7-4C67-8FD3-7DE75953A6DD}" dt="2025-04-12T01:59:05.062" v="4276"/>
+        <pc:sldMkLst>
+          <pc:docMk/>
+          <pc:sldMk cId="2369821875" sldId="269"/>
+        </pc:sldMkLst>
+        <pc:spChg chg="mod">
+          <ac:chgData name="Daniel Garcia Acevedo" userId="55c75eb6981db7e4" providerId="LiveId" clId="{0B3890AF-F7B7-4C67-8FD3-7DE75953A6DD}" dt="2025-04-12T01:59:05.062" v="4276"/>
+          <ac:spMkLst>
+            <pc:docMk/>
+            <pc:sldMk cId="2369821875" sldId="269"/>
+            <ac:spMk id="2" creationId="{538D01B0-077A-E60C-643A-72F1D0E5F579}"/>
+          </ac:spMkLst>
+        </pc:spChg>
+        <pc:graphicFrameChg chg="add mod modGraphic">
+          <ac:chgData name="Daniel Garcia Acevedo" userId="55c75eb6981db7e4" providerId="LiveId" clId="{0B3890AF-F7B7-4C67-8FD3-7DE75953A6DD}" dt="2025-04-12T01:58:44.834" v="4272" actId="207"/>
+          <ac:graphicFrameMkLst>
+            <pc:docMk/>
+            <pc:sldMk cId="2369821875" sldId="269"/>
+            <ac:graphicFrameMk id="5" creationId="{A047BD00-54D3-23C7-10E1-82EE65DC9BB1}"/>
+          </ac:graphicFrameMkLst>
+        </pc:graphicFrameChg>
+        <pc:picChg chg="add del mod">
+          <ac:chgData name="Daniel Garcia Acevedo" userId="55c75eb6981db7e4" providerId="LiveId" clId="{0B3890AF-F7B7-4C67-8FD3-7DE75953A6DD}" dt="2025-04-12T00:44:22.614" v="3408" actId="478"/>
+          <ac:picMkLst>
+            <pc:docMk/>
+            <pc:sldMk cId="2369821875" sldId="269"/>
+            <ac:picMk id="4" creationId="{3540A76E-2716-3EA5-1036-6542E8C8529A}"/>
+          </ac:picMkLst>
+        </pc:picChg>
+      </pc:sldChg>
+      <pc:sldChg chg="addSp modSp new mod">
+        <pc:chgData name="Daniel Garcia Acevedo" userId="55c75eb6981db7e4" providerId="LiveId" clId="{0B3890AF-F7B7-4C67-8FD3-7DE75953A6DD}" dt="2025-04-12T01:58:56.298" v="4275"/>
+        <pc:sldMkLst>
+          <pc:docMk/>
+          <pc:sldMk cId="2207819087" sldId="270"/>
+        </pc:sldMkLst>
+        <pc:spChg chg="mod">
+          <ac:chgData name="Daniel Garcia Acevedo" userId="55c75eb6981db7e4" providerId="LiveId" clId="{0B3890AF-F7B7-4C67-8FD3-7DE75953A6DD}" dt="2025-04-12T01:58:56.298" v="4275"/>
+          <ac:spMkLst>
+            <pc:docMk/>
+            <pc:sldMk cId="2207819087" sldId="270"/>
+            <ac:spMk id="2" creationId="{6360BE37-9139-6257-1A12-7CFD180E16E0}"/>
+          </ac:spMkLst>
+        </pc:spChg>
+        <pc:graphicFrameChg chg="add mod modGraphic">
+          <ac:chgData name="Daniel Garcia Acevedo" userId="55c75eb6981db7e4" providerId="LiveId" clId="{0B3890AF-F7B7-4C67-8FD3-7DE75953A6DD}" dt="2025-04-12T01:58:50.424" v="4273" actId="207"/>
+          <ac:graphicFrameMkLst>
+            <pc:docMk/>
+            <pc:sldMk cId="2207819087" sldId="270"/>
+            <ac:graphicFrameMk id="3" creationId="{D3A66330-4E8B-B3E9-C131-8CACE979D8C3}"/>
+          </ac:graphicFrameMkLst>
+        </pc:graphicFrameChg>
+      </pc:sldChg>
+    </pc:docChg>
+  </pc:docChgLst>
+</pc:chgInfo>
 </file>
 
 <file path=ppt/slideLayouts/slideLayout1.xml><?xml version="1.0" encoding="utf-8"?>
@@ -287,7 +712,7 @@
             <a:fld id="{87DE6118-2437-4B30-8E3C-4D2BE6020583}" type="datetimeFigureOut">
               <a:rPr lang="en-US" dirty="0"/>
               <a:pPr/>
-              <a:t>4/4/2025</a:t>
+              <a:t>4/11/2025</a:t>
             </a:fld>
             <a:endParaRPr lang="en-US" dirty="0"/>
           </a:p>
@@ -613,7 +1038,7 @@
           <a:p>
             <a:fld id="{87DE6118-2437-4B30-8E3C-4D2BE6020583}" type="datetimeFigureOut">
               <a:rPr lang="en-US" dirty="0"/>
-              <a:t>4/4/2025</a:t>
+              <a:t>4/11/2025</a:t>
             </a:fld>
             <a:endParaRPr lang="en-US" dirty="0"/>
           </a:p>
@@ -788,7 +1213,7 @@
           <a:p>
             <a:fld id="{87DE6118-2437-4B30-8E3C-4D2BE6020583}" type="datetimeFigureOut">
               <a:rPr lang="en-US" dirty="0"/>
-              <a:t>4/4/2025</a:t>
+              <a:t>4/11/2025</a:t>
             </a:fld>
             <a:endParaRPr lang="en-US" dirty="0"/>
           </a:p>
@@ -953,7 +1378,7 @@
           <a:p>
             <a:fld id="{87DE6118-2437-4B30-8E3C-4D2BE6020583}" type="datetimeFigureOut">
               <a:rPr lang="en-US" dirty="0"/>
-              <a:t>4/4/2025</a:t>
+              <a:t>4/11/2025</a:t>
             </a:fld>
             <a:endParaRPr lang="en-US" dirty="0"/>
           </a:p>
@@ -1226,7 +1651,7 @@
             <a:fld id="{87DE6118-2437-4B30-8E3C-4D2BE6020583}" type="datetimeFigureOut">
               <a:rPr lang="en-US" dirty="0"/>
               <a:pPr/>
-              <a:t>4/4/2025</a:t>
+              <a:t>4/11/2025</a:t>
             </a:fld>
             <a:endParaRPr lang="en-US" dirty="0"/>
           </a:p>
@@ -1616,7 +2041,7 @@
           <a:p>
             <a:fld id="{87DE6118-2437-4B30-8E3C-4D2BE6020583}" type="datetimeFigureOut">
               <a:rPr lang="en-US" dirty="0"/>
-              <a:t>4/4/2025</a:t>
+              <a:t>4/11/2025</a:t>
             </a:fld>
             <a:endParaRPr lang="en-US" dirty="0"/>
           </a:p>
@@ -2088,7 +2513,7 @@
           <a:p>
             <a:fld id="{87DE6118-2437-4B30-8E3C-4D2BE6020583}" type="datetimeFigureOut">
               <a:rPr lang="en-US" dirty="0"/>
-              <a:t>4/4/2025</a:t>
+              <a:t>4/11/2025</a:t>
             </a:fld>
             <a:endParaRPr lang="en-US" dirty="0"/>
           </a:p>
@@ -2201,7 +2626,7 @@
           <a:p>
             <a:fld id="{87DE6118-2437-4B30-8E3C-4D2BE6020583}" type="datetimeFigureOut">
               <a:rPr lang="en-US" dirty="0"/>
-              <a:t>4/4/2025</a:t>
+              <a:t>4/11/2025</a:t>
             </a:fld>
             <a:endParaRPr lang="en-US" dirty="0"/>
           </a:p>
@@ -2291,7 +2716,7 @@
           <a:p>
             <a:fld id="{87DE6118-2437-4B30-8E3C-4D2BE6020583}" type="datetimeFigureOut">
               <a:rPr lang="en-US" dirty="0"/>
-              <a:t>4/4/2025</a:t>
+              <a:t>4/11/2025</a:t>
             </a:fld>
             <a:endParaRPr lang="en-US" dirty="0"/>
           </a:p>
@@ -2633,7 +3058,7 @@
             <a:fld id="{87DE6118-2437-4B30-8E3C-4D2BE6020583}" type="datetimeFigureOut">
               <a:rPr lang="en-US" dirty="0"/>
               <a:pPr/>
-              <a:t>4/4/2025</a:t>
+              <a:t>4/11/2025</a:t>
             </a:fld>
             <a:endParaRPr lang="en-US" dirty="0"/>
           </a:p>
@@ -3018,7 +3443,7 @@
             <a:fld id="{87DE6118-2437-4B30-8E3C-4D2BE6020583}" type="datetimeFigureOut">
               <a:rPr lang="en-US" dirty="0"/>
               <a:pPr/>
-              <a:t>4/4/2025</a:t>
+              <a:t>4/11/2025</a:t>
             </a:fld>
             <a:endParaRPr lang="en-US" dirty="0"/>
           </a:p>
@@ -3293,7 +3718,7 @@
             <a:fld id="{87DE6118-2437-4B30-8E3C-4D2BE6020583}" type="datetimeFigureOut">
               <a:rPr lang="en-US" dirty="0"/>
               <a:pPr/>
-              <a:t>4/4/2025</a:t>
+              <a:t>4/11/2025</a:t>
             </a:fld>
             <a:endParaRPr lang="en-US" dirty="0"/>
           </a:p>
@@ -3823,10 +4248,26 @@
           <a:lstStyle/>
           <a:p>
             <a:r>
-              <a:rPr lang="es-ES" dirty="0" err="1"/>
+              <a:rPr lang="es-ES" b="1" dirty="0" err="1">
+                <a:effectLst>
+                  <a:outerShdw blurRad="38100" dist="38100" dir="2700000" algn="tl">
+                    <a:srgbClr val="000000">
+                      <a:alpha val="43137"/>
+                    </a:srgbClr>
+                  </a:outerShdw>
+                </a:effectLst>
+              </a:rPr>
               <a:t>taskflow</a:t>
             </a:r>
-            <a:endParaRPr lang="es-ES" dirty="0"/>
+            <a:endParaRPr lang="es-ES" b="1" dirty="0">
+              <a:effectLst>
+                <a:outerShdw blurRad="38100" dist="38100" dir="2700000" algn="tl">
+                  <a:srgbClr val="000000">
+                    <a:alpha val="43137"/>
+                  </a:srgbClr>
+                </a:outerShdw>
+              </a:effectLst>
+            </a:endParaRPr>
           </a:p>
         </p:txBody>
       </p:sp>
@@ -3869,6 +4310,1304 @@
     <p:extLst>
       <p:ext uri="{BB962C8B-B14F-4D97-AF65-F5344CB8AC3E}">
         <p14:creationId xmlns:p14="http://schemas.microsoft.com/office/powerpoint/2010/main" val="4141302597"/>
+      </p:ext>
+    </p:extLst>
+  </p:cSld>
+  <p:clrMapOvr>
+    <a:masterClrMapping/>
+  </p:clrMapOvr>
+</p:sld>
+</file>
+
+<file path=ppt/slides/slide10.xml><?xml version="1.0" encoding="utf-8"?>
+<p:sld xmlns:a="http://schemas.openxmlformats.org/drawingml/2006/main" xmlns:r="http://schemas.openxmlformats.org/officeDocument/2006/relationships" xmlns:p="http://schemas.openxmlformats.org/presentationml/2006/main">
+  <p:cSld>
+    <p:spTree>
+      <p:nvGrpSpPr>
+        <p:cNvPr id="1" name=""/>
+        <p:cNvGrpSpPr/>
+        <p:nvPr/>
+      </p:nvGrpSpPr>
+      <p:grpSpPr>
+        <a:xfrm>
+          <a:off x="0" y="0"/>
+          <a:ext cx="0" cy="0"/>
+          <a:chOff x="0" y="0"/>
+          <a:chExt cx="0" cy="0"/>
+        </a:xfrm>
+      </p:grpSpPr>
+      <p:sp>
+        <p:nvSpPr>
+          <p:cNvPr id="2" name="Título 1">
+            <a:extLst>
+              <a:ext uri="{FF2B5EF4-FFF2-40B4-BE49-F238E27FC236}">
+                <a16:creationId xmlns:a16="http://schemas.microsoft.com/office/drawing/2014/main" id="{538D01B0-077A-E60C-643A-72F1D0E5F579}"/>
+              </a:ext>
+            </a:extLst>
+          </p:cNvPr>
+          <p:cNvSpPr>
+            <a:spLocks noGrp="1"/>
+          </p:cNvSpPr>
+          <p:nvPr>
+            <p:ph type="title"/>
+          </p:nvPr>
+        </p:nvSpPr>
+        <p:spPr>
+          <a:xfrm>
+            <a:off x="1639529" y="76200"/>
+            <a:ext cx="9601200" cy="749710"/>
+          </a:xfrm>
+        </p:spPr>
+        <p:txBody>
+          <a:bodyPr>
+            <a:normAutofit/>
+          </a:bodyPr>
+          <a:lstStyle/>
+          <a:p>
+            <a:pPr algn="ctr"/>
+            <a:r>
+              <a:rPr lang="es-ES" b="1" dirty="0">
+                <a:effectLst>
+                  <a:outerShdw blurRad="38100" dist="38100" dir="2700000" algn="tl">
+                    <a:srgbClr val="000000">
+                      <a:alpha val="43137"/>
+                    </a:srgbClr>
+                  </a:outerShdw>
+                </a:effectLst>
+              </a:rPr>
+              <a:t>PONDERACIÓN</a:t>
+            </a:r>
+          </a:p>
+        </p:txBody>
+      </p:sp>
+      <p:graphicFrame>
+        <p:nvGraphicFramePr>
+          <p:cNvPr id="5" name="Tabla 4">
+            <a:extLst>
+              <a:ext uri="{FF2B5EF4-FFF2-40B4-BE49-F238E27FC236}">
+                <a16:creationId xmlns:a16="http://schemas.microsoft.com/office/drawing/2014/main" id="{A047BD00-54D3-23C7-10E1-82EE65DC9BB1}"/>
+              </a:ext>
+            </a:extLst>
+          </p:cNvPr>
+          <p:cNvGraphicFramePr>
+            <a:graphicFrameLocks noGrp="1"/>
+          </p:cNvGraphicFramePr>
+          <p:nvPr>
+            <p:extLst>
+              <p:ext uri="{D42A27DB-BD31-4B8C-83A1-F6EECF244321}">
+                <p14:modId xmlns:p14="http://schemas.microsoft.com/office/powerpoint/2010/main" val="3405150917"/>
+              </p:ext>
+            </p:extLst>
+          </p:nvPr>
+        </p:nvGraphicFramePr>
+        <p:xfrm>
+          <a:off x="206477" y="711761"/>
+          <a:ext cx="12133006" cy="5600548"/>
+        </p:xfrm>
+        <a:graphic>
+          <a:graphicData uri="http://schemas.openxmlformats.org/drawingml/2006/table">
+            <a:tbl>
+              <a:tblPr firstRow="1" bandRow="1">
+                <a:tableStyleId>{5C22544A-7EE6-4342-B048-85BDC9FD1C3A}</a:tableStyleId>
+              </a:tblPr>
+              <a:tblGrid>
+                <a:gridCol w="1316713">
+                  <a:extLst>
+                    <a:ext uri="{9D8B030D-6E8A-4147-A177-3AD203B41FA5}">
+                      <a16:colId xmlns:a16="http://schemas.microsoft.com/office/drawing/2014/main" val="3714134084"/>
+                    </a:ext>
+                  </a:extLst>
+                </a:gridCol>
+                <a:gridCol w="1595961">
+                  <a:extLst>
+                    <a:ext uri="{9D8B030D-6E8A-4147-A177-3AD203B41FA5}">
+                      <a16:colId xmlns:a16="http://schemas.microsoft.com/office/drawing/2014/main" val="1843499807"/>
+                    </a:ext>
+                  </a:extLst>
+                </a:gridCol>
+                <a:gridCol w="3732546">
+                  <a:extLst>
+                    <a:ext uri="{9D8B030D-6E8A-4147-A177-3AD203B41FA5}">
+                      <a16:colId xmlns:a16="http://schemas.microsoft.com/office/drawing/2014/main" val="160915644"/>
+                    </a:ext>
+                  </a:extLst>
+                </a:gridCol>
+                <a:gridCol w="1357275">
+                  <a:extLst>
+                    <a:ext uri="{9D8B030D-6E8A-4147-A177-3AD203B41FA5}">
+                      <a16:colId xmlns:a16="http://schemas.microsoft.com/office/drawing/2014/main" val="430098587"/>
+                    </a:ext>
+                  </a:extLst>
+                </a:gridCol>
+                <a:gridCol w="1012697">
+                  <a:extLst>
+                    <a:ext uri="{9D8B030D-6E8A-4147-A177-3AD203B41FA5}">
+                      <a16:colId xmlns:a16="http://schemas.microsoft.com/office/drawing/2014/main" val="189443878"/>
+                    </a:ext>
+                  </a:extLst>
+                </a:gridCol>
+                <a:gridCol w="1246132">
+                  <a:extLst>
+                    <a:ext uri="{9D8B030D-6E8A-4147-A177-3AD203B41FA5}">
+                      <a16:colId xmlns:a16="http://schemas.microsoft.com/office/drawing/2014/main" val="3892049403"/>
+                    </a:ext>
+                  </a:extLst>
+                </a:gridCol>
+                <a:gridCol w="935841">
+                  <a:extLst>
+                    <a:ext uri="{9D8B030D-6E8A-4147-A177-3AD203B41FA5}">
+                      <a16:colId xmlns:a16="http://schemas.microsoft.com/office/drawing/2014/main" val="1735948941"/>
+                    </a:ext>
+                  </a:extLst>
+                </a:gridCol>
+                <a:gridCol w="935841">
+                  <a:extLst>
+                    <a:ext uri="{9D8B030D-6E8A-4147-A177-3AD203B41FA5}">
+                      <a16:colId xmlns:a16="http://schemas.microsoft.com/office/drawing/2014/main" val="1494701270"/>
+                    </a:ext>
+                  </a:extLst>
+                </a:gridCol>
+              </a:tblGrid>
+              <a:tr h="368002">
+                <a:tc>
+                  <a:txBody>
+                    <a:bodyPr/>
+                    <a:lstStyle/>
+                    <a:p>
+                      <a:r>
+                        <a:rPr lang="es-ES" sz="1600" dirty="0"/>
+                        <a:t>ATRIBUTO </a:t>
+                      </a:r>
+                    </a:p>
+                  </a:txBody>
+                  <a:tcPr>
+                    <a:solidFill>
+                      <a:schemeClr val="accent5">
+                        <a:lumMod val="75000"/>
+                      </a:schemeClr>
+                    </a:solidFill>
+                  </a:tcPr>
+                </a:tc>
+                <a:tc>
+                  <a:txBody>
+                    <a:bodyPr/>
+                    <a:lstStyle/>
+                    <a:p>
+                      <a:r>
+                        <a:rPr lang="es-ES" sz="1600" dirty="0"/>
+                        <a:t>SUBCATEGORÍA</a:t>
+                      </a:r>
+                    </a:p>
+                  </a:txBody>
+                  <a:tcPr>
+                    <a:solidFill>
+                      <a:schemeClr val="accent5">
+                        <a:lumMod val="75000"/>
+                      </a:schemeClr>
+                    </a:solidFill>
+                  </a:tcPr>
+                </a:tc>
+                <a:tc>
+                  <a:txBody>
+                    <a:bodyPr/>
+                    <a:lstStyle/>
+                    <a:p>
+                      <a:r>
+                        <a:rPr lang="es-ES" sz="1600" dirty="0"/>
+                        <a:t>DESCRIPCIÓN</a:t>
+                      </a:r>
+                    </a:p>
+                  </a:txBody>
+                  <a:tcPr>
+                    <a:solidFill>
+                      <a:schemeClr val="accent5">
+                        <a:lumMod val="75000"/>
+                      </a:schemeClr>
+                    </a:solidFill>
+                  </a:tcPr>
+                </a:tc>
+                <a:tc>
+                  <a:txBody>
+                    <a:bodyPr/>
+                    <a:lstStyle/>
+                    <a:p>
+                      <a:r>
+                        <a:rPr lang="es-ES" sz="1600" dirty="0"/>
+                        <a:t>MÉTRICA</a:t>
+                      </a:r>
+                    </a:p>
+                  </a:txBody>
+                  <a:tcPr>
+                    <a:solidFill>
+                      <a:schemeClr val="accent5">
+                        <a:lumMod val="75000"/>
+                      </a:schemeClr>
+                    </a:solidFill>
+                  </a:tcPr>
+                </a:tc>
+                <a:tc>
+                  <a:txBody>
+                    <a:bodyPr/>
+                    <a:lstStyle/>
+                    <a:p>
+                      <a:r>
+                        <a:rPr lang="es-ES" sz="1600" dirty="0"/>
+                        <a:t>IMPACTO</a:t>
+                      </a:r>
+                    </a:p>
+                  </a:txBody>
+                  <a:tcPr>
+                    <a:solidFill>
+                      <a:schemeClr val="accent5">
+                        <a:lumMod val="75000"/>
+                      </a:schemeClr>
+                    </a:solidFill>
+                  </a:tcPr>
+                </a:tc>
+                <a:tc>
+                  <a:txBody>
+                    <a:bodyPr/>
+                    <a:lstStyle/>
+                    <a:p>
+                      <a:r>
+                        <a:rPr lang="es-ES" sz="1600" dirty="0"/>
+                        <a:t>DIFICULTAD</a:t>
+                      </a:r>
+                    </a:p>
+                  </a:txBody>
+                  <a:tcPr>
+                    <a:solidFill>
+                      <a:schemeClr val="accent5">
+                        <a:lumMod val="75000"/>
+                      </a:schemeClr>
+                    </a:solidFill>
+                  </a:tcPr>
+                </a:tc>
+                <a:tc>
+                  <a:txBody>
+                    <a:bodyPr/>
+                    <a:lstStyle/>
+                    <a:p>
+                      <a:r>
+                        <a:rPr lang="es-ES" sz="1600" dirty="0"/>
+                        <a:t>% PESO</a:t>
+                      </a:r>
+                    </a:p>
+                  </a:txBody>
+                  <a:tcPr>
+                    <a:solidFill>
+                      <a:schemeClr val="accent5">
+                        <a:lumMod val="75000"/>
+                      </a:schemeClr>
+                    </a:solidFill>
+                  </a:tcPr>
+                </a:tc>
+                <a:tc>
+                  <a:txBody>
+                    <a:bodyPr/>
+                    <a:lstStyle/>
+                    <a:p>
+                      <a:r>
+                        <a:rPr lang="es-ES" sz="1600" dirty="0"/>
+                        <a:t>VALOR </a:t>
+                      </a:r>
+                    </a:p>
+                  </a:txBody>
+                  <a:tcPr>
+                    <a:solidFill>
+                      <a:schemeClr val="accent5">
+                        <a:lumMod val="75000"/>
+                      </a:schemeClr>
+                    </a:solidFill>
+                  </a:tcPr>
+                </a:tc>
+                <a:extLst>
+                  <a:ext uri="{0D108BD9-81ED-4DB2-BD59-A6C34878D82A}">
+                    <a16:rowId xmlns:a16="http://schemas.microsoft.com/office/drawing/2014/main" val="231503686"/>
+                  </a:ext>
+                </a:extLst>
+              </a:tr>
+              <a:tr h="1706193">
+                <a:tc>
+                  <a:txBody>
+                    <a:bodyPr/>
+                    <a:lstStyle/>
+                    <a:p>
+                      <a:r>
+                        <a:rPr lang="es-ES" sz="1600" dirty="0"/>
+                        <a:t>Fiabilidad</a:t>
+                      </a:r>
+                    </a:p>
+                  </a:txBody>
+                  <a:tcPr/>
+                </a:tc>
+                <a:tc>
+                  <a:txBody>
+                    <a:bodyPr/>
+                    <a:lstStyle/>
+                    <a:p>
+                      <a:r>
+                        <a:rPr lang="es-ES" sz="1600" dirty="0"/>
+                        <a:t>Ausencia de fallos</a:t>
+                      </a:r>
+                    </a:p>
+                  </a:txBody>
+                  <a:tcPr/>
+                </a:tc>
+                <a:tc>
+                  <a:txBody>
+                    <a:bodyPr/>
+                    <a:lstStyle/>
+                    <a:p>
+                      <a:r>
+                        <a:rPr lang="es-ES" sz="1600" dirty="0"/>
+                        <a:t>Precisión en la sincronización de tareas</a:t>
+                      </a:r>
+                    </a:p>
+                  </a:txBody>
+                  <a:tcPr/>
+                </a:tc>
+                <a:tc>
+                  <a:txBody>
+                    <a:bodyPr/>
+                    <a:lstStyle/>
+                    <a:p>
+                      <a:r>
+                        <a:rPr lang="es-ES" sz="1600" dirty="0"/>
+                        <a:t>≥ 90% tareas sincronizadas correctamente</a:t>
+                      </a:r>
+                    </a:p>
+                  </a:txBody>
+                  <a:tcPr/>
+                </a:tc>
+                <a:tc>
+                  <a:txBody>
+                    <a:bodyPr/>
+                    <a:lstStyle/>
+                    <a:p>
+                      <a:r>
+                        <a:rPr lang="es-ES" sz="1600" dirty="0"/>
+                        <a:t>3</a:t>
+                      </a:r>
+                    </a:p>
+                  </a:txBody>
+                  <a:tcPr/>
+                </a:tc>
+                <a:tc>
+                  <a:txBody>
+                    <a:bodyPr/>
+                    <a:lstStyle/>
+                    <a:p>
+                      <a:r>
+                        <a:rPr lang="es-ES" sz="1600" dirty="0"/>
+                        <a:t>2</a:t>
+                      </a:r>
+                    </a:p>
+                  </a:txBody>
+                  <a:tcPr/>
+                </a:tc>
+                <a:tc>
+                  <a:txBody>
+                    <a:bodyPr/>
+                    <a:lstStyle/>
+                    <a:p>
+                      <a:r>
+                        <a:rPr lang="es-ES" sz="1600" dirty="0"/>
+                        <a:t>18</a:t>
+                      </a:r>
+                    </a:p>
+                  </a:txBody>
+                  <a:tcPr/>
+                </a:tc>
+                <a:tc>
+                  <a:txBody>
+                    <a:bodyPr/>
+                    <a:lstStyle/>
+                    <a:p>
+                      <a:r>
+                        <a:rPr lang="es-ES" sz="1600" dirty="0"/>
+                        <a:t>108</a:t>
+                      </a:r>
+                    </a:p>
+                  </a:txBody>
+                  <a:tcPr/>
+                </a:tc>
+                <a:extLst>
+                  <a:ext uri="{0D108BD9-81ED-4DB2-BD59-A6C34878D82A}">
+                    <a16:rowId xmlns:a16="http://schemas.microsoft.com/office/drawing/2014/main" val="3880296976"/>
+                  </a:ext>
+                </a:extLst>
+              </a:tr>
+              <a:tr h="687002">
+                <a:tc>
+                  <a:txBody>
+                    <a:bodyPr/>
+                    <a:lstStyle/>
+                    <a:p>
+                      <a:r>
+                        <a:rPr lang="es-ES" sz="1600" dirty="0"/>
+                        <a:t>Rendimiento</a:t>
+                      </a:r>
+                    </a:p>
+                  </a:txBody>
+                  <a:tcPr/>
+                </a:tc>
+                <a:tc>
+                  <a:txBody>
+                    <a:bodyPr/>
+                    <a:lstStyle/>
+                    <a:p>
+                      <a:r>
+                        <a:rPr lang="es-ES" sz="1600" dirty="0"/>
+                        <a:t>Tiempo de respuesta</a:t>
+                      </a:r>
+                    </a:p>
+                  </a:txBody>
+                  <a:tcPr/>
+                </a:tc>
+                <a:tc>
+                  <a:txBody>
+                    <a:bodyPr/>
+                    <a:lstStyle/>
+                    <a:p>
+                      <a:r>
+                        <a:rPr lang="es-ES" sz="1600" dirty="0"/>
+                        <a:t>Velocidad de carga de tareas y panel</a:t>
+                      </a:r>
+                    </a:p>
+                  </a:txBody>
+                  <a:tcPr/>
+                </a:tc>
+                <a:tc>
+                  <a:txBody>
+                    <a:bodyPr/>
+                    <a:lstStyle/>
+                    <a:p>
+                      <a:r>
+                        <a:rPr lang="es-ES" sz="1600" dirty="0"/>
+                        <a:t>≤ 1 segundo por acción</a:t>
+                      </a:r>
+                    </a:p>
+                  </a:txBody>
+                  <a:tcPr/>
+                </a:tc>
+                <a:tc>
+                  <a:txBody>
+                    <a:bodyPr/>
+                    <a:lstStyle/>
+                    <a:p>
+                      <a:r>
+                        <a:rPr lang="es-ES" sz="1600" dirty="0"/>
+                        <a:t>3</a:t>
+                      </a:r>
+                    </a:p>
+                  </a:txBody>
+                  <a:tcPr/>
+                </a:tc>
+                <a:tc>
+                  <a:txBody>
+                    <a:bodyPr/>
+                    <a:lstStyle/>
+                    <a:p>
+                      <a:r>
+                        <a:rPr lang="es-ES" sz="1600" dirty="0"/>
+                        <a:t>2</a:t>
+                      </a:r>
+                    </a:p>
+                  </a:txBody>
+                  <a:tcPr/>
+                </a:tc>
+                <a:tc>
+                  <a:txBody>
+                    <a:bodyPr/>
+                    <a:lstStyle/>
+                    <a:p>
+                      <a:r>
+                        <a:rPr lang="es-ES" sz="1600" dirty="0"/>
+                        <a:t>24</a:t>
+                      </a:r>
+                    </a:p>
+                  </a:txBody>
+                  <a:tcPr/>
+                </a:tc>
+                <a:tc>
+                  <a:txBody>
+                    <a:bodyPr/>
+                    <a:lstStyle/>
+                    <a:p>
+                      <a:r>
+                        <a:rPr lang="es-ES" sz="1600" dirty="0"/>
+                        <a:t>144</a:t>
+                      </a:r>
+                    </a:p>
+                  </a:txBody>
+                  <a:tcPr/>
+                </a:tc>
+                <a:extLst>
+                  <a:ext uri="{0D108BD9-81ED-4DB2-BD59-A6C34878D82A}">
+                    <a16:rowId xmlns:a16="http://schemas.microsoft.com/office/drawing/2014/main" val="1813060981"/>
+                  </a:ext>
+                </a:extLst>
+              </a:tr>
+              <a:tr h="1170916">
+                <a:tc>
+                  <a:txBody>
+                    <a:bodyPr/>
+                    <a:lstStyle/>
+                    <a:p>
+                      <a:r>
+                        <a:rPr lang="es-ES" sz="1600" dirty="0"/>
+                        <a:t>Seguridad</a:t>
+                      </a:r>
+                    </a:p>
+                  </a:txBody>
+                  <a:tcPr/>
+                </a:tc>
+                <a:tc>
+                  <a:txBody>
+                    <a:bodyPr/>
+                    <a:lstStyle/>
+                    <a:p>
+                      <a:r>
+                        <a:rPr lang="es-ES" sz="1600" dirty="0"/>
+                        <a:t>Control de acceso</a:t>
+                      </a:r>
+                    </a:p>
+                  </a:txBody>
+                  <a:tcPr/>
+                </a:tc>
+                <a:tc>
+                  <a:txBody>
+                    <a:bodyPr/>
+                    <a:lstStyle/>
+                    <a:p>
+                      <a:r>
+                        <a:rPr lang="es-ES" sz="1600" dirty="0"/>
+                        <a:t>Acceso con autenticación segura</a:t>
+                      </a:r>
+                    </a:p>
+                  </a:txBody>
+                  <a:tcPr/>
+                </a:tc>
+                <a:tc>
+                  <a:txBody>
+                    <a:bodyPr/>
+                    <a:lstStyle/>
+                    <a:p>
+                      <a:r>
+                        <a:rPr lang="es-ES" sz="1600" dirty="0"/>
+                        <a:t>Autenticación multifactorial</a:t>
+                      </a:r>
+                    </a:p>
+                  </a:txBody>
+                  <a:tcPr/>
+                </a:tc>
+                <a:tc>
+                  <a:txBody>
+                    <a:bodyPr/>
+                    <a:lstStyle/>
+                    <a:p>
+                      <a:r>
+                        <a:rPr lang="es-ES" sz="1600" dirty="0"/>
+                        <a:t>2</a:t>
+                      </a:r>
+                    </a:p>
+                  </a:txBody>
+                  <a:tcPr/>
+                </a:tc>
+                <a:tc>
+                  <a:txBody>
+                    <a:bodyPr/>
+                    <a:lstStyle/>
+                    <a:p>
+                      <a:r>
+                        <a:rPr lang="es-ES" sz="1600" dirty="0"/>
+                        <a:t>2</a:t>
+                      </a:r>
+                    </a:p>
+                  </a:txBody>
+                  <a:tcPr/>
+                </a:tc>
+                <a:tc>
+                  <a:txBody>
+                    <a:bodyPr/>
+                    <a:lstStyle/>
+                    <a:p>
+                      <a:r>
+                        <a:rPr lang="es-ES" sz="1600" dirty="0"/>
+                        <a:t>36</a:t>
+                      </a:r>
+                    </a:p>
+                  </a:txBody>
+                  <a:tcPr/>
+                </a:tc>
+                <a:tc>
+                  <a:txBody>
+                    <a:bodyPr/>
+                    <a:lstStyle/>
+                    <a:p>
+                      <a:r>
+                        <a:rPr lang="es-ES" sz="1600" dirty="0"/>
+                        <a:t>144</a:t>
+                      </a:r>
+                    </a:p>
+                  </a:txBody>
+                  <a:tcPr/>
+                </a:tc>
+                <a:extLst>
+                  <a:ext uri="{0D108BD9-81ED-4DB2-BD59-A6C34878D82A}">
+                    <a16:rowId xmlns:a16="http://schemas.microsoft.com/office/drawing/2014/main" val="3377588583"/>
+                  </a:ext>
+                </a:extLst>
+              </a:tr>
+              <a:tr h="687002">
+                <a:tc>
+                  <a:txBody>
+                    <a:bodyPr/>
+                    <a:lstStyle/>
+                    <a:p>
+                      <a:r>
+                        <a:rPr lang="es-ES" sz="1600" dirty="0"/>
+                        <a:t>Usabilidad</a:t>
+                      </a:r>
+                    </a:p>
+                  </a:txBody>
+                  <a:tcPr/>
+                </a:tc>
+                <a:tc>
+                  <a:txBody>
+                    <a:bodyPr/>
+                    <a:lstStyle/>
+                    <a:p>
+                      <a:r>
+                        <a:rPr lang="es-ES" sz="1600" dirty="0"/>
+                        <a:t>Interfaz</a:t>
+                      </a:r>
+                    </a:p>
+                  </a:txBody>
+                  <a:tcPr/>
+                </a:tc>
+                <a:tc>
+                  <a:txBody>
+                    <a:bodyPr/>
+                    <a:lstStyle/>
+                    <a:p>
+                      <a:r>
+                        <a:rPr lang="es-ES" sz="1600" dirty="0"/>
+                        <a:t>Facilidad de uso e interfaz intuitiva</a:t>
+                      </a:r>
+                    </a:p>
+                  </a:txBody>
+                  <a:tcPr/>
+                </a:tc>
+                <a:tc>
+                  <a:txBody>
+                    <a:bodyPr/>
+                    <a:lstStyle/>
+                    <a:p>
+                      <a:r>
+                        <a:rPr lang="es-ES" sz="1600" dirty="0"/>
+                        <a:t>Navegación en ≤ 3 clics</a:t>
+                      </a:r>
+                    </a:p>
+                  </a:txBody>
+                  <a:tcPr/>
+                </a:tc>
+                <a:tc>
+                  <a:txBody>
+                    <a:bodyPr/>
+                    <a:lstStyle/>
+                    <a:p>
+                      <a:r>
+                        <a:rPr lang="es-ES" sz="1600" dirty="0"/>
+                        <a:t>3</a:t>
+                      </a:r>
+                    </a:p>
+                  </a:txBody>
+                  <a:tcPr/>
+                </a:tc>
+                <a:tc>
+                  <a:txBody>
+                    <a:bodyPr/>
+                    <a:lstStyle/>
+                    <a:p>
+                      <a:r>
+                        <a:rPr lang="es-ES" sz="1600" dirty="0"/>
+                        <a:t>1</a:t>
+                      </a:r>
+                    </a:p>
+                  </a:txBody>
+                  <a:tcPr/>
+                </a:tc>
+                <a:tc>
+                  <a:txBody>
+                    <a:bodyPr/>
+                    <a:lstStyle/>
+                    <a:p>
+                      <a:r>
+                        <a:rPr lang="es-ES" sz="1600" dirty="0"/>
+                        <a:t>14</a:t>
+                      </a:r>
+                    </a:p>
+                  </a:txBody>
+                  <a:tcPr/>
+                </a:tc>
+                <a:tc>
+                  <a:txBody>
+                    <a:bodyPr/>
+                    <a:lstStyle/>
+                    <a:p>
+                      <a:r>
+                        <a:rPr lang="es-ES" sz="1600" dirty="0"/>
+                        <a:t>42</a:t>
+                      </a:r>
+                    </a:p>
+                  </a:txBody>
+                  <a:tcPr/>
+                </a:tc>
+                <a:extLst>
+                  <a:ext uri="{0D108BD9-81ED-4DB2-BD59-A6C34878D82A}">
+                    <a16:rowId xmlns:a16="http://schemas.microsoft.com/office/drawing/2014/main" val="2864794106"/>
+                  </a:ext>
+                </a:extLst>
+              </a:tr>
+              <a:tr h="981433">
+                <a:tc>
+                  <a:txBody>
+                    <a:bodyPr/>
+                    <a:lstStyle/>
+                    <a:p>
+                      <a:r>
+                        <a:rPr lang="es-ES" sz="1600" dirty="0"/>
+                        <a:t>Flexibilidad </a:t>
+                      </a:r>
+                    </a:p>
+                  </a:txBody>
+                  <a:tcPr/>
+                </a:tc>
+                <a:tc>
+                  <a:txBody>
+                    <a:bodyPr/>
+                    <a:lstStyle/>
+                    <a:p>
+                      <a:r>
+                        <a:rPr lang="es-ES" sz="1600" dirty="0"/>
+                        <a:t>Adaptabilidad</a:t>
+                      </a:r>
+                    </a:p>
+                  </a:txBody>
+                  <a:tcPr/>
+                </a:tc>
+                <a:tc>
+                  <a:txBody>
+                    <a:bodyPr/>
+                    <a:lstStyle/>
+                    <a:p>
+                      <a:r>
+                        <a:rPr lang="es-ES" sz="1600" dirty="0"/>
+                        <a:t>Compatible con diferentes dispositivos</a:t>
+                      </a:r>
+                    </a:p>
+                  </a:txBody>
+                  <a:tcPr/>
+                </a:tc>
+                <a:tc>
+                  <a:txBody>
+                    <a:bodyPr/>
+                    <a:lstStyle/>
+                    <a:p>
+                      <a:r>
+                        <a:rPr lang="es-ES" sz="1600" dirty="0"/>
+                        <a:t>Compatible ≥ 95% navegadores</a:t>
+                      </a:r>
+                    </a:p>
+                  </a:txBody>
+                  <a:tcPr/>
+                </a:tc>
+                <a:tc>
+                  <a:txBody>
+                    <a:bodyPr/>
+                    <a:lstStyle/>
+                    <a:p>
+                      <a:r>
+                        <a:rPr lang="es-ES" sz="1600" dirty="0"/>
+                        <a:t>2</a:t>
+                      </a:r>
+                    </a:p>
+                  </a:txBody>
+                  <a:tcPr/>
+                </a:tc>
+                <a:tc>
+                  <a:txBody>
+                    <a:bodyPr/>
+                    <a:lstStyle/>
+                    <a:p>
+                      <a:r>
+                        <a:rPr lang="es-ES" sz="1600" dirty="0"/>
+                        <a:t>2</a:t>
+                      </a:r>
+                    </a:p>
+                  </a:txBody>
+                  <a:tcPr/>
+                </a:tc>
+                <a:tc>
+                  <a:txBody>
+                    <a:bodyPr/>
+                    <a:lstStyle/>
+                    <a:p>
+                      <a:r>
+                        <a:rPr lang="es-ES" sz="1600" dirty="0"/>
+                        <a:t>9</a:t>
+                      </a:r>
+                    </a:p>
+                  </a:txBody>
+                  <a:tcPr/>
+                </a:tc>
+                <a:tc>
+                  <a:txBody>
+                    <a:bodyPr/>
+                    <a:lstStyle/>
+                    <a:p>
+                      <a:r>
+                        <a:rPr lang="es-ES" sz="1600" dirty="0"/>
+                        <a:t>36</a:t>
+                      </a:r>
+                    </a:p>
+                  </a:txBody>
+                  <a:tcPr/>
+                </a:tc>
+                <a:extLst>
+                  <a:ext uri="{0D108BD9-81ED-4DB2-BD59-A6C34878D82A}">
+                    <a16:rowId xmlns:a16="http://schemas.microsoft.com/office/drawing/2014/main" val="934376702"/>
+                  </a:ext>
+                </a:extLst>
+              </a:tr>
+            </a:tbl>
+          </a:graphicData>
+        </a:graphic>
+      </p:graphicFrame>
+    </p:spTree>
+    <p:extLst>
+      <p:ext uri="{BB962C8B-B14F-4D97-AF65-F5344CB8AC3E}">
+        <p14:creationId xmlns:p14="http://schemas.microsoft.com/office/powerpoint/2010/main" val="2369821875"/>
+      </p:ext>
+    </p:extLst>
+  </p:cSld>
+  <p:clrMapOvr>
+    <a:masterClrMapping/>
+  </p:clrMapOvr>
+</p:sld>
+</file>
+
+<file path=ppt/slides/slide11.xml><?xml version="1.0" encoding="utf-8"?>
+<p:sld xmlns:a="http://schemas.openxmlformats.org/drawingml/2006/main" xmlns:r="http://schemas.openxmlformats.org/officeDocument/2006/relationships" xmlns:p="http://schemas.openxmlformats.org/presentationml/2006/main">
+  <p:cSld>
+    <p:spTree>
+      <p:nvGrpSpPr>
+        <p:cNvPr id="1" name=""/>
+        <p:cNvGrpSpPr/>
+        <p:nvPr/>
+      </p:nvGrpSpPr>
+      <p:grpSpPr>
+        <a:xfrm>
+          <a:off x="0" y="0"/>
+          <a:ext cx="0" cy="0"/>
+          <a:chOff x="0" y="0"/>
+          <a:chExt cx="0" cy="0"/>
+        </a:xfrm>
+      </p:grpSpPr>
+      <p:sp>
+        <p:nvSpPr>
+          <p:cNvPr id="2" name="Título 1">
+            <a:extLst>
+              <a:ext uri="{FF2B5EF4-FFF2-40B4-BE49-F238E27FC236}">
+                <a16:creationId xmlns:a16="http://schemas.microsoft.com/office/drawing/2014/main" id="{6360BE37-9139-6257-1A12-7CFD180E16E0}"/>
+              </a:ext>
+            </a:extLst>
+          </p:cNvPr>
+          <p:cNvSpPr>
+            <a:spLocks noGrp="1"/>
+          </p:cNvSpPr>
+          <p:nvPr>
+            <p:ph type="title"/>
+          </p:nvPr>
+        </p:nvSpPr>
+        <p:spPr/>
+        <p:txBody>
+          <a:bodyPr/>
+          <a:lstStyle/>
+          <a:p>
+            <a:pPr algn="ctr"/>
+            <a:r>
+              <a:rPr lang="es-ES" b="1" dirty="0">
+                <a:effectLst>
+                  <a:outerShdw blurRad="38100" dist="38100" dir="2700000" algn="tl">
+                    <a:srgbClr val="000000">
+                      <a:alpha val="43137"/>
+                    </a:srgbClr>
+                  </a:outerShdw>
+                </a:effectLst>
+              </a:rPr>
+              <a:t>DRIVERS ARQUITECTÓNICOS</a:t>
+            </a:r>
+          </a:p>
+        </p:txBody>
+      </p:sp>
+      <p:graphicFrame>
+        <p:nvGraphicFramePr>
+          <p:cNvPr id="3" name="Tabla 2">
+            <a:extLst>
+              <a:ext uri="{FF2B5EF4-FFF2-40B4-BE49-F238E27FC236}">
+                <a16:creationId xmlns:a16="http://schemas.microsoft.com/office/drawing/2014/main" id="{D3A66330-4E8B-B3E9-C131-8CACE979D8C3}"/>
+              </a:ext>
+            </a:extLst>
+          </p:cNvPr>
+          <p:cNvGraphicFramePr>
+            <a:graphicFrameLocks noGrp="1"/>
+          </p:cNvGraphicFramePr>
+          <p:nvPr>
+            <p:extLst>
+              <p:ext uri="{D42A27DB-BD31-4B8C-83A1-F6EECF244321}">
+                <p14:modId xmlns:p14="http://schemas.microsoft.com/office/powerpoint/2010/main" val="570714980"/>
+              </p:ext>
+            </p:extLst>
+          </p:nvPr>
+        </p:nvGraphicFramePr>
+        <p:xfrm>
+          <a:off x="1745226" y="2401500"/>
+          <a:ext cx="9073794" cy="3379866"/>
+        </p:xfrm>
+        <a:graphic>
+          <a:graphicData uri="http://schemas.openxmlformats.org/drawingml/2006/table">
+            <a:tbl>
+              <a:tblPr firstRow="1" bandRow="1">
+                <a:tableStyleId>{5C22544A-7EE6-4342-B048-85BDC9FD1C3A}</a:tableStyleId>
+              </a:tblPr>
+              <a:tblGrid>
+                <a:gridCol w="3024598">
+                  <a:extLst>
+                    <a:ext uri="{9D8B030D-6E8A-4147-A177-3AD203B41FA5}">
+                      <a16:colId xmlns:a16="http://schemas.microsoft.com/office/drawing/2014/main" val="347347740"/>
+                    </a:ext>
+                  </a:extLst>
+                </a:gridCol>
+                <a:gridCol w="3024598">
+                  <a:extLst>
+                    <a:ext uri="{9D8B030D-6E8A-4147-A177-3AD203B41FA5}">
+                      <a16:colId xmlns:a16="http://schemas.microsoft.com/office/drawing/2014/main" val="823770793"/>
+                    </a:ext>
+                  </a:extLst>
+                </a:gridCol>
+                <a:gridCol w="3024598">
+                  <a:extLst>
+                    <a:ext uri="{9D8B030D-6E8A-4147-A177-3AD203B41FA5}">
+                      <a16:colId xmlns:a16="http://schemas.microsoft.com/office/drawing/2014/main" val="2142280160"/>
+                    </a:ext>
+                  </a:extLst>
+                </a:gridCol>
+              </a:tblGrid>
+              <a:tr h="563311">
+                <a:tc>
+                  <a:txBody>
+                    <a:bodyPr/>
+                    <a:lstStyle/>
+                    <a:p>
+                      <a:r>
+                        <a:rPr lang="es-ES" dirty="0"/>
+                        <a:t># </a:t>
+                      </a:r>
+                    </a:p>
+                  </a:txBody>
+                  <a:tcPr>
+                    <a:solidFill>
+                      <a:schemeClr val="accent5">
+                        <a:lumMod val="75000"/>
+                      </a:schemeClr>
+                    </a:solidFill>
+                  </a:tcPr>
+                </a:tc>
+                <a:tc>
+                  <a:txBody>
+                    <a:bodyPr/>
+                    <a:lstStyle/>
+                    <a:p>
+                      <a:r>
+                        <a:rPr lang="es-ES" dirty="0"/>
+                        <a:t>Atributo </a:t>
+                      </a:r>
+                    </a:p>
+                  </a:txBody>
+                  <a:tcPr>
+                    <a:solidFill>
+                      <a:schemeClr val="accent5">
+                        <a:lumMod val="75000"/>
+                      </a:schemeClr>
+                    </a:solidFill>
+                  </a:tcPr>
+                </a:tc>
+                <a:tc>
+                  <a:txBody>
+                    <a:bodyPr/>
+                    <a:lstStyle/>
+                    <a:p>
+                      <a:r>
+                        <a:rPr lang="es-ES" dirty="0"/>
+                        <a:t>Valor</a:t>
+                      </a:r>
+                    </a:p>
+                  </a:txBody>
+                  <a:tcPr>
+                    <a:solidFill>
+                      <a:schemeClr val="accent5">
+                        <a:lumMod val="75000"/>
+                      </a:schemeClr>
+                    </a:solidFill>
+                  </a:tcPr>
+                </a:tc>
+                <a:extLst>
+                  <a:ext uri="{0D108BD9-81ED-4DB2-BD59-A6C34878D82A}">
+                    <a16:rowId xmlns:a16="http://schemas.microsoft.com/office/drawing/2014/main" val="90445514"/>
+                  </a:ext>
+                </a:extLst>
+              </a:tr>
+              <a:tr h="563311">
+                <a:tc>
+                  <a:txBody>
+                    <a:bodyPr/>
+                    <a:lstStyle/>
+                    <a:p>
+                      <a:r>
+                        <a:rPr lang="es-ES" dirty="0"/>
+                        <a:t>1</a:t>
+                      </a:r>
+                    </a:p>
+                  </a:txBody>
+                  <a:tcPr/>
+                </a:tc>
+                <a:tc>
+                  <a:txBody>
+                    <a:bodyPr/>
+                    <a:lstStyle/>
+                    <a:p>
+                      <a:r>
+                        <a:rPr lang="es-ES" dirty="0"/>
+                        <a:t>Flexibilidad</a:t>
+                      </a:r>
+                    </a:p>
+                  </a:txBody>
+                  <a:tcPr/>
+                </a:tc>
+                <a:tc>
+                  <a:txBody>
+                    <a:bodyPr/>
+                    <a:lstStyle/>
+                    <a:p>
+                      <a:r>
+                        <a:rPr lang="es-ES" dirty="0"/>
+                        <a:t>59,575</a:t>
+                      </a:r>
+                    </a:p>
+                  </a:txBody>
+                  <a:tcPr/>
+                </a:tc>
+                <a:extLst>
+                  <a:ext uri="{0D108BD9-81ED-4DB2-BD59-A6C34878D82A}">
+                    <a16:rowId xmlns:a16="http://schemas.microsoft.com/office/drawing/2014/main" val="15896314"/>
+                  </a:ext>
+                </a:extLst>
+              </a:tr>
+              <a:tr h="563311">
+                <a:tc>
+                  <a:txBody>
+                    <a:bodyPr/>
+                    <a:lstStyle/>
+                    <a:p>
+                      <a:r>
+                        <a:rPr lang="es-ES" dirty="0"/>
+                        <a:t>2</a:t>
+                      </a:r>
+                    </a:p>
+                  </a:txBody>
+                  <a:tcPr/>
+                </a:tc>
+                <a:tc>
+                  <a:txBody>
+                    <a:bodyPr/>
+                    <a:lstStyle/>
+                    <a:p>
+                      <a:r>
+                        <a:rPr lang="es-ES" dirty="0"/>
+                        <a:t>Seguridad</a:t>
+                      </a:r>
+                    </a:p>
+                  </a:txBody>
+                  <a:tcPr/>
+                </a:tc>
+                <a:tc>
+                  <a:txBody>
+                    <a:bodyPr/>
+                    <a:lstStyle/>
+                    <a:p>
+                      <a:r>
+                        <a:rPr lang="es-ES" dirty="0"/>
+                        <a:t>96,970</a:t>
+                      </a:r>
+                    </a:p>
+                  </a:txBody>
+                  <a:tcPr/>
+                </a:tc>
+                <a:extLst>
+                  <a:ext uri="{0D108BD9-81ED-4DB2-BD59-A6C34878D82A}">
+                    <a16:rowId xmlns:a16="http://schemas.microsoft.com/office/drawing/2014/main" val="332744671"/>
+                  </a:ext>
+                </a:extLst>
+              </a:tr>
+              <a:tr h="563311">
+                <a:tc>
+                  <a:txBody>
+                    <a:bodyPr/>
+                    <a:lstStyle/>
+                    <a:p>
+                      <a:r>
+                        <a:rPr lang="es-ES" dirty="0"/>
+                        <a:t>3</a:t>
+                      </a:r>
+                    </a:p>
+                  </a:txBody>
+                  <a:tcPr/>
+                </a:tc>
+                <a:tc>
+                  <a:txBody>
+                    <a:bodyPr/>
+                    <a:lstStyle/>
+                    <a:p>
+                      <a:r>
+                        <a:rPr lang="es-ES" dirty="0"/>
+                        <a:t>Usabilidad</a:t>
+                      </a:r>
+                    </a:p>
+                  </a:txBody>
+                  <a:tcPr/>
+                </a:tc>
+                <a:tc>
+                  <a:txBody>
+                    <a:bodyPr/>
+                    <a:lstStyle/>
+                    <a:p>
+                      <a:r>
+                        <a:rPr lang="es-ES" dirty="0"/>
+                        <a:t>65,5</a:t>
+                      </a:r>
+                    </a:p>
+                  </a:txBody>
+                  <a:tcPr/>
+                </a:tc>
+                <a:extLst>
+                  <a:ext uri="{0D108BD9-81ED-4DB2-BD59-A6C34878D82A}">
+                    <a16:rowId xmlns:a16="http://schemas.microsoft.com/office/drawing/2014/main" val="281245656"/>
+                  </a:ext>
+                </a:extLst>
+              </a:tr>
+              <a:tr h="563311">
+                <a:tc>
+                  <a:txBody>
+                    <a:bodyPr/>
+                    <a:lstStyle/>
+                    <a:p>
+                      <a:r>
+                        <a:rPr lang="es-ES" dirty="0"/>
+                        <a:t>4</a:t>
+                      </a:r>
+                    </a:p>
+                  </a:txBody>
+                  <a:tcPr/>
+                </a:tc>
+                <a:tc>
+                  <a:txBody>
+                    <a:bodyPr/>
+                    <a:lstStyle/>
+                    <a:p>
+                      <a:r>
+                        <a:rPr lang="es-ES" dirty="0"/>
+                        <a:t>Rendimiento</a:t>
+                      </a:r>
+                    </a:p>
+                  </a:txBody>
+                  <a:tcPr/>
+                </a:tc>
+                <a:tc>
+                  <a:txBody>
+                    <a:bodyPr/>
+                    <a:lstStyle/>
+                    <a:p>
+                      <a:r>
+                        <a:rPr lang="es-ES" dirty="0"/>
+                        <a:t>160,65</a:t>
+                      </a:r>
+                    </a:p>
+                  </a:txBody>
+                  <a:tcPr/>
+                </a:tc>
+                <a:extLst>
+                  <a:ext uri="{0D108BD9-81ED-4DB2-BD59-A6C34878D82A}">
+                    <a16:rowId xmlns:a16="http://schemas.microsoft.com/office/drawing/2014/main" val="3333152604"/>
+                  </a:ext>
+                </a:extLst>
+              </a:tr>
+              <a:tr h="563311">
+                <a:tc>
+                  <a:txBody>
+                    <a:bodyPr/>
+                    <a:lstStyle/>
+                    <a:p>
+                      <a:r>
+                        <a:rPr lang="es-ES" dirty="0"/>
+                        <a:t>5</a:t>
+                      </a:r>
+                    </a:p>
+                  </a:txBody>
+                  <a:tcPr/>
+                </a:tc>
+                <a:tc>
+                  <a:txBody>
+                    <a:bodyPr/>
+                    <a:lstStyle/>
+                    <a:p>
+                      <a:r>
+                        <a:rPr lang="es-ES" dirty="0"/>
+                        <a:t>Fiabilidad </a:t>
+                      </a:r>
+                    </a:p>
+                  </a:txBody>
+                  <a:tcPr/>
+                </a:tc>
+                <a:tc>
+                  <a:txBody>
+                    <a:bodyPr/>
+                    <a:lstStyle/>
+                    <a:p>
+                      <a:r>
+                        <a:rPr lang="es-ES" dirty="0"/>
+                        <a:t>125,5</a:t>
+                      </a:r>
+                    </a:p>
+                  </a:txBody>
+                  <a:tcPr/>
+                </a:tc>
+                <a:extLst>
+                  <a:ext uri="{0D108BD9-81ED-4DB2-BD59-A6C34878D82A}">
+                    <a16:rowId xmlns:a16="http://schemas.microsoft.com/office/drawing/2014/main" val="3647908862"/>
+                  </a:ext>
+                </a:extLst>
+              </a:tr>
+            </a:tbl>
+          </a:graphicData>
+        </a:graphic>
+      </p:graphicFrame>
+    </p:spTree>
+    <p:extLst>
+      <p:ext uri="{BB962C8B-B14F-4D97-AF65-F5344CB8AC3E}">
+        <p14:creationId xmlns:p14="http://schemas.microsoft.com/office/powerpoint/2010/main" val="2207819087"/>
       </p:ext>
     </p:extLst>
   </p:cSld>
@@ -3924,7 +5663,15 @@
           <a:lstStyle/>
           <a:p>
             <a:r>
-              <a:rPr lang="es-ES" sz="6600" b="1" dirty="0"/>
+              <a:rPr lang="es-ES" sz="6600" b="1" dirty="0">
+                <a:effectLst>
+                  <a:outerShdw blurRad="38100" dist="38100" dir="2700000" algn="tl">
+                    <a:srgbClr val="000000">
+                      <a:alpha val="43137"/>
+                    </a:srgbClr>
+                  </a:outerShdw>
+                </a:effectLst>
+              </a:rPr>
               <a:t>Agenda</a:t>
             </a:r>
           </a:p>
@@ -4085,7 +5832,15 @@
           <a:p>
             <a:pPr algn="l"/>
             <a:r>
-              <a:rPr lang="es-ES" sz="6600" b="1" dirty="0"/>
+              <a:rPr lang="es-ES" sz="6600" b="1" dirty="0">
+                <a:effectLst>
+                  <a:outerShdw blurRad="38100" dist="38100" dir="2700000" algn="tl">
+                    <a:srgbClr val="000000">
+                      <a:alpha val="43137"/>
+                    </a:srgbClr>
+                  </a:outerShdw>
+                </a:effectLst>
+              </a:rPr>
               <a:t>contexto</a:t>
             </a:r>
           </a:p>
@@ -4110,7 +5865,152 @@
         <p:spPr>
           <a:xfrm>
             <a:off x="1681316" y="2300748"/>
-            <a:ext cx="7997411" cy="2299317"/>
+            <a:ext cx="7997411" cy="2861187"/>
+          </a:xfrm>
+        </p:spPr>
+        <p:txBody>
+          <a:bodyPr>
+            <a:noAutofit/>
+          </a:bodyPr>
+          <a:lstStyle/>
+          <a:p>
+            <a:pPr algn="just">
+              <a:buNone/>
+            </a:pPr>
+            <a:r>
+              <a:rPr lang="es-ES" sz="1400" dirty="0"/>
+              <a:t>En los entornos laborales actuales, una gestión de tareas eficiente es esencial para asegurar la productividad y coordinación del equipo. No obstante, muchas de las herramientas existentes presentan barreras de uso debido a su complejidad o costos elevados, especialmente para equipos pequeños. En respuesta a esta problemática, TaskFlow se propone como una solución de software accesible, intuitiva y centrada en el usuario, orientada a facilitar la asignación de tareas, el seguimiento de su progreso y la comunicación entre los miembros del equipo. Su enfoque busca minimizar la carga administrativa, optimizar los resultados operativos y mantener a todo el equipo alineado mediante una interfaz clara y funcionalidades bien integradas. Esta herramienta se perfila como una alternativa eficaz dentro de la arquitectura de soluciones colaborativas ligeras, contribuyendo al rendimiento y la agilidad en entornos de trabajo dinámicos.</a:t>
+            </a:r>
+          </a:p>
+        </p:txBody>
+      </p:sp>
+    </p:spTree>
+    <p:extLst>
+      <p:ext uri="{BB962C8B-B14F-4D97-AF65-F5344CB8AC3E}">
+        <p14:creationId xmlns:p14="http://schemas.microsoft.com/office/powerpoint/2010/main" val="2338738645"/>
+      </p:ext>
+    </p:extLst>
+  </p:cSld>
+  <p:clrMapOvr>
+    <a:masterClrMapping/>
+  </p:clrMapOvr>
+</p:sld>
+</file>
+
+<file path=ppt/slides/slide4.xml><?xml version="1.0" encoding="utf-8"?>
+<p:sld xmlns:a="http://schemas.openxmlformats.org/drawingml/2006/main" xmlns:r="http://schemas.openxmlformats.org/officeDocument/2006/relationships" xmlns:p="http://schemas.openxmlformats.org/presentationml/2006/main">
+  <p:cSld>
+    <p:spTree>
+      <p:nvGrpSpPr>
+        <p:cNvPr id="1" name=""/>
+        <p:cNvGrpSpPr/>
+        <p:nvPr/>
+      </p:nvGrpSpPr>
+      <p:grpSpPr>
+        <a:xfrm>
+          <a:off x="0" y="0"/>
+          <a:ext cx="0" cy="0"/>
+          <a:chOff x="0" y="0"/>
+          <a:chExt cx="0" cy="0"/>
+        </a:xfrm>
+      </p:grpSpPr>
+      <p:pic>
+        <p:nvPicPr>
+          <p:cNvPr id="1026" name="Picture 2">
+            <a:extLst>
+              <a:ext uri="{FF2B5EF4-FFF2-40B4-BE49-F238E27FC236}">
+                <a16:creationId xmlns:a16="http://schemas.microsoft.com/office/drawing/2014/main" id="{21DFB50C-D45A-240B-3E7D-EA5592B0834A}"/>
+              </a:ext>
+            </a:extLst>
+          </p:cNvPr>
+          <p:cNvPicPr>
+            <a:picLocks noChangeAspect="1" noChangeArrowheads="1"/>
+          </p:cNvPicPr>
+          <p:nvPr/>
+        </p:nvPicPr>
+        <p:blipFill>
+          <a:blip r:embed="rId2">
+            <a:extLst>
+              <a:ext uri="{28A0092B-C50C-407E-A947-70E740481C1C}">
+                <a14:useLocalDpi xmlns:a14="http://schemas.microsoft.com/office/drawing/2010/main" val="0"/>
+              </a:ext>
+            </a:extLst>
+          </a:blip>
+          <a:srcRect/>
+          <a:stretch>
+            <a:fillRect/>
+          </a:stretch>
+        </p:blipFill>
+        <p:spPr bwMode="auto">
+          <a:xfrm>
+            <a:off x="2855495" y="1268663"/>
+            <a:ext cx="6184231" cy="4122821"/>
+          </a:xfrm>
+          <a:prstGeom prst="rect">
+            <a:avLst/>
+          </a:prstGeom>
+          <a:noFill/>
+          <a:extLst>
+            <a:ext uri="{909E8E84-426E-40DD-AFC4-6F175D3DCCD1}">
+              <a14:hiddenFill xmlns:a14="http://schemas.microsoft.com/office/drawing/2010/main">
+                <a:solidFill>
+                  <a:srgbClr val="FFFFFF"/>
+                </a:solidFill>
+              </a14:hiddenFill>
+            </a:ext>
+          </a:extLst>
+        </p:spPr>
+      </p:pic>
+    </p:spTree>
+    <p:extLst>
+      <p:ext uri="{BB962C8B-B14F-4D97-AF65-F5344CB8AC3E}">
+        <p14:creationId xmlns:p14="http://schemas.microsoft.com/office/powerpoint/2010/main" val="520049992"/>
+      </p:ext>
+    </p:extLst>
+  </p:cSld>
+  <p:clrMapOvr>
+    <a:masterClrMapping/>
+  </p:clrMapOvr>
+</p:sld>
+</file>
+
+<file path=ppt/slides/slide5.xml><?xml version="1.0" encoding="utf-8"?>
+<p:sld xmlns:a="http://schemas.openxmlformats.org/drawingml/2006/main" xmlns:r="http://schemas.openxmlformats.org/officeDocument/2006/relationships" xmlns:p="http://schemas.openxmlformats.org/presentationml/2006/main">
+  <p:cSld>
+    <p:spTree>
+      <p:nvGrpSpPr>
+        <p:cNvPr id="1" name=""/>
+        <p:cNvGrpSpPr/>
+        <p:nvPr/>
+      </p:nvGrpSpPr>
+      <p:grpSpPr>
+        <a:xfrm>
+          <a:off x="0" y="0"/>
+          <a:ext cx="0" cy="0"/>
+          <a:chOff x="0" y="0"/>
+          <a:chExt cx="0" cy="0"/>
+        </a:xfrm>
+      </p:grpSpPr>
+      <p:sp>
+        <p:nvSpPr>
+          <p:cNvPr id="2" name="Título 1">
+            <a:extLst>
+              <a:ext uri="{FF2B5EF4-FFF2-40B4-BE49-F238E27FC236}">
+                <a16:creationId xmlns:a16="http://schemas.microsoft.com/office/drawing/2014/main" id="{301AF5BA-6903-26EC-5567-44910B80D2C9}"/>
+              </a:ext>
+            </a:extLst>
+          </p:cNvPr>
+          <p:cNvSpPr>
+            <a:spLocks noGrp="1"/>
+          </p:cNvSpPr>
+          <p:nvPr>
+            <p:ph type="title"/>
+          </p:nvPr>
+        </p:nvSpPr>
+        <p:spPr>
+          <a:xfrm>
+            <a:off x="1207477" y="294968"/>
+            <a:ext cx="9539181" cy="1932007"/>
           </a:xfrm>
         </p:spPr>
         <p:txBody>
@@ -4119,27 +6019,3339 @@
           </a:bodyPr>
           <a:lstStyle/>
           <a:p>
-            <a:pPr algn="l">
-              <a:buNone/>
-            </a:pPr>
+            <a:pPr algn="ctr"/>
             <a:r>
-              <a:rPr lang="es-ES" sz="1400" dirty="0"/>
-              <a:t>En el entorno laboral y académico actual, la gestión eficiente de tareas es fundamental para el éxito de cualquier equipo. Sin embargo, muchas herramientas disponibles en el mercado son demasiado complejas o costosas, lo que dificulta su adopción en pequeños equipos o empresas emergentes.</a:t>
-            </a:r>
-          </a:p>
-          <a:p>
-            <a:pPr algn="l"/>
-            <a:r>
-              <a:rPr lang="es-ES" sz="1400" dirty="0"/>
-              <a:t>Por ello, surge Gestor de Tareas, una aplicación web diseñada para facilitar la planificación, asignación y seguimiento de actividades en un entorno colaborativo.</a:t>
+              <a:rPr lang="es-ES" sz="6000" b="1" dirty="0">
+                <a:effectLst>
+                  <a:outerShdw blurRad="38100" dist="38100" dir="2700000" algn="tl">
+                    <a:srgbClr val="000000">
+                      <a:alpha val="43137"/>
+                    </a:srgbClr>
+                  </a:outerShdw>
+                </a:effectLst>
+              </a:rPr>
+              <a:t>Requerimientos funcionales </a:t>
             </a:r>
           </a:p>
         </p:txBody>
       </p:sp>
+      <p:graphicFrame>
+        <p:nvGraphicFramePr>
+          <p:cNvPr id="4" name="Tabla 3">
+            <a:extLst>
+              <a:ext uri="{FF2B5EF4-FFF2-40B4-BE49-F238E27FC236}">
+                <a16:creationId xmlns:a16="http://schemas.microsoft.com/office/drawing/2014/main" id="{454748F4-7092-D522-2DCE-021903DB428F}"/>
+              </a:ext>
+            </a:extLst>
+          </p:cNvPr>
+          <p:cNvGraphicFramePr>
+            <a:graphicFrameLocks noGrp="1"/>
+          </p:cNvGraphicFramePr>
+          <p:nvPr>
+            <p:extLst>
+              <p:ext uri="{D42A27DB-BD31-4B8C-83A1-F6EECF244321}">
+                <p14:modId xmlns:p14="http://schemas.microsoft.com/office/powerpoint/2010/main" val="1398693847"/>
+              </p:ext>
+            </p:extLst>
+          </p:nvPr>
+        </p:nvGraphicFramePr>
+        <p:xfrm>
+          <a:off x="-2" y="2226975"/>
+          <a:ext cx="12192000" cy="4547451"/>
+        </p:xfrm>
+        <a:graphic>
+          <a:graphicData uri="http://schemas.openxmlformats.org/drawingml/2006/table">
+            <a:tbl>
+              <a:tblPr firstRow="1" bandRow="1">
+                <a:tableStyleId>{5C22544A-7EE6-4342-B048-85BDC9FD1C3A}</a:tableStyleId>
+              </a:tblPr>
+              <a:tblGrid>
+                <a:gridCol w="3048000">
+                  <a:extLst>
+                    <a:ext uri="{9D8B030D-6E8A-4147-A177-3AD203B41FA5}">
+                      <a16:colId xmlns:a16="http://schemas.microsoft.com/office/drawing/2014/main" val="1078564161"/>
+                    </a:ext>
+                  </a:extLst>
+                </a:gridCol>
+                <a:gridCol w="3048000">
+                  <a:extLst>
+                    <a:ext uri="{9D8B030D-6E8A-4147-A177-3AD203B41FA5}">
+                      <a16:colId xmlns:a16="http://schemas.microsoft.com/office/drawing/2014/main" val="1762434160"/>
+                    </a:ext>
+                  </a:extLst>
+                </a:gridCol>
+                <a:gridCol w="3048000">
+                  <a:extLst>
+                    <a:ext uri="{9D8B030D-6E8A-4147-A177-3AD203B41FA5}">
+                      <a16:colId xmlns:a16="http://schemas.microsoft.com/office/drawing/2014/main" val="2304719727"/>
+                    </a:ext>
+                  </a:extLst>
+                </a:gridCol>
+                <a:gridCol w="3048000">
+                  <a:extLst>
+                    <a:ext uri="{9D8B030D-6E8A-4147-A177-3AD203B41FA5}">
+                      <a16:colId xmlns:a16="http://schemas.microsoft.com/office/drawing/2014/main" val="3924608387"/>
+                    </a:ext>
+                  </a:extLst>
+                </a:gridCol>
+              </a:tblGrid>
+              <a:tr h="1020663">
+                <a:tc>
+                  <a:txBody>
+                    <a:bodyPr/>
+                    <a:lstStyle/>
+                    <a:p>
+                      <a:r>
+                        <a:rPr lang="es-ES" dirty="0"/>
+                        <a:t>ID</a:t>
+                      </a:r>
+                    </a:p>
+                  </a:txBody>
+                  <a:tcPr>
+                    <a:solidFill>
+                      <a:schemeClr val="accent5">
+                        <a:lumMod val="75000"/>
+                      </a:schemeClr>
+                    </a:solidFill>
+                  </a:tcPr>
+                </a:tc>
+                <a:tc>
+                  <a:txBody>
+                    <a:bodyPr/>
+                    <a:lstStyle/>
+                    <a:p>
+                      <a:r>
+                        <a:rPr lang="es-ES" dirty="0"/>
+                        <a:t>DESCRIPCIÓN </a:t>
+                      </a:r>
+                    </a:p>
+                  </a:txBody>
+                  <a:tcPr>
+                    <a:solidFill>
+                      <a:schemeClr val="accent5">
+                        <a:lumMod val="75000"/>
+                      </a:schemeClr>
+                    </a:solidFill>
+                  </a:tcPr>
+                </a:tc>
+                <a:tc>
+                  <a:txBody>
+                    <a:bodyPr/>
+                    <a:lstStyle/>
+                    <a:p>
+                      <a:r>
+                        <a:rPr lang="es-ES" dirty="0"/>
+                        <a:t>DETALLES </a:t>
+                      </a:r>
+                    </a:p>
+                  </a:txBody>
+                  <a:tcPr>
+                    <a:solidFill>
+                      <a:schemeClr val="accent5">
+                        <a:lumMod val="75000"/>
+                      </a:schemeClr>
+                    </a:solidFill>
+                  </a:tcPr>
+                </a:tc>
+                <a:tc>
+                  <a:txBody>
+                    <a:bodyPr/>
+                    <a:lstStyle/>
+                    <a:p>
+                      <a:r>
+                        <a:rPr lang="es-ES" dirty="0"/>
+                        <a:t>INTERESADOS</a:t>
+                      </a:r>
+                    </a:p>
+                  </a:txBody>
+                  <a:tcPr>
+                    <a:solidFill>
+                      <a:schemeClr val="accent5">
+                        <a:lumMod val="75000"/>
+                      </a:schemeClr>
+                    </a:solidFill>
+                  </a:tcPr>
+                </a:tc>
+                <a:extLst>
+                  <a:ext uri="{0D108BD9-81ED-4DB2-BD59-A6C34878D82A}">
+                    <a16:rowId xmlns:a16="http://schemas.microsoft.com/office/drawing/2014/main" val="3279602285"/>
+                  </a:ext>
+                </a:extLst>
+              </a:tr>
+              <a:tr h="1612246">
+                <a:tc>
+                  <a:txBody>
+                    <a:bodyPr/>
+                    <a:lstStyle/>
+                    <a:p>
+                      <a:r>
+                        <a:rPr lang="es-ES" dirty="0"/>
+                        <a:t>RF001</a:t>
+                      </a:r>
+                    </a:p>
+                  </a:txBody>
+                  <a:tcPr>
+                    <a:solidFill>
+                      <a:schemeClr val="tx1"/>
+                    </a:solidFill>
+                  </a:tcPr>
+                </a:tc>
+                <a:tc>
+                  <a:txBody>
+                    <a:bodyPr/>
+                    <a:lstStyle/>
+                    <a:p>
+                      <a:r>
+                        <a:rPr lang="es-ES" dirty="0"/>
+                        <a:t>Gestión de usuarios.</a:t>
+                      </a:r>
+                    </a:p>
+                  </a:txBody>
+                  <a:tcPr>
+                    <a:solidFill>
+                      <a:schemeClr val="tx1"/>
+                    </a:solidFill>
+                  </a:tcPr>
+                </a:tc>
+                <a:tc>
+                  <a:txBody>
+                    <a:bodyPr/>
+                    <a:lstStyle/>
+                    <a:p>
+                      <a:r>
+                        <a:rPr lang="es-ES" dirty="0"/>
+                        <a:t>El sistema debe permitir a los administradores registrar, editar, eliminar y asignar roles a los usuarios del sistema.</a:t>
+                      </a:r>
+                    </a:p>
+                  </a:txBody>
+                  <a:tcPr>
+                    <a:solidFill>
+                      <a:schemeClr val="tx1"/>
+                    </a:solidFill>
+                  </a:tcPr>
+                </a:tc>
+                <a:tc>
+                  <a:txBody>
+                    <a:bodyPr/>
+                    <a:lstStyle/>
+                    <a:p>
+                      <a:r>
+                        <a:rPr lang="es-ES" dirty="0"/>
+                        <a:t>Administradores, equipo de TI, líderes de proyecto.</a:t>
+                      </a:r>
+                    </a:p>
+                  </a:txBody>
+                  <a:tcPr>
+                    <a:solidFill>
+                      <a:schemeClr val="tx1"/>
+                    </a:solidFill>
+                  </a:tcPr>
+                </a:tc>
+                <a:extLst>
+                  <a:ext uri="{0D108BD9-81ED-4DB2-BD59-A6C34878D82A}">
+                    <a16:rowId xmlns:a16="http://schemas.microsoft.com/office/drawing/2014/main" val="3611270908"/>
+                  </a:ext>
+                </a:extLst>
+              </a:tr>
+              <a:tr h="1914542">
+                <a:tc>
+                  <a:txBody>
+                    <a:bodyPr/>
+                    <a:lstStyle/>
+                    <a:p>
+                      <a:r>
+                        <a:rPr lang="es-ES" dirty="0"/>
+                        <a:t>RF002</a:t>
+                      </a:r>
+                    </a:p>
+                  </a:txBody>
+                  <a:tcPr/>
+                </a:tc>
+                <a:tc>
+                  <a:txBody>
+                    <a:bodyPr/>
+                    <a:lstStyle/>
+                    <a:p>
+                      <a:r>
+                        <a:rPr lang="es-ES" dirty="0"/>
+                        <a:t>Creación y edición de tares.</a:t>
+                      </a:r>
+                    </a:p>
+                  </a:txBody>
+                  <a:tcPr/>
+                </a:tc>
+                <a:tc>
+                  <a:txBody>
+                    <a:bodyPr/>
+                    <a:lstStyle/>
+                    <a:p>
+                      <a:r>
+                        <a:rPr lang="es-ES" dirty="0"/>
+                        <a:t>Los miembros del equipo deben poder crear nuevas tareas, asignarlas, establecer fechas limite, y modificar su contenía en cualquier momento.</a:t>
+                      </a:r>
+                    </a:p>
+                  </a:txBody>
+                  <a:tcPr/>
+                </a:tc>
+                <a:tc>
+                  <a:txBody>
+                    <a:bodyPr/>
+                    <a:lstStyle/>
+                    <a:p>
+                      <a:r>
+                        <a:rPr lang="es-ES" dirty="0"/>
+                        <a:t>Miembros del equipo, administradores, supervisores.</a:t>
+                      </a:r>
+                    </a:p>
+                  </a:txBody>
+                  <a:tcPr/>
+                </a:tc>
+                <a:extLst>
+                  <a:ext uri="{0D108BD9-81ED-4DB2-BD59-A6C34878D82A}">
+                    <a16:rowId xmlns:a16="http://schemas.microsoft.com/office/drawing/2014/main" val="2064485586"/>
+                  </a:ext>
+                </a:extLst>
+              </a:tr>
+            </a:tbl>
+          </a:graphicData>
+        </a:graphic>
+      </p:graphicFrame>
     </p:spTree>
     <p:extLst>
       <p:ext uri="{BB962C8B-B14F-4D97-AF65-F5344CB8AC3E}">
-        <p14:creationId xmlns:p14="http://schemas.microsoft.com/office/powerpoint/2010/main" val="2338738645"/>
+        <p14:creationId xmlns:p14="http://schemas.microsoft.com/office/powerpoint/2010/main" val="446922081"/>
+      </p:ext>
+    </p:extLst>
+  </p:cSld>
+  <p:clrMapOvr>
+    <a:masterClrMapping/>
+  </p:clrMapOvr>
+</p:sld>
+</file>
+
+<file path=ppt/slides/slide6.xml><?xml version="1.0" encoding="utf-8"?>
+<p:sld xmlns:a="http://schemas.openxmlformats.org/drawingml/2006/main" xmlns:r="http://schemas.openxmlformats.org/officeDocument/2006/relationships" xmlns:p="http://schemas.openxmlformats.org/presentationml/2006/main">
+  <p:cSld>
+    <p:spTree>
+      <p:nvGrpSpPr>
+        <p:cNvPr id="1" name="">
+          <a:extLst>
+            <a:ext uri="{FF2B5EF4-FFF2-40B4-BE49-F238E27FC236}">
+              <a16:creationId xmlns:a16="http://schemas.microsoft.com/office/drawing/2014/main" id="{C0D730B4-D0C6-EE98-3919-1583AAF22469}"/>
+            </a:ext>
+          </a:extLst>
+        </p:cNvPr>
+        <p:cNvGrpSpPr/>
+        <p:nvPr/>
+      </p:nvGrpSpPr>
+      <p:grpSpPr>
+        <a:xfrm>
+          <a:off x="0" y="0"/>
+          <a:ext cx="0" cy="0"/>
+          <a:chOff x="0" y="0"/>
+          <a:chExt cx="0" cy="0"/>
+        </a:xfrm>
+      </p:grpSpPr>
+      <p:graphicFrame>
+        <p:nvGraphicFramePr>
+          <p:cNvPr id="4" name="Tabla 3">
+            <a:extLst>
+              <a:ext uri="{FF2B5EF4-FFF2-40B4-BE49-F238E27FC236}">
+                <a16:creationId xmlns:a16="http://schemas.microsoft.com/office/drawing/2014/main" id="{A18129EF-F54C-9AEB-C947-5B58CB880454}"/>
+              </a:ext>
+            </a:extLst>
+          </p:cNvPr>
+          <p:cNvGraphicFramePr>
+            <a:graphicFrameLocks noGrp="1"/>
+          </p:cNvGraphicFramePr>
+          <p:nvPr>
+            <p:extLst>
+              <p:ext uri="{D42A27DB-BD31-4B8C-83A1-F6EECF244321}">
+                <p14:modId xmlns:p14="http://schemas.microsoft.com/office/powerpoint/2010/main" val="3331089959"/>
+              </p:ext>
+            </p:extLst>
+          </p:nvPr>
+        </p:nvGraphicFramePr>
+        <p:xfrm>
+          <a:off x="0" y="353960"/>
+          <a:ext cx="12192000" cy="6351639"/>
+        </p:xfrm>
+        <a:graphic>
+          <a:graphicData uri="http://schemas.openxmlformats.org/drawingml/2006/table">
+            <a:tbl>
+              <a:tblPr firstRow="1" bandRow="1">
+                <a:tableStyleId>{5C22544A-7EE6-4342-B048-85BDC9FD1C3A}</a:tableStyleId>
+              </a:tblPr>
+              <a:tblGrid>
+                <a:gridCol w="3048000">
+                  <a:extLst>
+                    <a:ext uri="{9D8B030D-6E8A-4147-A177-3AD203B41FA5}">
+                      <a16:colId xmlns:a16="http://schemas.microsoft.com/office/drawing/2014/main" val="1078564161"/>
+                    </a:ext>
+                  </a:extLst>
+                </a:gridCol>
+                <a:gridCol w="3048000">
+                  <a:extLst>
+                    <a:ext uri="{9D8B030D-6E8A-4147-A177-3AD203B41FA5}">
+                      <a16:colId xmlns:a16="http://schemas.microsoft.com/office/drawing/2014/main" val="1762434160"/>
+                    </a:ext>
+                  </a:extLst>
+                </a:gridCol>
+                <a:gridCol w="3048000">
+                  <a:extLst>
+                    <a:ext uri="{9D8B030D-6E8A-4147-A177-3AD203B41FA5}">
+                      <a16:colId xmlns:a16="http://schemas.microsoft.com/office/drawing/2014/main" val="2304719727"/>
+                    </a:ext>
+                  </a:extLst>
+                </a:gridCol>
+                <a:gridCol w="3048000">
+                  <a:extLst>
+                    <a:ext uri="{9D8B030D-6E8A-4147-A177-3AD203B41FA5}">
+                      <a16:colId xmlns:a16="http://schemas.microsoft.com/office/drawing/2014/main" val="3924608387"/>
+                    </a:ext>
+                  </a:extLst>
+                </a:gridCol>
+              </a:tblGrid>
+              <a:tr h="945488">
+                <a:tc>
+                  <a:txBody>
+                    <a:bodyPr/>
+                    <a:lstStyle/>
+                    <a:p>
+                      <a:r>
+                        <a:rPr lang="es-ES" dirty="0"/>
+                        <a:t>ID</a:t>
+                      </a:r>
+                    </a:p>
+                  </a:txBody>
+                  <a:tcPr>
+                    <a:solidFill>
+                      <a:schemeClr val="accent5">
+                        <a:lumMod val="75000"/>
+                      </a:schemeClr>
+                    </a:solidFill>
+                  </a:tcPr>
+                </a:tc>
+                <a:tc>
+                  <a:txBody>
+                    <a:bodyPr/>
+                    <a:lstStyle/>
+                    <a:p>
+                      <a:r>
+                        <a:rPr lang="es-ES" dirty="0"/>
+                        <a:t>DESCRIPCION </a:t>
+                      </a:r>
+                    </a:p>
+                  </a:txBody>
+                  <a:tcPr>
+                    <a:solidFill>
+                      <a:schemeClr val="accent5">
+                        <a:lumMod val="75000"/>
+                      </a:schemeClr>
+                    </a:solidFill>
+                  </a:tcPr>
+                </a:tc>
+                <a:tc>
+                  <a:txBody>
+                    <a:bodyPr/>
+                    <a:lstStyle/>
+                    <a:p>
+                      <a:r>
+                        <a:rPr lang="es-ES" dirty="0"/>
+                        <a:t>DETALLES </a:t>
+                      </a:r>
+                    </a:p>
+                  </a:txBody>
+                  <a:tcPr>
+                    <a:solidFill>
+                      <a:schemeClr val="accent5">
+                        <a:lumMod val="75000"/>
+                      </a:schemeClr>
+                    </a:solidFill>
+                  </a:tcPr>
+                </a:tc>
+                <a:tc>
+                  <a:txBody>
+                    <a:bodyPr/>
+                    <a:lstStyle/>
+                    <a:p>
+                      <a:r>
+                        <a:rPr lang="es-ES" dirty="0"/>
+                        <a:t>INTERESADOS</a:t>
+                      </a:r>
+                    </a:p>
+                  </a:txBody>
+                  <a:tcPr>
+                    <a:solidFill>
+                      <a:schemeClr val="accent5">
+                        <a:lumMod val="75000"/>
+                      </a:schemeClr>
+                    </a:solidFill>
+                  </a:tcPr>
+                </a:tc>
+                <a:extLst>
+                  <a:ext uri="{0D108BD9-81ED-4DB2-BD59-A6C34878D82A}">
+                    <a16:rowId xmlns:a16="http://schemas.microsoft.com/office/drawing/2014/main" val="3279602285"/>
+                  </a:ext>
+                </a:extLst>
+              </a:tr>
+              <a:tr h="1517517">
+                <a:tc>
+                  <a:txBody>
+                    <a:bodyPr/>
+                    <a:lstStyle/>
+                    <a:p>
+                      <a:r>
+                        <a:rPr lang="es-ES" dirty="0"/>
+                        <a:t>RF003</a:t>
+                      </a:r>
+                    </a:p>
+                  </a:txBody>
+                  <a:tcPr>
+                    <a:solidFill>
+                      <a:schemeClr val="tx1"/>
+                    </a:solidFill>
+                  </a:tcPr>
+                </a:tc>
+                <a:tc>
+                  <a:txBody>
+                    <a:bodyPr/>
+                    <a:lstStyle/>
+                    <a:p>
+                      <a:r>
+                        <a:rPr lang="es-ES" dirty="0"/>
+                        <a:t>Visualización de tareas en panel Kanban.</a:t>
+                      </a:r>
+                    </a:p>
+                  </a:txBody>
+                  <a:tcPr>
+                    <a:solidFill>
+                      <a:schemeClr val="tx1"/>
+                    </a:solidFill>
+                  </a:tcPr>
+                </a:tc>
+                <a:tc>
+                  <a:txBody>
+                    <a:bodyPr/>
+                    <a:lstStyle/>
+                    <a:p>
+                      <a:r>
+                        <a:rPr lang="es-ES" dirty="0"/>
+                        <a:t>El sistema debe mostrar las tareas en un tablero tipo Kanban categorizado por estado (pendiente, en progreso, completada).</a:t>
+                      </a:r>
+                    </a:p>
+                  </a:txBody>
+                  <a:tcPr>
+                    <a:solidFill>
+                      <a:schemeClr val="tx1"/>
+                    </a:solidFill>
+                  </a:tcPr>
+                </a:tc>
+                <a:tc>
+                  <a:txBody>
+                    <a:bodyPr/>
+                    <a:lstStyle/>
+                    <a:p>
+                      <a:r>
+                        <a:rPr lang="es-ES" dirty="0"/>
+                        <a:t>Todos los usuarios, gerentes de proyecto.</a:t>
+                      </a:r>
+                    </a:p>
+                  </a:txBody>
+                  <a:tcPr>
+                    <a:solidFill>
+                      <a:schemeClr val="tx1"/>
+                    </a:solidFill>
+                  </a:tcPr>
+                </a:tc>
+                <a:extLst>
+                  <a:ext uri="{0D108BD9-81ED-4DB2-BD59-A6C34878D82A}">
+                    <a16:rowId xmlns:a16="http://schemas.microsoft.com/office/drawing/2014/main" val="3611270908"/>
+                  </a:ext>
+                </a:extLst>
+              </a:tr>
+              <a:tr h="2086584">
+                <a:tc>
+                  <a:txBody>
+                    <a:bodyPr/>
+                    <a:lstStyle/>
+                    <a:p>
+                      <a:r>
+                        <a:rPr lang="es-ES" dirty="0"/>
+                        <a:t>RF004</a:t>
+                      </a:r>
+                    </a:p>
+                  </a:txBody>
+                  <a:tcPr/>
+                </a:tc>
+                <a:tc>
+                  <a:txBody>
+                    <a:bodyPr/>
+                    <a:lstStyle/>
+                    <a:p>
+                      <a:r>
+                        <a:rPr lang="es-ES" dirty="0"/>
+                        <a:t>Notificaciones automáticas. </a:t>
+                      </a:r>
+                    </a:p>
+                  </a:txBody>
+                  <a:tcPr/>
+                </a:tc>
+                <a:tc>
+                  <a:txBody>
+                    <a:bodyPr/>
+                    <a:lstStyle/>
+                    <a:p>
+                      <a:r>
+                        <a:rPr lang="es-ES" dirty="0"/>
+                        <a:t>El sistema debe enviar notificaciones por correo o dentro de la plataforma ante eventos relevantes (nueva tarea, cambio de estado, comentarios, vencimientos).</a:t>
+                      </a:r>
+                    </a:p>
+                  </a:txBody>
+                  <a:tcPr/>
+                </a:tc>
+                <a:tc>
+                  <a:txBody>
+                    <a:bodyPr/>
+                    <a:lstStyle/>
+                    <a:p>
+                      <a:r>
+                        <a:rPr lang="es-ES" dirty="0"/>
+                        <a:t>Usuarios del sistema, administradores.</a:t>
+                      </a:r>
+                    </a:p>
+                  </a:txBody>
+                  <a:tcPr/>
+                </a:tc>
+                <a:extLst>
+                  <a:ext uri="{0D108BD9-81ED-4DB2-BD59-A6C34878D82A}">
+                    <a16:rowId xmlns:a16="http://schemas.microsoft.com/office/drawing/2014/main" val="2064485586"/>
+                  </a:ext>
+                </a:extLst>
+              </a:tr>
+              <a:tr h="1802050">
+                <a:tc>
+                  <a:txBody>
+                    <a:bodyPr/>
+                    <a:lstStyle/>
+                    <a:p>
+                      <a:r>
+                        <a:rPr lang="es-ES" dirty="0"/>
+                        <a:t>RF005</a:t>
+                      </a:r>
+                    </a:p>
+                  </a:txBody>
+                  <a:tcPr>
+                    <a:solidFill>
+                      <a:schemeClr val="tx1"/>
+                    </a:solidFill>
+                  </a:tcPr>
+                </a:tc>
+                <a:tc>
+                  <a:txBody>
+                    <a:bodyPr/>
+                    <a:lstStyle/>
+                    <a:p>
+                      <a:r>
+                        <a:rPr lang="es-ES" dirty="0"/>
+                        <a:t>Comentarios y colaboración en tareas.</a:t>
+                      </a:r>
+                    </a:p>
+                  </a:txBody>
+                  <a:tcPr>
+                    <a:solidFill>
+                      <a:schemeClr val="tx1"/>
+                    </a:solidFill>
+                  </a:tcPr>
+                </a:tc>
+                <a:tc>
+                  <a:txBody>
+                    <a:bodyPr/>
+                    <a:lstStyle/>
+                    <a:p>
+                      <a:r>
+                        <a:rPr lang="es-ES" dirty="0"/>
+                        <a:t>Los usuarios deben poder añadir comentarios, etiquetar compañeros y subir archivos relevantes directamente en las tareas.</a:t>
+                      </a:r>
+                    </a:p>
+                  </a:txBody>
+                  <a:tcPr>
+                    <a:solidFill>
+                      <a:schemeClr val="tx1"/>
+                    </a:solidFill>
+                  </a:tcPr>
+                </a:tc>
+                <a:tc>
+                  <a:txBody>
+                    <a:bodyPr/>
+                    <a:lstStyle/>
+                    <a:p>
+                      <a:r>
+                        <a:rPr lang="es-ES" dirty="0"/>
+                        <a:t>Miembros del equipo, administradores.</a:t>
+                      </a:r>
+                    </a:p>
+                  </a:txBody>
+                  <a:tcPr>
+                    <a:solidFill>
+                      <a:schemeClr val="tx1"/>
+                    </a:solidFill>
+                  </a:tcPr>
+                </a:tc>
+                <a:extLst>
+                  <a:ext uri="{0D108BD9-81ED-4DB2-BD59-A6C34878D82A}">
+                    <a16:rowId xmlns:a16="http://schemas.microsoft.com/office/drawing/2014/main" val="1195326066"/>
+                  </a:ext>
+                </a:extLst>
+              </a:tr>
+            </a:tbl>
+          </a:graphicData>
+        </a:graphic>
+      </p:graphicFrame>
+    </p:spTree>
+    <p:extLst>
+      <p:ext uri="{BB962C8B-B14F-4D97-AF65-F5344CB8AC3E}">
+        <p14:creationId xmlns:p14="http://schemas.microsoft.com/office/powerpoint/2010/main" val="3073265482"/>
+      </p:ext>
+    </p:extLst>
+  </p:cSld>
+  <p:clrMapOvr>
+    <a:masterClrMapping/>
+  </p:clrMapOvr>
+</p:sld>
+</file>
+
+<file path=ppt/slides/slide7.xml><?xml version="1.0" encoding="utf-8"?>
+<p:sld xmlns:a="http://schemas.openxmlformats.org/drawingml/2006/main" xmlns:r="http://schemas.openxmlformats.org/officeDocument/2006/relationships" xmlns:p="http://schemas.openxmlformats.org/presentationml/2006/main">
+  <p:cSld>
+    <p:spTree>
+      <p:nvGrpSpPr>
+        <p:cNvPr id="1" name="">
+          <a:extLst>
+            <a:ext uri="{FF2B5EF4-FFF2-40B4-BE49-F238E27FC236}">
+              <a16:creationId xmlns:a16="http://schemas.microsoft.com/office/drawing/2014/main" id="{BFD93CB6-EDC4-EA95-DE70-DD09C9937EFC}"/>
+            </a:ext>
+          </a:extLst>
+        </p:cNvPr>
+        <p:cNvGrpSpPr/>
+        <p:nvPr/>
+      </p:nvGrpSpPr>
+      <p:grpSpPr>
+        <a:xfrm>
+          <a:off x="0" y="0"/>
+          <a:ext cx="0" cy="0"/>
+          <a:chOff x="0" y="0"/>
+          <a:chExt cx="0" cy="0"/>
+        </a:xfrm>
+      </p:grpSpPr>
+      <p:sp>
+        <p:nvSpPr>
+          <p:cNvPr id="2" name="Título 1">
+            <a:extLst>
+              <a:ext uri="{FF2B5EF4-FFF2-40B4-BE49-F238E27FC236}">
+                <a16:creationId xmlns:a16="http://schemas.microsoft.com/office/drawing/2014/main" id="{EF8AF021-BA89-E89C-46B1-F928DC791D15}"/>
+              </a:ext>
+            </a:extLst>
+          </p:cNvPr>
+          <p:cNvSpPr>
+            <a:spLocks noGrp="1"/>
+          </p:cNvSpPr>
+          <p:nvPr>
+            <p:ph type="title"/>
+          </p:nvPr>
+        </p:nvSpPr>
+        <p:spPr>
+          <a:xfrm>
+            <a:off x="1207477" y="294968"/>
+            <a:ext cx="9539181" cy="1932007"/>
+          </a:xfrm>
+        </p:spPr>
+        <p:txBody>
+          <a:bodyPr>
+            <a:normAutofit/>
+          </a:bodyPr>
+          <a:lstStyle/>
+          <a:p>
+            <a:pPr algn="ctr"/>
+            <a:r>
+              <a:rPr lang="es-ES" sz="6000" b="1" dirty="0">
+                <a:effectLst>
+                  <a:outerShdw blurRad="38100" dist="38100" dir="2700000" algn="tl">
+                    <a:srgbClr val="000000">
+                      <a:alpha val="43137"/>
+                    </a:srgbClr>
+                  </a:outerShdw>
+                </a:effectLst>
+              </a:rPr>
+              <a:t>Requerimientos no funcionales </a:t>
+            </a:r>
+          </a:p>
+        </p:txBody>
+      </p:sp>
+      <p:graphicFrame>
+        <p:nvGraphicFramePr>
+          <p:cNvPr id="4" name="Tabla 3">
+            <a:extLst>
+              <a:ext uri="{FF2B5EF4-FFF2-40B4-BE49-F238E27FC236}">
+                <a16:creationId xmlns:a16="http://schemas.microsoft.com/office/drawing/2014/main" id="{07DA3F77-A418-EC96-466D-F8D272C81835}"/>
+              </a:ext>
+            </a:extLst>
+          </p:cNvPr>
+          <p:cNvGraphicFramePr>
+            <a:graphicFrameLocks noGrp="1"/>
+          </p:cNvGraphicFramePr>
+          <p:nvPr>
+            <p:extLst>
+              <p:ext uri="{D42A27DB-BD31-4B8C-83A1-F6EECF244321}">
+                <p14:modId xmlns:p14="http://schemas.microsoft.com/office/powerpoint/2010/main" val="2210357395"/>
+              </p:ext>
+            </p:extLst>
+          </p:nvPr>
+        </p:nvGraphicFramePr>
+        <p:xfrm>
+          <a:off x="0" y="2079319"/>
+          <a:ext cx="12192000" cy="4607885"/>
+        </p:xfrm>
+        <a:graphic>
+          <a:graphicData uri="http://schemas.openxmlformats.org/drawingml/2006/table">
+            <a:tbl>
+              <a:tblPr firstRow="1" bandRow="1">
+                <a:tableStyleId>{5C22544A-7EE6-4342-B048-85BDC9FD1C3A}</a:tableStyleId>
+              </a:tblPr>
+              <a:tblGrid>
+                <a:gridCol w="2438400">
+                  <a:extLst>
+                    <a:ext uri="{9D8B030D-6E8A-4147-A177-3AD203B41FA5}">
+                      <a16:colId xmlns:a16="http://schemas.microsoft.com/office/drawing/2014/main" val="1078564161"/>
+                    </a:ext>
+                  </a:extLst>
+                </a:gridCol>
+                <a:gridCol w="2438400">
+                  <a:extLst>
+                    <a:ext uri="{9D8B030D-6E8A-4147-A177-3AD203B41FA5}">
+                      <a16:colId xmlns:a16="http://schemas.microsoft.com/office/drawing/2014/main" val="1762434160"/>
+                    </a:ext>
+                  </a:extLst>
+                </a:gridCol>
+                <a:gridCol w="2438400">
+                  <a:extLst>
+                    <a:ext uri="{9D8B030D-6E8A-4147-A177-3AD203B41FA5}">
+                      <a16:colId xmlns:a16="http://schemas.microsoft.com/office/drawing/2014/main" val="2304719727"/>
+                    </a:ext>
+                  </a:extLst>
+                </a:gridCol>
+                <a:gridCol w="2438400">
+                  <a:extLst>
+                    <a:ext uri="{9D8B030D-6E8A-4147-A177-3AD203B41FA5}">
+                      <a16:colId xmlns:a16="http://schemas.microsoft.com/office/drawing/2014/main" val="3364912136"/>
+                    </a:ext>
+                  </a:extLst>
+                </a:gridCol>
+                <a:gridCol w="2438400">
+                  <a:extLst>
+                    <a:ext uri="{9D8B030D-6E8A-4147-A177-3AD203B41FA5}">
+                      <a16:colId xmlns:a16="http://schemas.microsoft.com/office/drawing/2014/main" val="3924608387"/>
+                    </a:ext>
+                  </a:extLst>
+                </a:gridCol>
+              </a:tblGrid>
+              <a:tr h="708698">
+                <a:tc>
+                  <a:txBody>
+                    <a:bodyPr/>
+                    <a:lstStyle/>
+                    <a:p>
+                      <a:r>
+                        <a:rPr lang="es-ES" dirty="0"/>
+                        <a:t>ID</a:t>
+                      </a:r>
+                    </a:p>
+                  </a:txBody>
+                  <a:tcPr>
+                    <a:solidFill>
+                      <a:schemeClr val="accent5">
+                        <a:lumMod val="75000"/>
+                      </a:schemeClr>
+                    </a:solidFill>
+                  </a:tcPr>
+                </a:tc>
+                <a:tc>
+                  <a:txBody>
+                    <a:bodyPr/>
+                    <a:lstStyle/>
+                    <a:p>
+                      <a:r>
+                        <a:rPr lang="es-ES" dirty="0"/>
+                        <a:t>DESCRIPCIÓN </a:t>
+                      </a:r>
+                    </a:p>
+                  </a:txBody>
+                  <a:tcPr>
+                    <a:solidFill>
+                      <a:schemeClr val="accent5">
+                        <a:lumMod val="75000"/>
+                      </a:schemeClr>
+                    </a:solidFill>
+                  </a:tcPr>
+                </a:tc>
+                <a:tc>
+                  <a:txBody>
+                    <a:bodyPr/>
+                    <a:lstStyle/>
+                    <a:p>
+                      <a:r>
+                        <a:rPr lang="es-ES" dirty="0"/>
+                        <a:t>DETALLES </a:t>
+                      </a:r>
+                    </a:p>
+                  </a:txBody>
+                  <a:tcPr>
+                    <a:solidFill>
+                      <a:schemeClr val="accent5">
+                        <a:lumMod val="75000"/>
+                      </a:schemeClr>
+                    </a:solidFill>
+                  </a:tcPr>
+                </a:tc>
+                <a:tc>
+                  <a:txBody>
+                    <a:bodyPr/>
+                    <a:lstStyle/>
+                    <a:p>
+                      <a:r>
+                        <a:rPr lang="es-ES" dirty="0"/>
+                        <a:t>METRÍCA</a:t>
+                      </a:r>
+                    </a:p>
+                  </a:txBody>
+                  <a:tcPr>
+                    <a:solidFill>
+                      <a:schemeClr val="accent5">
+                        <a:lumMod val="75000"/>
+                      </a:schemeClr>
+                    </a:solidFill>
+                  </a:tcPr>
+                </a:tc>
+                <a:tc>
+                  <a:txBody>
+                    <a:bodyPr/>
+                    <a:lstStyle/>
+                    <a:p>
+                      <a:r>
+                        <a:rPr lang="es-ES" dirty="0"/>
+                        <a:t>INTERESADOS</a:t>
+                      </a:r>
+                    </a:p>
+                  </a:txBody>
+                  <a:tcPr>
+                    <a:solidFill>
+                      <a:schemeClr val="accent5">
+                        <a:lumMod val="75000"/>
+                      </a:schemeClr>
+                    </a:solidFill>
+                  </a:tcPr>
+                </a:tc>
+                <a:extLst>
+                  <a:ext uri="{0D108BD9-81ED-4DB2-BD59-A6C34878D82A}">
+                    <a16:rowId xmlns:a16="http://schemas.microsoft.com/office/drawing/2014/main" val="3279602285"/>
+                  </a:ext>
+                </a:extLst>
+              </a:tr>
+              <a:tr h="1887507">
+                <a:tc>
+                  <a:txBody>
+                    <a:bodyPr/>
+                    <a:lstStyle/>
+                    <a:p>
+                      <a:r>
+                        <a:rPr lang="es-ES" dirty="0"/>
+                        <a:t>RNF001</a:t>
+                      </a:r>
+                    </a:p>
+                  </a:txBody>
+                  <a:tcPr>
+                    <a:solidFill>
+                      <a:schemeClr val="tx1"/>
+                    </a:solidFill>
+                  </a:tcPr>
+                </a:tc>
+                <a:tc>
+                  <a:txBody>
+                    <a:bodyPr/>
+                    <a:lstStyle/>
+                    <a:p>
+                      <a:r>
+                        <a:rPr lang="es-ES" dirty="0"/>
+                        <a:t>Rendimiento.</a:t>
+                      </a:r>
+                    </a:p>
+                  </a:txBody>
+                  <a:tcPr>
+                    <a:solidFill>
+                      <a:schemeClr val="tx1"/>
+                    </a:solidFill>
+                  </a:tcPr>
+                </a:tc>
+                <a:tc>
+                  <a:txBody>
+                    <a:bodyPr/>
+                    <a:lstStyle/>
+                    <a:p>
+                      <a:r>
+                        <a:rPr lang="es-ES" dirty="0"/>
+                        <a:t>El sistema debe cargar el tablero principal en menos de 3 segundos y responder a acciones básicas en menos de 1 segundo bajo condiciones normales.</a:t>
+                      </a:r>
+                    </a:p>
+                  </a:txBody>
+                  <a:tcPr>
+                    <a:solidFill>
+                      <a:schemeClr val="tx1"/>
+                    </a:solidFill>
+                  </a:tcPr>
+                </a:tc>
+                <a:tc>
+                  <a:txBody>
+                    <a:bodyPr/>
+                    <a:lstStyle/>
+                    <a:p>
+                      <a:r>
+                        <a:rPr lang="es-ES" dirty="0"/>
+                        <a:t>≤ 3 segundos en carga inicial, ≤ 1 segundo en acciones básicas.</a:t>
+                      </a:r>
+                    </a:p>
+                  </a:txBody>
+                  <a:tcPr>
+                    <a:solidFill>
+                      <a:schemeClr val="tx1"/>
+                    </a:solidFill>
+                  </a:tcPr>
+                </a:tc>
+                <a:tc>
+                  <a:txBody>
+                    <a:bodyPr/>
+                    <a:lstStyle/>
+                    <a:p>
+                      <a:r>
+                        <a:rPr lang="es-ES" dirty="0"/>
+                        <a:t>Equipo de desarrollo, usuarios finales.</a:t>
+                      </a:r>
+                    </a:p>
+                  </a:txBody>
+                  <a:tcPr>
+                    <a:solidFill>
+                      <a:schemeClr val="tx1"/>
+                    </a:solidFill>
+                  </a:tcPr>
+                </a:tc>
+                <a:extLst>
+                  <a:ext uri="{0D108BD9-81ED-4DB2-BD59-A6C34878D82A}">
+                    <a16:rowId xmlns:a16="http://schemas.microsoft.com/office/drawing/2014/main" val="3611270908"/>
+                  </a:ext>
+                </a:extLst>
+              </a:tr>
+              <a:tr h="1887507">
+                <a:tc>
+                  <a:txBody>
+                    <a:bodyPr/>
+                    <a:lstStyle/>
+                    <a:p>
+                      <a:r>
+                        <a:rPr lang="es-ES" dirty="0"/>
+                        <a:t>RNF002</a:t>
+                      </a:r>
+                    </a:p>
+                  </a:txBody>
+                  <a:tcPr/>
+                </a:tc>
+                <a:tc>
+                  <a:txBody>
+                    <a:bodyPr/>
+                    <a:lstStyle/>
+                    <a:p>
+                      <a:r>
+                        <a:rPr lang="es-ES" dirty="0"/>
+                        <a:t>Disponibilidad y tiempo de actividad.</a:t>
+                      </a:r>
+                    </a:p>
+                  </a:txBody>
+                  <a:tcPr/>
+                </a:tc>
+                <a:tc>
+                  <a:txBody>
+                    <a:bodyPr/>
+                    <a:lstStyle/>
+                    <a:p>
+                      <a:r>
+                        <a:rPr lang="es-ES" dirty="0"/>
+                        <a:t>TaskFlow debe tener una disponibilidad del 99% mensual, con mecanismos de recuperación ante caídas. </a:t>
+                      </a:r>
+                    </a:p>
+                  </a:txBody>
+                  <a:tcPr/>
+                </a:tc>
+                <a:tc>
+                  <a:txBody>
+                    <a:bodyPr/>
+                    <a:lstStyle/>
+                    <a:p>
+                      <a:r>
+                        <a:rPr lang="es-ES" dirty="0"/>
+                        <a:t>≥ 99% de disponibilidad mensual.</a:t>
+                      </a:r>
+                    </a:p>
+                  </a:txBody>
+                  <a:tcPr/>
+                </a:tc>
+                <a:tc>
+                  <a:txBody>
+                    <a:bodyPr/>
+                    <a:lstStyle/>
+                    <a:p>
+                      <a:r>
+                        <a:rPr lang="es-ES" dirty="0"/>
+                        <a:t>Administradores, equipo TI.</a:t>
+                      </a:r>
+                    </a:p>
+                  </a:txBody>
+                  <a:tcPr/>
+                </a:tc>
+                <a:extLst>
+                  <a:ext uri="{0D108BD9-81ED-4DB2-BD59-A6C34878D82A}">
+                    <a16:rowId xmlns:a16="http://schemas.microsoft.com/office/drawing/2014/main" val="2064485586"/>
+                  </a:ext>
+                </a:extLst>
+              </a:tr>
+            </a:tbl>
+          </a:graphicData>
+        </a:graphic>
+      </p:graphicFrame>
+    </p:spTree>
+    <p:extLst>
+      <p:ext uri="{BB962C8B-B14F-4D97-AF65-F5344CB8AC3E}">
+        <p14:creationId xmlns:p14="http://schemas.microsoft.com/office/powerpoint/2010/main" val="1892481738"/>
+      </p:ext>
+    </p:extLst>
+  </p:cSld>
+  <p:clrMapOvr>
+    <a:masterClrMapping/>
+  </p:clrMapOvr>
+</p:sld>
+</file>
+
+<file path=ppt/slides/slide8.xml><?xml version="1.0" encoding="utf-8"?>
+<p:sld xmlns:a="http://schemas.openxmlformats.org/drawingml/2006/main" xmlns:r="http://schemas.openxmlformats.org/officeDocument/2006/relationships" xmlns:p="http://schemas.openxmlformats.org/presentationml/2006/main">
+  <p:cSld>
+    <p:spTree>
+      <p:nvGrpSpPr>
+        <p:cNvPr id="1" name="">
+          <a:extLst>
+            <a:ext uri="{FF2B5EF4-FFF2-40B4-BE49-F238E27FC236}">
+              <a16:creationId xmlns:a16="http://schemas.microsoft.com/office/drawing/2014/main" id="{CB95FA07-3A0C-1C46-8354-854788B316CF}"/>
+            </a:ext>
+          </a:extLst>
+        </p:cNvPr>
+        <p:cNvGrpSpPr/>
+        <p:nvPr/>
+      </p:nvGrpSpPr>
+      <p:grpSpPr>
+        <a:xfrm>
+          <a:off x="0" y="0"/>
+          <a:ext cx="0" cy="0"/>
+          <a:chOff x="0" y="0"/>
+          <a:chExt cx="0" cy="0"/>
+        </a:xfrm>
+      </p:grpSpPr>
+      <p:graphicFrame>
+        <p:nvGraphicFramePr>
+          <p:cNvPr id="4" name="Tabla 3">
+            <a:extLst>
+              <a:ext uri="{FF2B5EF4-FFF2-40B4-BE49-F238E27FC236}">
+                <a16:creationId xmlns:a16="http://schemas.microsoft.com/office/drawing/2014/main" id="{B95DD2D6-336A-0CE9-14B3-9676A703EEFB}"/>
+              </a:ext>
+            </a:extLst>
+          </p:cNvPr>
+          <p:cNvGraphicFramePr>
+            <a:graphicFrameLocks noGrp="1"/>
+          </p:cNvGraphicFramePr>
+          <p:nvPr>
+            <p:extLst>
+              <p:ext uri="{D42A27DB-BD31-4B8C-83A1-F6EECF244321}">
+                <p14:modId xmlns:p14="http://schemas.microsoft.com/office/powerpoint/2010/main" val="219864974"/>
+              </p:ext>
+            </p:extLst>
+          </p:nvPr>
+        </p:nvGraphicFramePr>
+        <p:xfrm>
+          <a:off x="0" y="353960"/>
+          <a:ext cx="12192000" cy="6781112"/>
+        </p:xfrm>
+        <a:graphic>
+          <a:graphicData uri="http://schemas.openxmlformats.org/drawingml/2006/table">
+            <a:tbl>
+              <a:tblPr firstRow="1" bandRow="1">
+                <a:tableStyleId>{5C22544A-7EE6-4342-B048-85BDC9FD1C3A}</a:tableStyleId>
+              </a:tblPr>
+              <a:tblGrid>
+                <a:gridCol w="2438400">
+                  <a:extLst>
+                    <a:ext uri="{9D8B030D-6E8A-4147-A177-3AD203B41FA5}">
+                      <a16:colId xmlns:a16="http://schemas.microsoft.com/office/drawing/2014/main" val="1078564161"/>
+                    </a:ext>
+                  </a:extLst>
+                </a:gridCol>
+                <a:gridCol w="2438400">
+                  <a:extLst>
+                    <a:ext uri="{9D8B030D-6E8A-4147-A177-3AD203B41FA5}">
+                      <a16:colId xmlns:a16="http://schemas.microsoft.com/office/drawing/2014/main" val="1762434160"/>
+                    </a:ext>
+                  </a:extLst>
+                </a:gridCol>
+                <a:gridCol w="2438400">
+                  <a:extLst>
+                    <a:ext uri="{9D8B030D-6E8A-4147-A177-3AD203B41FA5}">
+                      <a16:colId xmlns:a16="http://schemas.microsoft.com/office/drawing/2014/main" val="2304719727"/>
+                    </a:ext>
+                  </a:extLst>
+                </a:gridCol>
+                <a:gridCol w="2438400">
+                  <a:extLst>
+                    <a:ext uri="{9D8B030D-6E8A-4147-A177-3AD203B41FA5}">
+                      <a16:colId xmlns:a16="http://schemas.microsoft.com/office/drawing/2014/main" val="952611802"/>
+                    </a:ext>
+                  </a:extLst>
+                </a:gridCol>
+                <a:gridCol w="2438400">
+                  <a:extLst>
+                    <a:ext uri="{9D8B030D-6E8A-4147-A177-3AD203B41FA5}">
+                      <a16:colId xmlns:a16="http://schemas.microsoft.com/office/drawing/2014/main" val="3924608387"/>
+                    </a:ext>
+                  </a:extLst>
+                </a:gridCol>
+              </a:tblGrid>
+              <a:tr h="945488">
+                <a:tc>
+                  <a:txBody>
+                    <a:bodyPr/>
+                    <a:lstStyle/>
+                    <a:p>
+                      <a:r>
+                        <a:rPr lang="es-ES" dirty="0"/>
+                        <a:t>ID</a:t>
+                      </a:r>
+                    </a:p>
+                  </a:txBody>
+                  <a:tcPr>
+                    <a:solidFill>
+                      <a:schemeClr val="accent5">
+                        <a:lumMod val="75000"/>
+                      </a:schemeClr>
+                    </a:solidFill>
+                  </a:tcPr>
+                </a:tc>
+                <a:tc>
+                  <a:txBody>
+                    <a:bodyPr/>
+                    <a:lstStyle/>
+                    <a:p>
+                      <a:r>
+                        <a:rPr lang="es-ES" dirty="0"/>
+                        <a:t>DESCRIPCIÓN </a:t>
+                      </a:r>
+                    </a:p>
+                  </a:txBody>
+                  <a:tcPr>
+                    <a:solidFill>
+                      <a:schemeClr val="accent5">
+                        <a:lumMod val="75000"/>
+                      </a:schemeClr>
+                    </a:solidFill>
+                  </a:tcPr>
+                </a:tc>
+                <a:tc>
+                  <a:txBody>
+                    <a:bodyPr/>
+                    <a:lstStyle/>
+                    <a:p>
+                      <a:r>
+                        <a:rPr lang="es-ES" dirty="0"/>
+                        <a:t>DETALLES </a:t>
+                      </a:r>
+                    </a:p>
+                  </a:txBody>
+                  <a:tcPr>
+                    <a:solidFill>
+                      <a:schemeClr val="accent5">
+                        <a:lumMod val="75000"/>
+                      </a:schemeClr>
+                    </a:solidFill>
+                  </a:tcPr>
+                </a:tc>
+                <a:tc>
+                  <a:txBody>
+                    <a:bodyPr/>
+                    <a:lstStyle/>
+                    <a:p>
+                      <a:r>
+                        <a:rPr lang="es-ES" dirty="0"/>
+                        <a:t>METRÍCA</a:t>
+                      </a:r>
+                    </a:p>
+                  </a:txBody>
+                  <a:tcPr>
+                    <a:solidFill>
+                      <a:schemeClr val="accent5">
+                        <a:lumMod val="75000"/>
+                      </a:schemeClr>
+                    </a:solidFill>
+                  </a:tcPr>
+                </a:tc>
+                <a:tc>
+                  <a:txBody>
+                    <a:bodyPr/>
+                    <a:lstStyle/>
+                    <a:p>
+                      <a:r>
+                        <a:rPr lang="es-ES" dirty="0"/>
+                        <a:t>INTERESADOS</a:t>
+                      </a:r>
+                    </a:p>
+                  </a:txBody>
+                  <a:tcPr>
+                    <a:solidFill>
+                      <a:schemeClr val="accent5">
+                        <a:lumMod val="75000"/>
+                      </a:schemeClr>
+                    </a:solidFill>
+                  </a:tcPr>
+                </a:tc>
+                <a:extLst>
+                  <a:ext uri="{0D108BD9-81ED-4DB2-BD59-A6C34878D82A}">
+                    <a16:rowId xmlns:a16="http://schemas.microsoft.com/office/drawing/2014/main" val="3279602285"/>
+                  </a:ext>
+                </a:extLst>
+              </a:tr>
+              <a:tr h="1517517">
+                <a:tc>
+                  <a:txBody>
+                    <a:bodyPr/>
+                    <a:lstStyle/>
+                    <a:p>
+                      <a:r>
+                        <a:rPr lang="es-ES" dirty="0"/>
+                        <a:t>RNF003</a:t>
+                      </a:r>
+                    </a:p>
+                  </a:txBody>
+                  <a:tcPr>
+                    <a:solidFill>
+                      <a:schemeClr val="tx1"/>
+                    </a:solidFill>
+                  </a:tcPr>
+                </a:tc>
+                <a:tc>
+                  <a:txBody>
+                    <a:bodyPr/>
+                    <a:lstStyle/>
+                    <a:p>
+                      <a:r>
+                        <a:rPr lang="es-ES" dirty="0"/>
+                        <a:t>Seguridad de la información.</a:t>
+                      </a:r>
+                    </a:p>
+                  </a:txBody>
+                  <a:tcPr>
+                    <a:solidFill>
+                      <a:schemeClr val="tx1"/>
+                    </a:solidFill>
+                  </a:tcPr>
+                </a:tc>
+                <a:tc>
+                  <a:txBody>
+                    <a:bodyPr/>
+                    <a:lstStyle/>
+                    <a:p>
+                      <a:r>
+                        <a:rPr lang="es-ES" dirty="0"/>
+                        <a:t>Las contraseñas deben almacenarse cifradas, y los datos sensibles deben transmitirse mediante protocolos seguros como HTTPS.</a:t>
+                      </a:r>
+                    </a:p>
+                  </a:txBody>
+                  <a:tcPr>
+                    <a:solidFill>
+                      <a:schemeClr val="tx1"/>
+                    </a:solidFill>
+                  </a:tcPr>
+                </a:tc>
+                <a:tc>
+                  <a:txBody>
+                    <a:bodyPr/>
+                    <a:lstStyle/>
+                    <a:p>
+                      <a:r>
+                        <a:rPr lang="es-ES" dirty="0"/>
+                        <a:t>100% de contraseñas cifradas y uso de HTTPS en datos sensibles.</a:t>
+                      </a:r>
+                    </a:p>
+                  </a:txBody>
+                  <a:tcPr>
+                    <a:solidFill>
+                      <a:schemeClr val="tx1"/>
+                    </a:solidFill>
+                  </a:tcPr>
+                </a:tc>
+                <a:tc>
+                  <a:txBody>
+                    <a:bodyPr/>
+                    <a:lstStyle/>
+                    <a:p>
+                      <a:r>
+                        <a:rPr lang="es-ES" dirty="0"/>
+                        <a:t>Usuarios, equipo de seguridad, TI.</a:t>
+                      </a:r>
+                    </a:p>
+                  </a:txBody>
+                  <a:tcPr>
+                    <a:solidFill>
+                      <a:schemeClr val="tx1"/>
+                    </a:solidFill>
+                  </a:tcPr>
+                </a:tc>
+                <a:extLst>
+                  <a:ext uri="{0D108BD9-81ED-4DB2-BD59-A6C34878D82A}">
+                    <a16:rowId xmlns:a16="http://schemas.microsoft.com/office/drawing/2014/main" val="3611270908"/>
+                  </a:ext>
+                </a:extLst>
+              </a:tr>
+              <a:tr h="2086584">
+                <a:tc>
+                  <a:txBody>
+                    <a:bodyPr/>
+                    <a:lstStyle/>
+                    <a:p>
+                      <a:r>
+                        <a:rPr lang="es-ES" dirty="0"/>
+                        <a:t>RNF004</a:t>
+                      </a:r>
+                    </a:p>
+                  </a:txBody>
+                  <a:tcPr/>
+                </a:tc>
+                <a:tc>
+                  <a:txBody>
+                    <a:bodyPr/>
+                    <a:lstStyle/>
+                    <a:p>
+                      <a:r>
+                        <a:rPr lang="es-ES" dirty="0"/>
+                        <a:t>Escalabilidad.</a:t>
+                      </a:r>
+                    </a:p>
+                  </a:txBody>
+                  <a:tcPr/>
+                </a:tc>
+                <a:tc>
+                  <a:txBody>
+                    <a:bodyPr/>
+                    <a:lstStyle/>
+                    <a:p>
+                      <a:r>
+                        <a:rPr lang="es-ES" dirty="0"/>
+                        <a:t>El sistema debe estar preparado para escalar horizontalmente en caso de aumento de usuarios activos sin afectar el rendimiento.</a:t>
+                      </a:r>
+                    </a:p>
+                  </a:txBody>
+                  <a:tcPr/>
+                </a:tc>
+                <a:tc>
+                  <a:txBody>
+                    <a:bodyPr/>
+                    <a:lstStyle/>
+                    <a:p>
+                      <a:r>
+                        <a:rPr lang="es-ES" dirty="0"/>
+                        <a:t>Escalamiento horizontal sin degradación de rendimiento.</a:t>
+                      </a:r>
+                    </a:p>
+                  </a:txBody>
+                  <a:tcPr/>
+                </a:tc>
+                <a:tc>
+                  <a:txBody>
+                    <a:bodyPr/>
+                    <a:lstStyle/>
+                    <a:p>
+                      <a:r>
+                        <a:rPr lang="es-ES" dirty="0"/>
+                        <a:t>Desarrolladores, empresa administradora.</a:t>
+                      </a:r>
+                    </a:p>
+                  </a:txBody>
+                  <a:tcPr/>
+                </a:tc>
+                <a:extLst>
+                  <a:ext uri="{0D108BD9-81ED-4DB2-BD59-A6C34878D82A}">
+                    <a16:rowId xmlns:a16="http://schemas.microsoft.com/office/drawing/2014/main" val="2064485586"/>
+                  </a:ext>
+                </a:extLst>
+              </a:tr>
+              <a:tr h="1802050">
+                <a:tc>
+                  <a:txBody>
+                    <a:bodyPr/>
+                    <a:lstStyle/>
+                    <a:p>
+                      <a:r>
+                        <a:rPr lang="es-ES" dirty="0"/>
+                        <a:t>RNF005</a:t>
+                      </a:r>
+                    </a:p>
+                  </a:txBody>
+                  <a:tcPr>
+                    <a:solidFill>
+                      <a:schemeClr val="tx1"/>
+                    </a:solidFill>
+                  </a:tcPr>
+                </a:tc>
+                <a:tc>
+                  <a:txBody>
+                    <a:bodyPr/>
+                    <a:lstStyle/>
+                    <a:p>
+                      <a:r>
+                        <a:rPr lang="es-ES" dirty="0"/>
+                        <a:t>Compatibilidad multiplataforma.</a:t>
+                      </a:r>
+                    </a:p>
+                  </a:txBody>
+                  <a:tcPr>
+                    <a:solidFill>
+                      <a:schemeClr val="tx1"/>
+                    </a:solidFill>
+                  </a:tcPr>
+                </a:tc>
+                <a:tc>
+                  <a:txBody>
+                    <a:bodyPr/>
+                    <a:lstStyle/>
+                    <a:p>
+                      <a:r>
+                        <a:rPr lang="es-ES" dirty="0"/>
+                        <a:t>TaskFlow debe ser accesible desde navegadores modernos en PC, tablets y smartphones sin pérdida de funcionalidad.</a:t>
+                      </a:r>
+                    </a:p>
+                  </a:txBody>
+                  <a:tcPr>
+                    <a:solidFill>
+                      <a:schemeClr val="tx1"/>
+                    </a:solidFill>
+                  </a:tcPr>
+                </a:tc>
+                <a:tc>
+                  <a:txBody>
+                    <a:bodyPr/>
+                    <a:lstStyle/>
+                    <a:p>
+                      <a:r>
+                        <a:rPr lang="es-ES" dirty="0"/>
+                        <a:t>≥ 95% de compatibilidad funcional en plataformas objetivo.</a:t>
+                      </a:r>
+                    </a:p>
+                  </a:txBody>
+                  <a:tcPr>
+                    <a:solidFill>
+                      <a:schemeClr val="tx1"/>
+                    </a:solidFill>
+                  </a:tcPr>
+                </a:tc>
+                <a:tc>
+                  <a:txBody>
+                    <a:bodyPr/>
+                    <a:lstStyle/>
+                    <a:p>
+                      <a:r>
+                        <a:rPr lang="es-ES" dirty="0"/>
+                        <a:t>Usuarios, equipo UX/UI, soporte técnico.</a:t>
+                      </a:r>
+                    </a:p>
+                  </a:txBody>
+                  <a:tcPr>
+                    <a:solidFill>
+                      <a:schemeClr val="tx1"/>
+                    </a:solidFill>
+                  </a:tcPr>
+                </a:tc>
+                <a:extLst>
+                  <a:ext uri="{0D108BD9-81ED-4DB2-BD59-A6C34878D82A}">
+                    <a16:rowId xmlns:a16="http://schemas.microsoft.com/office/drawing/2014/main" val="1195326066"/>
+                  </a:ext>
+                </a:extLst>
+              </a:tr>
+            </a:tbl>
+          </a:graphicData>
+        </a:graphic>
+      </p:graphicFrame>
+    </p:spTree>
+    <p:extLst>
+      <p:ext uri="{BB962C8B-B14F-4D97-AF65-F5344CB8AC3E}">
+        <p14:creationId xmlns:p14="http://schemas.microsoft.com/office/powerpoint/2010/main" val="2583551509"/>
+      </p:ext>
+    </p:extLst>
+  </p:cSld>
+  <p:clrMapOvr>
+    <a:masterClrMapping/>
+  </p:clrMapOvr>
+</p:sld>
+</file>
+
+<file path=ppt/slides/slide9.xml><?xml version="1.0" encoding="utf-8"?>
+<p:sld xmlns:a="http://schemas.openxmlformats.org/drawingml/2006/main" xmlns:r="http://schemas.openxmlformats.org/officeDocument/2006/relationships" xmlns:p="http://schemas.openxmlformats.org/presentationml/2006/main">
+  <p:cSld>
+    <p:spTree>
+      <p:nvGrpSpPr>
+        <p:cNvPr id="1" name=""/>
+        <p:cNvGrpSpPr/>
+        <p:nvPr/>
+      </p:nvGrpSpPr>
+      <p:grpSpPr>
+        <a:xfrm>
+          <a:off x="0" y="0"/>
+          <a:ext cx="0" cy="0"/>
+          <a:chOff x="0" y="0"/>
+          <a:chExt cx="0" cy="0"/>
+        </a:xfrm>
+      </p:grpSpPr>
+      <p:sp>
+        <p:nvSpPr>
+          <p:cNvPr id="4" name="Título 3">
+            <a:extLst>
+              <a:ext uri="{FF2B5EF4-FFF2-40B4-BE49-F238E27FC236}">
+                <a16:creationId xmlns:a16="http://schemas.microsoft.com/office/drawing/2014/main" id="{14DA1AD2-0326-BF18-3AEC-850737168228}"/>
+              </a:ext>
+            </a:extLst>
+          </p:cNvPr>
+          <p:cNvSpPr>
+            <a:spLocks noGrp="1"/>
+          </p:cNvSpPr>
+          <p:nvPr>
+            <p:ph type="title"/>
+          </p:nvPr>
+        </p:nvSpPr>
+        <p:spPr/>
+        <p:txBody>
+          <a:bodyPr/>
+          <a:lstStyle/>
+          <a:p>
+            <a:pPr algn="ctr"/>
+            <a:r>
+              <a:rPr lang="es-ES" b="1" dirty="0"/>
+              <a:t>ATRIBUTOS DE CALIDAD </a:t>
+            </a:r>
+          </a:p>
+        </p:txBody>
+      </p:sp>
+      <p:graphicFrame>
+        <p:nvGraphicFramePr>
+          <p:cNvPr id="5" name="Tabla 4">
+            <a:extLst>
+              <a:ext uri="{FF2B5EF4-FFF2-40B4-BE49-F238E27FC236}">
+                <a16:creationId xmlns:a16="http://schemas.microsoft.com/office/drawing/2014/main" id="{E327FB68-F46C-41CB-0D99-9A799F3384B1}"/>
+              </a:ext>
+            </a:extLst>
+          </p:cNvPr>
+          <p:cNvGraphicFramePr>
+            <a:graphicFrameLocks noGrp="1"/>
+          </p:cNvGraphicFramePr>
+          <p:nvPr>
+            <p:extLst>
+              <p:ext uri="{D42A27DB-BD31-4B8C-83A1-F6EECF244321}">
+                <p14:modId xmlns:p14="http://schemas.microsoft.com/office/powerpoint/2010/main" val="287787527"/>
+              </p:ext>
+            </p:extLst>
+          </p:nvPr>
+        </p:nvGraphicFramePr>
+        <p:xfrm>
+          <a:off x="803787" y="676652"/>
+          <a:ext cx="11150460" cy="5943374"/>
+        </p:xfrm>
+        <a:graphic>
+          <a:graphicData uri="http://schemas.openxmlformats.org/drawingml/2006/table">
+            <a:tbl>
+              <a:tblPr firstRow="1" bandRow="1">
+                <a:tableStyleId>{5C22544A-7EE6-4342-B048-85BDC9FD1C3A}</a:tableStyleId>
+              </a:tblPr>
+              <a:tblGrid>
+                <a:gridCol w="2284531">
+                  <a:extLst>
+                    <a:ext uri="{9D8B030D-6E8A-4147-A177-3AD203B41FA5}">
+                      <a16:colId xmlns:a16="http://schemas.microsoft.com/office/drawing/2014/main" val="3377772386"/>
+                    </a:ext>
+                  </a:extLst>
+                </a:gridCol>
+                <a:gridCol w="633450">
+                  <a:extLst>
+                    <a:ext uri="{9D8B030D-6E8A-4147-A177-3AD203B41FA5}">
+                      <a16:colId xmlns:a16="http://schemas.microsoft.com/office/drawing/2014/main" val="1280680513"/>
+                    </a:ext>
+                  </a:extLst>
+                </a:gridCol>
+                <a:gridCol w="1023822">
+                  <a:extLst>
+                    <a:ext uri="{9D8B030D-6E8A-4147-A177-3AD203B41FA5}">
+                      <a16:colId xmlns:a16="http://schemas.microsoft.com/office/drawing/2014/main" val="4292378186"/>
+                    </a:ext>
+                  </a:extLst>
+                </a:gridCol>
+                <a:gridCol w="740810">
+                  <a:extLst>
+                    <a:ext uri="{9D8B030D-6E8A-4147-A177-3AD203B41FA5}">
+                      <a16:colId xmlns:a16="http://schemas.microsoft.com/office/drawing/2014/main" val="928640341"/>
+                    </a:ext>
+                  </a:extLst>
+                </a:gridCol>
+                <a:gridCol w="956403">
+                  <a:extLst>
+                    <a:ext uri="{9D8B030D-6E8A-4147-A177-3AD203B41FA5}">
+                      <a16:colId xmlns:a16="http://schemas.microsoft.com/office/drawing/2014/main" val="3022505854"/>
+                    </a:ext>
+                  </a:extLst>
+                </a:gridCol>
+                <a:gridCol w="535513">
+                  <a:extLst>
+                    <a:ext uri="{9D8B030D-6E8A-4147-A177-3AD203B41FA5}">
+                      <a16:colId xmlns:a16="http://schemas.microsoft.com/office/drawing/2014/main" val="1649323925"/>
+                    </a:ext>
+                  </a:extLst>
+                </a:gridCol>
+                <a:gridCol w="899190">
+                  <a:extLst>
+                    <a:ext uri="{9D8B030D-6E8A-4147-A177-3AD203B41FA5}">
+                      <a16:colId xmlns:a16="http://schemas.microsoft.com/office/drawing/2014/main" val="786383301"/>
+                    </a:ext>
+                  </a:extLst>
+                </a:gridCol>
+                <a:gridCol w="705020">
+                  <a:extLst>
+                    <a:ext uri="{9D8B030D-6E8A-4147-A177-3AD203B41FA5}">
+                      <a16:colId xmlns:a16="http://schemas.microsoft.com/office/drawing/2014/main" val="4192344828"/>
+                    </a:ext>
+                  </a:extLst>
+                </a:gridCol>
+                <a:gridCol w="831067">
+                  <a:extLst>
+                    <a:ext uri="{9D8B030D-6E8A-4147-A177-3AD203B41FA5}">
+                      <a16:colId xmlns:a16="http://schemas.microsoft.com/office/drawing/2014/main" val="3398429150"/>
+                    </a:ext>
+                  </a:extLst>
+                </a:gridCol>
+                <a:gridCol w="1020198">
+                  <a:extLst>
+                    <a:ext uri="{9D8B030D-6E8A-4147-A177-3AD203B41FA5}">
+                      <a16:colId xmlns:a16="http://schemas.microsoft.com/office/drawing/2014/main" val="3008803226"/>
+                    </a:ext>
+                  </a:extLst>
+                </a:gridCol>
+                <a:gridCol w="675366">
+                  <a:extLst>
+                    <a:ext uri="{9D8B030D-6E8A-4147-A177-3AD203B41FA5}">
+                      <a16:colId xmlns:a16="http://schemas.microsoft.com/office/drawing/2014/main" val="2024445911"/>
+                    </a:ext>
+                  </a:extLst>
+                </a:gridCol>
+                <a:gridCol w="845090">
+                  <a:extLst>
+                    <a:ext uri="{9D8B030D-6E8A-4147-A177-3AD203B41FA5}">
+                      <a16:colId xmlns:a16="http://schemas.microsoft.com/office/drawing/2014/main" val="3000517935"/>
+                    </a:ext>
+                  </a:extLst>
+                </a:gridCol>
+              </a:tblGrid>
+              <a:tr h="333516">
+                <a:tc>
+                  <a:txBody>
+                    <a:bodyPr/>
+                    <a:lstStyle/>
+                    <a:p>
+                      <a:r>
+                        <a:rPr lang="es-ES" dirty="0"/>
+                        <a:t>Interesados </a:t>
+                      </a:r>
+                    </a:p>
+                  </a:txBody>
+                  <a:tcPr>
+                    <a:solidFill>
+                      <a:schemeClr val="accent5">
+                        <a:lumMod val="75000"/>
+                      </a:schemeClr>
+                    </a:solidFill>
+                  </a:tcPr>
+                </a:tc>
+                <a:tc gridSpan="2">
+                  <a:txBody>
+                    <a:bodyPr/>
+                    <a:lstStyle/>
+                    <a:p>
+                      <a:pPr algn="ctr"/>
+                      <a:r>
+                        <a:rPr lang="es-ES" b="1" dirty="0"/>
+                        <a:t>Fiabilidad</a:t>
+                      </a:r>
+                    </a:p>
+                  </a:txBody>
+                  <a:tcPr>
+                    <a:solidFill>
+                      <a:schemeClr val="accent5">
+                        <a:lumMod val="75000"/>
+                      </a:schemeClr>
+                    </a:solidFill>
+                  </a:tcPr>
+                </a:tc>
+                <a:tc hMerge="1">
+                  <a:txBody>
+                    <a:bodyPr/>
+                    <a:lstStyle/>
+                    <a:p>
+                      <a:endParaRPr lang="es-ES"/>
+                    </a:p>
+                  </a:txBody>
+                  <a:tcPr/>
+                </a:tc>
+                <a:tc gridSpan="2">
+                  <a:txBody>
+                    <a:bodyPr/>
+                    <a:lstStyle/>
+                    <a:p>
+                      <a:r>
+                        <a:rPr lang="es-ES" dirty="0"/>
+                        <a:t>Rendimiento</a:t>
+                      </a:r>
+                    </a:p>
+                  </a:txBody>
+                  <a:tcPr>
+                    <a:solidFill>
+                      <a:schemeClr val="accent5">
+                        <a:lumMod val="75000"/>
+                      </a:schemeClr>
+                    </a:solidFill>
+                  </a:tcPr>
+                </a:tc>
+                <a:tc hMerge="1">
+                  <a:txBody>
+                    <a:bodyPr/>
+                    <a:lstStyle/>
+                    <a:p>
+                      <a:endParaRPr lang="es-ES"/>
+                    </a:p>
+                  </a:txBody>
+                  <a:tcPr/>
+                </a:tc>
+                <a:tc gridSpan="2">
+                  <a:txBody>
+                    <a:bodyPr/>
+                    <a:lstStyle/>
+                    <a:p>
+                      <a:r>
+                        <a:rPr lang="es-ES" dirty="0"/>
+                        <a:t>Seguridad </a:t>
+                      </a:r>
+                    </a:p>
+                  </a:txBody>
+                  <a:tcPr>
+                    <a:solidFill>
+                      <a:schemeClr val="accent5">
+                        <a:lumMod val="75000"/>
+                      </a:schemeClr>
+                    </a:solidFill>
+                  </a:tcPr>
+                </a:tc>
+                <a:tc hMerge="1">
+                  <a:txBody>
+                    <a:bodyPr/>
+                    <a:lstStyle/>
+                    <a:p>
+                      <a:endParaRPr lang="es-ES"/>
+                    </a:p>
+                  </a:txBody>
+                  <a:tcPr/>
+                </a:tc>
+                <a:tc gridSpan="2">
+                  <a:txBody>
+                    <a:bodyPr/>
+                    <a:lstStyle/>
+                    <a:p>
+                      <a:r>
+                        <a:rPr lang="es-ES" dirty="0"/>
+                        <a:t>Usabilidad</a:t>
+                      </a:r>
+                    </a:p>
+                  </a:txBody>
+                  <a:tcPr>
+                    <a:solidFill>
+                      <a:schemeClr val="accent5">
+                        <a:lumMod val="75000"/>
+                      </a:schemeClr>
+                    </a:solidFill>
+                  </a:tcPr>
+                </a:tc>
+                <a:tc hMerge="1">
+                  <a:txBody>
+                    <a:bodyPr/>
+                    <a:lstStyle/>
+                    <a:p>
+                      <a:endParaRPr lang="es-ES"/>
+                    </a:p>
+                  </a:txBody>
+                  <a:tcPr/>
+                </a:tc>
+                <a:tc gridSpan="2">
+                  <a:txBody>
+                    <a:bodyPr/>
+                    <a:lstStyle/>
+                    <a:p>
+                      <a:r>
+                        <a:rPr lang="es-ES" dirty="0"/>
+                        <a:t>Flexibilidad</a:t>
+                      </a:r>
+                    </a:p>
+                  </a:txBody>
+                  <a:tcPr>
+                    <a:solidFill>
+                      <a:schemeClr val="accent5">
+                        <a:lumMod val="75000"/>
+                      </a:schemeClr>
+                    </a:solidFill>
+                  </a:tcPr>
+                </a:tc>
+                <a:tc hMerge="1">
+                  <a:txBody>
+                    <a:bodyPr/>
+                    <a:lstStyle/>
+                    <a:p>
+                      <a:endParaRPr lang="es-ES"/>
+                    </a:p>
+                  </a:txBody>
+                  <a:tcPr/>
+                </a:tc>
+                <a:tc>
+                  <a:txBody>
+                    <a:bodyPr/>
+                    <a:lstStyle/>
+                    <a:p>
+                      <a:r>
+                        <a:rPr lang="es-ES" dirty="0"/>
+                        <a:t>Total </a:t>
+                      </a:r>
+                    </a:p>
+                  </a:txBody>
+                  <a:tcPr>
+                    <a:solidFill>
+                      <a:schemeClr val="accent5">
+                        <a:lumMod val="75000"/>
+                      </a:schemeClr>
+                    </a:solidFill>
+                  </a:tcPr>
+                </a:tc>
+                <a:extLst>
+                  <a:ext uri="{0D108BD9-81ED-4DB2-BD59-A6C34878D82A}">
+                    <a16:rowId xmlns:a16="http://schemas.microsoft.com/office/drawing/2014/main" val="2595671822"/>
+                  </a:ext>
+                </a:extLst>
+              </a:tr>
+              <a:tr h="531605">
+                <a:tc>
+                  <a:txBody>
+                    <a:bodyPr/>
+                    <a:lstStyle/>
+                    <a:p>
+                      <a:r>
+                        <a:rPr lang="es-ES" dirty="0"/>
+                        <a:t>Líderes de equipo</a:t>
+                      </a:r>
+                    </a:p>
+                  </a:txBody>
+                  <a:tcPr/>
+                </a:tc>
+                <a:tc>
+                  <a:txBody>
+                    <a:bodyPr/>
+                    <a:lstStyle/>
+                    <a:p>
+                      <a:pPr algn="ctr"/>
+                      <a:endParaRPr lang="es-ES" sz="2400" b="1" dirty="0"/>
+                    </a:p>
+                  </a:txBody>
+                  <a:tcPr/>
+                </a:tc>
+                <a:tc>
+                  <a:txBody>
+                    <a:bodyPr/>
+                    <a:lstStyle/>
+                    <a:p>
+                      <a:endParaRPr lang="es-ES" dirty="0"/>
+                    </a:p>
+                  </a:txBody>
+                  <a:tcPr/>
+                </a:tc>
+                <a:tc>
+                  <a:txBody>
+                    <a:bodyPr/>
+                    <a:lstStyle/>
+                    <a:p>
+                      <a:pPr algn="ctr"/>
+                      <a:r>
+                        <a:rPr lang="es-ES" sz="2400" b="1" dirty="0"/>
+                        <a:t>X</a:t>
+                      </a:r>
+                    </a:p>
+                  </a:txBody>
+                  <a:tcPr/>
+                </a:tc>
+                <a:tc>
+                  <a:txBody>
+                    <a:bodyPr/>
+                    <a:lstStyle/>
+                    <a:p>
+                      <a:r>
+                        <a:rPr lang="es-ES" dirty="0"/>
+                        <a:t>20</a:t>
+                      </a:r>
+                    </a:p>
+                  </a:txBody>
+                  <a:tcPr/>
+                </a:tc>
+                <a:tc>
+                  <a:txBody>
+                    <a:bodyPr/>
+                    <a:lstStyle/>
+                    <a:p>
+                      <a:pPr algn="ctr"/>
+                      <a:endParaRPr lang="es-ES" b="1" dirty="0"/>
+                    </a:p>
+                  </a:txBody>
+                  <a:tcPr/>
+                </a:tc>
+                <a:tc>
+                  <a:txBody>
+                    <a:bodyPr/>
+                    <a:lstStyle/>
+                    <a:p>
+                      <a:endParaRPr lang="es-ES" dirty="0"/>
+                    </a:p>
+                  </a:txBody>
+                  <a:tcPr/>
+                </a:tc>
+                <a:tc>
+                  <a:txBody>
+                    <a:bodyPr/>
+                    <a:lstStyle/>
+                    <a:p>
+                      <a:pPr algn="ctr"/>
+                      <a:r>
+                        <a:rPr lang="es-ES" sz="2400" b="1" dirty="0"/>
+                        <a:t>X</a:t>
+                      </a:r>
+                    </a:p>
+                  </a:txBody>
+                  <a:tcPr/>
+                </a:tc>
+                <a:tc>
+                  <a:txBody>
+                    <a:bodyPr/>
+                    <a:lstStyle/>
+                    <a:p>
+                      <a:r>
+                        <a:rPr lang="es-ES" dirty="0"/>
+                        <a:t>70</a:t>
+                      </a:r>
+                    </a:p>
+                  </a:txBody>
+                  <a:tcPr/>
+                </a:tc>
+                <a:tc>
+                  <a:txBody>
+                    <a:bodyPr/>
+                    <a:lstStyle/>
+                    <a:p>
+                      <a:pPr algn="ctr"/>
+                      <a:r>
+                        <a:rPr lang="es-ES" sz="2400" b="1" dirty="0"/>
+                        <a:t>X</a:t>
+                      </a:r>
+                    </a:p>
+                  </a:txBody>
+                  <a:tcPr/>
+                </a:tc>
+                <a:tc>
+                  <a:txBody>
+                    <a:bodyPr/>
+                    <a:lstStyle/>
+                    <a:p>
+                      <a:r>
+                        <a:rPr lang="es-ES" dirty="0"/>
+                        <a:t>10</a:t>
+                      </a:r>
+                    </a:p>
+                  </a:txBody>
+                  <a:tcPr/>
+                </a:tc>
+                <a:tc>
+                  <a:txBody>
+                    <a:bodyPr/>
+                    <a:lstStyle/>
+                    <a:p>
+                      <a:r>
+                        <a:rPr lang="es-ES" dirty="0"/>
+                        <a:t>100</a:t>
+                      </a:r>
+                    </a:p>
+                  </a:txBody>
+                  <a:tcPr/>
+                </a:tc>
+                <a:extLst>
+                  <a:ext uri="{0D108BD9-81ED-4DB2-BD59-A6C34878D82A}">
+                    <a16:rowId xmlns:a16="http://schemas.microsoft.com/office/drawing/2014/main" val="2386659920"/>
+                  </a:ext>
+                </a:extLst>
+              </a:tr>
+              <a:tr h="583652">
+                <a:tc>
+                  <a:txBody>
+                    <a:bodyPr/>
+                    <a:lstStyle/>
+                    <a:p>
+                      <a:r>
+                        <a:rPr lang="es-ES" dirty="0"/>
+                        <a:t>Miembro del equipo</a:t>
+                      </a:r>
+                    </a:p>
+                  </a:txBody>
+                  <a:tcPr/>
+                </a:tc>
+                <a:tc>
+                  <a:txBody>
+                    <a:bodyPr/>
+                    <a:lstStyle/>
+                    <a:p>
+                      <a:pPr algn="ctr"/>
+                      <a:r>
+                        <a:rPr lang="es-ES" sz="2400" b="1" dirty="0"/>
+                        <a:t>X </a:t>
+                      </a:r>
+                    </a:p>
+                  </a:txBody>
+                  <a:tcPr/>
+                </a:tc>
+                <a:tc>
+                  <a:txBody>
+                    <a:bodyPr/>
+                    <a:lstStyle/>
+                    <a:p>
+                      <a:r>
+                        <a:rPr lang="es-ES" dirty="0"/>
+                        <a:t>60</a:t>
+                      </a:r>
+                    </a:p>
+                  </a:txBody>
+                  <a:tcPr/>
+                </a:tc>
+                <a:tc>
+                  <a:txBody>
+                    <a:bodyPr/>
+                    <a:lstStyle/>
+                    <a:p>
+                      <a:pPr algn="ctr"/>
+                      <a:r>
+                        <a:rPr lang="es-ES" sz="2400" b="1" dirty="0"/>
+                        <a:t>X</a:t>
+                      </a:r>
+                    </a:p>
+                  </a:txBody>
+                  <a:tcPr/>
+                </a:tc>
+                <a:tc>
+                  <a:txBody>
+                    <a:bodyPr/>
+                    <a:lstStyle/>
+                    <a:p>
+                      <a:r>
+                        <a:rPr lang="es-ES" dirty="0"/>
+                        <a:t>20</a:t>
+                      </a:r>
+                    </a:p>
+                  </a:txBody>
+                  <a:tcPr/>
+                </a:tc>
+                <a:tc>
+                  <a:txBody>
+                    <a:bodyPr/>
+                    <a:lstStyle/>
+                    <a:p>
+                      <a:pPr algn="ctr"/>
+                      <a:endParaRPr lang="es-ES" b="1" dirty="0"/>
+                    </a:p>
+                  </a:txBody>
+                  <a:tcPr/>
+                </a:tc>
+                <a:tc>
+                  <a:txBody>
+                    <a:bodyPr/>
+                    <a:lstStyle/>
+                    <a:p>
+                      <a:endParaRPr lang="es-ES" dirty="0"/>
+                    </a:p>
+                  </a:txBody>
+                  <a:tcPr/>
+                </a:tc>
+                <a:tc>
+                  <a:txBody>
+                    <a:bodyPr/>
+                    <a:lstStyle/>
+                    <a:p>
+                      <a:pPr algn="ctr"/>
+                      <a:r>
+                        <a:rPr lang="es-ES" sz="2400" b="1" dirty="0"/>
+                        <a:t>X</a:t>
+                      </a:r>
+                    </a:p>
+                  </a:txBody>
+                  <a:tcPr/>
+                </a:tc>
+                <a:tc>
+                  <a:txBody>
+                    <a:bodyPr/>
+                    <a:lstStyle/>
+                    <a:p>
+                      <a:r>
+                        <a:rPr lang="es-ES" dirty="0"/>
+                        <a:t>30</a:t>
+                      </a:r>
+                    </a:p>
+                  </a:txBody>
+                  <a:tcPr/>
+                </a:tc>
+                <a:tc>
+                  <a:txBody>
+                    <a:bodyPr/>
+                    <a:lstStyle/>
+                    <a:p>
+                      <a:pPr algn="ctr"/>
+                      <a:endParaRPr lang="es-ES" sz="2400" b="1" dirty="0"/>
+                    </a:p>
+                  </a:txBody>
+                  <a:tcPr/>
+                </a:tc>
+                <a:tc>
+                  <a:txBody>
+                    <a:bodyPr/>
+                    <a:lstStyle/>
+                    <a:p>
+                      <a:endParaRPr lang="es-ES" dirty="0"/>
+                    </a:p>
+                  </a:txBody>
+                  <a:tcPr/>
+                </a:tc>
+                <a:tc>
+                  <a:txBody>
+                    <a:bodyPr/>
+                    <a:lstStyle/>
+                    <a:p>
+                      <a:r>
+                        <a:rPr lang="es-ES" dirty="0"/>
+                        <a:t>100</a:t>
+                      </a:r>
+                    </a:p>
+                    <a:p>
+                      <a:endParaRPr lang="es-ES" dirty="0"/>
+                    </a:p>
+                  </a:txBody>
+                  <a:tcPr/>
+                </a:tc>
+                <a:extLst>
+                  <a:ext uri="{0D108BD9-81ED-4DB2-BD59-A6C34878D82A}">
+                    <a16:rowId xmlns:a16="http://schemas.microsoft.com/office/drawing/2014/main" val="4222038237"/>
+                  </a:ext>
+                </a:extLst>
+              </a:tr>
+              <a:tr h="656545">
+                <a:tc>
+                  <a:txBody>
+                    <a:bodyPr/>
+                    <a:lstStyle/>
+                    <a:p>
+                      <a:r>
+                        <a:rPr lang="es-ES" dirty="0"/>
+                        <a:t>Administradores del sistema</a:t>
+                      </a:r>
+                    </a:p>
+                  </a:txBody>
+                  <a:tcPr/>
+                </a:tc>
+                <a:tc>
+                  <a:txBody>
+                    <a:bodyPr/>
+                    <a:lstStyle/>
+                    <a:p>
+                      <a:pPr algn="ctr"/>
+                      <a:r>
+                        <a:rPr lang="es-ES" sz="2400" b="1" dirty="0"/>
+                        <a:t>X</a:t>
+                      </a:r>
+                    </a:p>
+                  </a:txBody>
+                  <a:tcPr/>
+                </a:tc>
+                <a:tc>
+                  <a:txBody>
+                    <a:bodyPr/>
+                    <a:lstStyle/>
+                    <a:p>
+                      <a:r>
+                        <a:rPr lang="es-ES" dirty="0"/>
+                        <a:t>10</a:t>
+                      </a:r>
+                    </a:p>
+                  </a:txBody>
+                  <a:tcPr/>
+                </a:tc>
+                <a:tc>
+                  <a:txBody>
+                    <a:bodyPr/>
+                    <a:lstStyle/>
+                    <a:p>
+                      <a:pPr algn="ctr"/>
+                      <a:r>
+                        <a:rPr lang="es-ES" sz="2400" b="1" dirty="0"/>
+                        <a:t>X</a:t>
+                      </a:r>
+                    </a:p>
+                  </a:txBody>
+                  <a:tcPr/>
+                </a:tc>
+                <a:tc>
+                  <a:txBody>
+                    <a:bodyPr/>
+                    <a:lstStyle/>
+                    <a:p>
+                      <a:r>
+                        <a:rPr lang="es-ES" dirty="0"/>
+                        <a:t>20</a:t>
+                      </a:r>
+                    </a:p>
+                  </a:txBody>
+                  <a:tcPr/>
+                </a:tc>
+                <a:tc>
+                  <a:txBody>
+                    <a:bodyPr/>
+                    <a:lstStyle/>
+                    <a:p>
+                      <a:pPr algn="ctr"/>
+                      <a:endParaRPr lang="es-ES" b="1" dirty="0"/>
+                    </a:p>
+                  </a:txBody>
+                  <a:tcPr/>
+                </a:tc>
+                <a:tc>
+                  <a:txBody>
+                    <a:bodyPr/>
+                    <a:lstStyle/>
+                    <a:p>
+                      <a:endParaRPr lang="es-ES" dirty="0"/>
+                    </a:p>
+                  </a:txBody>
+                  <a:tcPr/>
+                </a:tc>
+                <a:tc>
+                  <a:txBody>
+                    <a:bodyPr/>
+                    <a:lstStyle/>
+                    <a:p>
+                      <a:pPr algn="ctr"/>
+                      <a:r>
+                        <a:rPr lang="es-ES" sz="2400" b="1" dirty="0"/>
+                        <a:t>X </a:t>
+                      </a:r>
+                    </a:p>
+                  </a:txBody>
+                  <a:tcPr/>
+                </a:tc>
+                <a:tc>
+                  <a:txBody>
+                    <a:bodyPr/>
+                    <a:lstStyle/>
+                    <a:p>
+                      <a:r>
+                        <a:rPr lang="es-ES" dirty="0"/>
+                        <a:t>70</a:t>
+                      </a:r>
+                    </a:p>
+                  </a:txBody>
+                  <a:tcPr/>
+                </a:tc>
+                <a:tc>
+                  <a:txBody>
+                    <a:bodyPr/>
+                    <a:lstStyle/>
+                    <a:p>
+                      <a:pPr algn="ctr"/>
+                      <a:r>
+                        <a:rPr lang="es-ES" sz="2400" b="1" dirty="0"/>
+                        <a:t> </a:t>
+                      </a:r>
+                    </a:p>
+                  </a:txBody>
+                  <a:tcPr/>
+                </a:tc>
+                <a:tc>
+                  <a:txBody>
+                    <a:bodyPr/>
+                    <a:lstStyle/>
+                    <a:p>
+                      <a:endParaRPr lang="es-ES" dirty="0"/>
+                    </a:p>
+                  </a:txBody>
+                  <a:tcPr/>
+                </a:tc>
+                <a:tc>
+                  <a:txBody>
+                    <a:bodyPr/>
+                    <a:lstStyle/>
+                    <a:p>
+                      <a:r>
+                        <a:rPr lang="es-ES" dirty="0"/>
+                        <a:t>100</a:t>
+                      </a:r>
+                    </a:p>
+                  </a:txBody>
+                  <a:tcPr/>
+                </a:tc>
+                <a:extLst>
+                  <a:ext uri="{0D108BD9-81ED-4DB2-BD59-A6C34878D82A}">
+                    <a16:rowId xmlns:a16="http://schemas.microsoft.com/office/drawing/2014/main" val="3754085417"/>
+                  </a:ext>
+                </a:extLst>
+              </a:tr>
+              <a:tr h="583652">
+                <a:tc>
+                  <a:txBody>
+                    <a:bodyPr/>
+                    <a:lstStyle/>
+                    <a:p>
+                      <a:r>
+                        <a:rPr lang="es-ES" dirty="0"/>
+                        <a:t>Departamento de TI</a:t>
+                      </a:r>
+                    </a:p>
+                  </a:txBody>
+                  <a:tcPr/>
+                </a:tc>
+                <a:tc>
+                  <a:txBody>
+                    <a:bodyPr/>
+                    <a:lstStyle/>
+                    <a:p>
+                      <a:pPr algn="ctr"/>
+                      <a:endParaRPr lang="es-ES" sz="2400" b="1" dirty="0"/>
+                    </a:p>
+                  </a:txBody>
+                  <a:tcPr/>
+                </a:tc>
+                <a:tc>
+                  <a:txBody>
+                    <a:bodyPr/>
+                    <a:lstStyle/>
+                    <a:p>
+                      <a:endParaRPr lang="es-ES" dirty="0"/>
+                    </a:p>
+                  </a:txBody>
+                  <a:tcPr/>
+                </a:tc>
+                <a:tc>
+                  <a:txBody>
+                    <a:bodyPr/>
+                    <a:lstStyle/>
+                    <a:p>
+                      <a:pPr algn="ctr"/>
+                      <a:r>
+                        <a:rPr lang="es-ES" sz="2400" b="1" dirty="0"/>
+                        <a:t>X</a:t>
+                      </a:r>
+                    </a:p>
+                  </a:txBody>
+                  <a:tcPr/>
+                </a:tc>
+                <a:tc>
+                  <a:txBody>
+                    <a:bodyPr/>
+                    <a:lstStyle/>
+                    <a:p>
+                      <a:r>
+                        <a:rPr lang="es-ES" dirty="0"/>
+                        <a:t>50</a:t>
+                      </a:r>
+                    </a:p>
+                  </a:txBody>
+                  <a:tcPr/>
+                </a:tc>
+                <a:tc>
+                  <a:txBody>
+                    <a:bodyPr/>
+                    <a:lstStyle/>
+                    <a:p>
+                      <a:pPr algn="ctr"/>
+                      <a:endParaRPr lang="es-ES" b="1" dirty="0"/>
+                    </a:p>
+                  </a:txBody>
+                  <a:tcPr/>
+                </a:tc>
+                <a:tc>
+                  <a:txBody>
+                    <a:bodyPr/>
+                    <a:lstStyle/>
+                    <a:p>
+                      <a:endParaRPr lang="es-ES" dirty="0"/>
+                    </a:p>
+                  </a:txBody>
+                  <a:tcPr/>
+                </a:tc>
+                <a:tc>
+                  <a:txBody>
+                    <a:bodyPr/>
+                    <a:lstStyle/>
+                    <a:p>
+                      <a:pPr algn="ctr"/>
+                      <a:endParaRPr lang="es-ES" sz="2400" b="1" dirty="0"/>
+                    </a:p>
+                  </a:txBody>
+                  <a:tcPr/>
+                </a:tc>
+                <a:tc>
+                  <a:txBody>
+                    <a:bodyPr/>
+                    <a:lstStyle/>
+                    <a:p>
+                      <a:endParaRPr lang="es-ES" dirty="0"/>
+                    </a:p>
+                  </a:txBody>
+                  <a:tcPr/>
+                </a:tc>
+                <a:tc>
+                  <a:txBody>
+                    <a:bodyPr/>
+                    <a:lstStyle/>
+                    <a:p>
+                      <a:pPr algn="ctr"/>
+                      <a:r>
+                        <a:rPr lang="es-ES" sz="2400" b="1" dirty="0"/>
+                        <a:t>X </a:t>
+                      </a:r>
+                    </a:p>
+                  </a:txBody>
+                  <a:tcPr/>
+                </a:tc>
+                <a:tc>
+                  <a:txBody>
+                    <a:bodyPr/>
+                    <a:lstStyle/>
+                    <a:p>
+                      <a:r>
+                        <a:rPr lang="es-ES" dirty="0"/>
+                        <a:t>50</a:t>
+                      </a:r>
+                    </a:p>
+                  </a:txBody>
+                  <a:tcPr/>
+                </a:tc>
+                <a:tc>
+                  <a:txBody>
+                    <a:bodyPr/>
+                    <a:lstStyle/>
+                    <a:p>
+                      <a:r>
+                        <a:rPr lang="es-ES" dirty="0"/>
+                        <a:t>100</a:t>
+                      </a:r>
+                    </a:p>
+                  </a:txBody>
+                  <a:tcPr/>
+                </a:tc>
+                <a:extLst>
+                  <a:ext uri="{0D108BD9-81ED-4DB2-BD59-A6C34878D82A}">
+                    <a16:rowId xmlns:a16="http://schemas.microsoft.com/office/drawing/2014/main" val="1874754645"/>
+                  </a:ext>
+                </a:extLst>
+              </a:tr>
+              <a:tr h="583652">
+                <a:tc>
+                  <a:txBody>
+                    <a:bodyPr/>
+                    <a:lstStyle/>
+                    <a:p>
+                      <a:r>
+                        <a:rPr lang="es-ES" dirty="0"/>
+                        <a:t>Gerentes de proyecto</a:t>
+                      </a:r>
+                    </a:p>
+                  </a:txBody>
+                  <a:tcPr/>
+                </a:tc>
+                <a:tc>
+                  <a:txBody>
+                    <a:bodyPr/>
+                    <a:lstStyle/>
+                    <a:p>
+                      <a:pPr algn="ctr"/>
+                      <a:r>
+                        <a:rPr lang="es-ES" sz="2400" b="1" dirty="0"/>
+                        <a:t>X</a:t>
+                      </a:r>
+                    </a:p>
+                  </a:txBody>
+                  <a:tcPr/>
+                </a:tc>
+                <a:tc>
+                  <a:txBody>
+                    <a:bodyPr/>
+                    <a:lstStyle/>
+                    <a:p>
+                      <a:r>
+                        <a:rPr lang="es-ES" dirty="0"/>
+                        <a:t>15</a:t>
+                      </a:r>
+                    </a:p>
+                  </a:txBody>
+                  <a:tcPr/>
+                </a:tc>
+                <a:tc>
+                  <a:txBody>
+                    <a:bodyPr/>
+                    <a:lstStyle/>
+                    <a:p>
+                      <a:pPr algn="ctr"/>
+                      <a:r>
+                        <a:rPr lang="es-ES" sz="2400" b="1" dirty="0"/>
+                        <a:t>X</a:t>
+                      </a:r>
+                    </a:p>
+                  </a:txBody>
+                  <a:tcPr/>
+                </a:tc>
+                <a:tc>
+                  <a:txBody>
+                    <a:bodyPr/>
+                    <a:lstStyle/>
+                    <a:p>
+                      <a:r>
+                        <a:rPr lang="es-ES" dirty="0"/>
+                        <a:t>15</a:t>
+                      </a:r>
+                    </a:p>
+                  </a:txBody>
+                  <a:tcPr/>
+                </a:tc>
+                <a:tc>
+                  <a:txBody>
+                    <a:bodyPr/>
+                    <a:lstStyle/>
+                    <a:p>
+                      <a:pPr algn="ctr"/>
+                      <a:r>
+                        <a:rPr lang="es-ES" b="1" dirty="0"/>
+                        <a:t>X</a:t>
+                      </a:r>
+                    </a:p>
+                  </a:txBody>
+                  <a:tcPr/>
+                </a:tc>
+                <a:tc>
+                  <a:txBody>
+                    <a:bodyPr/>
+                    <a:lstStyle/>
+                    <a:p>
+                      <a:r>
+                        <a:rPr lang="es-ES" dirty="0"/>
+                        <a:t>65</a:t>
+                      </a:r>
+                    </a:p>
+                  </a:txBody>
+                  <a:tcPr/>
+                </a:tc>
+                <a:tc>
+                  <a:txBody>
+                    <a:bodyPr/>
+                    <a:lstStyle/>
+                    <a:p>
+                      <a:pPr algn="ctr"/>
+                      <a:endParaRPr lang="es-ES" sz="2400" b="1" dirty="0"/>
+                    </a:p>
+                  </a:txBody>
+                  <a:tcPr/>
+                </a:tc>
+                <a:tc>
+                  <a:txBody>
+                    <a:bodyPr/>
+                    <a:lstStyle/>
+                    <a:p>
+                      <a:endParaRPr lang="es-ES" dirty="0"/>
+                    </a:p>
+                  </a:txBody>
+                  <a:tcPr/>
+                </a:tc>
+                <a:tc>
+                  <a:txBody>
+                    <a:bodyPr/>
+                    <a:lstStyle/>
+                    <a:p>
+                      <a:pPr algn="ctr"/>
+                      <a:r>
+                        <a:rPr lang="es-ES" sz="2400" b="1" dirty="0"/>
+                        <a:t>X </a:t>
+                      </a:r>
+                    </a:p>
+                  </a:txBody>
+                  <a:tcPr/>
+                </a:tc>
+                <a:tc>
+                  <a:txBody>
+                    <a:bodyPr/>
+                    <a:lstStyle/>
+                    <a:p>
+                      <a:r>
+                        <a:rPr lang="es-ES" dirty="0"/>
+                        <a:t> 5 </a:t>
+                      </a:r>
+                    </a:p>
+                  </a:txBody>
+                  <a:tcPr/>
+                </a:tc>
+                <a:tc>
+                  <a:txBody>
+                    <a:bodyPr/>
+                    <a:lstStyle/>
+                    <a:p>
+                      <a:r>
+                        <a:rPr lang="es-ES" dirty="0"/>
+                        <a:t>100</a:t>
+                      </a:r>
+                    </a:p>
+                  </a:txBody>
+                  <a:tcPr/>
+                </a:tc>
+                <a:extLst>
+                  <a:ext uri="{0D108BD9-81ED-4DB2-BD59-A6C34878D82A}">
+                    <a16:rowId xmlns:a16="http://schemas.microsoft.com/office/drawing/2014/main" val="3380770221"/>
+                  </a:ext>
+                </a:extLst>
+              </a:tr>
+              <a:tr h="987265">
+                <a:tc>
+                  <a:txBody>
+                    <a:bodyPr/>
+                    <a:lstStyle/>
+                    <a:p>
+                      <a:r>
+                        <a:rPr lang="es-ES" dirty="0"/>
+                        <a:t>Clientes externos (seguimiento de tareas)</a:t>
+                      </a:r>
+                    </a:p>
+                  </a:txBody>
+                  <a:tcPr/>
+                </a:tc>
+                <a:tc>
+                  <a:txBody>
+                    <a:bodyPr/>
+                    <a:lstStyle/>
+                    <a:p>
+                      <a:pPr algn="ctr"/>
+                      <a:endParaRPr lang="es-ES" b="1" dirty="0"/>
+                    </a:p>
+                  </a:txBody>
+                  <a:tcPr/>
+                </a:tc>
+                <a:tc>
+                  <a:txBody>
+                    <a:bodyPr/>
+                    <a:lstStyle/>
+                    <a:p>
+                      <a:endParaRPr lang="es-ES" dirty="0"/>
+                    </a:p>
+                  </a:txBody>
+                  <a:tcPr/>
+                </a:tc>
+                <a:tc>
+                  <a:txBody>
+                    <a:bodyPr/>
+                    <a:lstStyle/>
+                    <a:p>
+                      <a:pPr algn="ctr"/>
+                      <a:endParaRPr lang="es-ES" sz="2400" b="1" dirty="0"/>
+                    </a:p>
+                  </a:txBody>
+                  <a:tcPr/>
+                </a:tc>
+                <a:tc>
+                  <a:txBody>
+                    <a:bodyPr/>
+                    <a:lstStyle/>
+                    <a:p>
+                      <a:endParaRPr lang="es-ES"/>
+                    </a:p>
+                  </a:txBody>
+                  <a:tcPr/>
+                </a:tc>
+                <a:tc>
+                  <a:txBody>
+                    <a:bodyPr/>
+                    <a:lstStyle/>
+                    <a:p>
+                      <a:pPr algn="ctr"/>
+                      <a:r>
+                        <a:rPr lang="es-ES" b="1" dirty="0"/>
+                        <a:t>X</a:t>
+                      </a:r>
+                    </a:p>
+                  </a:txBody>
+                  <a:tcPr/>
+                </a:tc>
+                <a:tc>
+                  <a:txBody>
+                    <a:bodyPr/>
+                    <a:lstStyle/>
+                    <a:p>
+                      <a:r>
+                        <a:rPr lang="es-ES" dirty="0"/>
+                        <a:t>95</a:t>
+                      </a:r>
+                    </a:p>
+                  </a:txBody>
+                  <a:tcPr/>
+                </a:tc>
+                <a:tc>
+                  <a:txBody>
+                    <a:bodyPr/>
+                    <a:lstStyle/>
+                    <a:p>
+                      <a:pPr algn="ctr"/>
+                      <a:endParaRPr lang="es-ES" sz="2400" b="1" dirty="0"/>
+                    </a:p>
+                  </a:txBody>
+                  <a:tcPr/>
+                </a:tc>
+                <a:tc>
+                  <a:txBody>
+                    <a:bodyPr/>
+                    <a:lstStyle/>
+                    <a:p>
+                      <a:endParaRPr lang="es-ES" dirty="0"/>
+                    </a:p>
+                  </a:txBody>
+                  <a:tcPr/>
+                </a:tc>
+                <a:tc>
+                  <a:txBody>
+                    <a:bodyPr/>
+                    <a:lstStyle/>
+                    <a:p>
+                      <a:pPr algn="ctr"/>
+                      <a:r>
+                        <a:rPr lang="es-ES" sz="2400" b="1" dirty="0"/>
+                        <a:t>X</a:t>
+                      </a:r>
+                    </a:p>
+                  </a:txBody>
+                  <a:tcPr/>
+                </a:tc>
+                <a:tc>
+                  <a:txBody>
+                    <a:bodyPr/>
+                    <a:lstStyle/>
+                    <a:p>
+                      <a:r>
+                        <a:rPr lang="es-ES" dirty="0"/>
+                        <a:t>5</a:t>
+                      </a:r>
+                    </a:p>
+                  </a:txBody>
+                  <a:tcPr/>
+                </a:tc>
+                <a:tc>
+                  <a:txBody>
+                    <a:bodyPr/>
+                    <a:lstStyle/>
+                    <a:p>
+                      <a:r>
+                        <a:rPr lang="es-ES" dirty="0"/>
+                        <a:t>100</a:t>
+                      </a:r>
+                    </a:p>
+                  </a:txBody>
+                  <a:tcPr/>
+                </a:tc>
+                <a:extLst>
+                  <a:ext uri="{0D108BD9-81ED-4DB2-BD59-A6C34878D82A}">
+                    <a16:rowId xmlns:a16="http://schemas.microsoft.com/office/drawing/2014/main" val="2351007968"/>
+                  </a:ext>
+                </a:extLst>
+              </a:tr>
+              <a:tr h="531605">
+                <a:tc>
+                  <a:txBody>
+                    <a:bodyPr/>
+                    <a:lstStyle/>
+                    <a:p>
+                      <a:r>
+                        <a:rPr lang="es-ES" dirty="0"/>
+                        <a:t>Auditores internos</a:t>
+                      </a:r>
+                    </a:p>
+                  </a:txBody>
+                  <a:tcPr/>
+                </a:tc>
+                <a:tc>
+                  <a:txBody>
+                    <a:bodyPr/>
+                    <a:lstStyle/>
+                    <a:p>
+                      <a:pPr algn="ctr"/>
+                      <a:r>
+                        <a:rPr lang="es-ES" sz="2400" b="1" dirty="0"/>
+                        <a:t>X</a:t>
+                      </a:r>
+                    </a:p>
+                  </a:txBody>
+                  <a:tcPr/>
+                </a:tc>
+                <a:tc>
+                  <a:txBody>
+                    <a:bodyPr/>
+                    <a:lstStyle/>
+                    <a:p>
+                      <a:r>
+                        <a:rPr lang="es-ES" dirty="0"/>
+                        <a:t>15</a:t>
+                      </a:r>
+                    </a:p>
+                  </a:txBody>
+                  <a:tcPr/>
+                </a:tc>
+                <a:tc>
+                  <a:txBody>
+                    <a:bodyPr/>
+                    <a:lstStyle/>
+                    <a:p>
+                      <a:pPr algn="ctr"/>
+                      <a:r>
+                        <a:rPr lang="es-ES" sz="2400" b="1" dirty="0"/>
+                        <a:t>X </a:t>
+                      </a:r>
+                    </a:p>
+                  </a:txBody>
+                  <a:tcPr/>
+                </a:tc>
+                <a:tc>
+                  <a:txBody>
+                    <a:bodyPr/>
+                    <a:lstStyle/>
+                    <a:p>
+                      <a:r>
+                        <a:rPr lang="es-ES" dirty="0"/>
+                        <a:t>75</a:t>
+                      </a:r>
+                    </a:p>
+                  </a:txBody>
+                  <a:tcPr/>
+                </a:tc>
+                <a:tc>
+                  <a:txBody>
+                    <a:bodyPr/>
+                    <a:lstStyle/>
+                    <a:p>
+                      <a:pPr algn="ctr"/>
+                      <a:endParaRPr lang="es-ES" b="1" dirty="0"/>
+                    </a:p>
+                  </a:txBody>
+                  <a:tcPr/>
+                </a:tc>
+                <a:tc>
+                  <a:txBody>
+                    <a:bodyPr/>
+                    <a:lstStyle/>
+                    <a:p>
+                      <a:endParaRPr lang="es-ES" dirty="0"/>
+                    </a:p>
+                  </a:txBody>
+                  <a:tcPr/>
+                </a:tc>
+                <a:tc>
+                  <a:txBody>
+                    <a:bodyPr/>
+                    <a:lstStyle/>
+                    <a:p>
+                      <a:pPr algn="ctr"/>
+                      <a:endParaRPr lang="es-ES" sz="2400" b="1" dirty="0"/>
+                    </a:p>
+                  </a:txBody>
+                  <a:tcPr/>
+                </a:tc>
+                <a:tc>
+                  <a:txBody>
+                    <a:bodyPr/>
+                    <a:lstStyle/>
+                    <a:p>
+                      <a:endParaRPr lang="es-ES" dirty="0"/>
+                    </a:p>
+                  </a:txBody>
+                  <a:tcPr/>
+                </a:tc>
+                <a:tc>
+                  <a:txBody>
+                    <a:bodyPr/>
+                    <a:lstStyle/>
+                    <a:p>
+                      <a:pPr algn="ctr"/>
+                      <a:endParaRPr lang="es-ES" sz="2400" b="1" dirty="0"/>
+                    </a:p>
+                  </a:txBody>
+                  <a:tcPr/>
+                </a:tc>
+                <a:tc>
+                  <a:txBody>
+                    <a:bodyPr/>
+                    <a:lstStyle/>
+                    <a:p>
+                      <a:endParaRPr lang="es-ES" dirty="0"/>
+                    </a:p>
+                  </a:txBody>
+                  <a:tcPr/>
+                </a:tc>
+                <a:tc>
+                  <a:txBody>
+                    <a:bodyPr/>
+                    <a:lstStyle/>
+                    <a:p>
+                      <a:r>
+                        <a:rPr lang="es-ES" dirty="0"/>
+                        <a:t>100</a:t>
+                      </a:r>
+                    </a:p>
+                  </a:txBody>
+                  <a:tcPr/>
+                </a:tc>
+                <a:extLst>
+                  <a:ext uri="{0D108BD9-81ED-4DB2-BD59-A6C34878D82A}">
+                    <a16:rowId xmlns:a16="http://schemas.microsoft.com/office/drawing/2014/main" val="3718084170"/>
+                  </a:ext>
+                </a:extLst>
+              </a:tr>
+              <a:tr h="531605">
+                <a:tc>
+                  <a:txBody>
+                    <a:bodyPr/>
+                    <a:lstStyle/>
+                    <a:p>
+                      <a:r>
+                        <a:rPr lang="es-ES" dirty="0"/>
+                        <a:t>Comité de calidad </a:t>
+                      </a:r>
+                    </a:p>
+                  </a:txBody>
+                  <a:tcPr/>
+                </a:tc>
+                <a:tc>
+                  <a:txBody>
+                    <a:bodyPr/>
+                    <a:lstStyle/>
+                    <a:p>
+                      <a:pPr algn="ctr"/>
+                      <a:r>
+                        <a:rPr lang="es-ES" sz="2400" b="1" dirty="0"/>
+                        <a:t>X</a:t>
+                      </a:r>
+                    </a:p>
+                  </a:txBody>
+                  <a:tcPr/>
+                </a:tc>
+                <a:tc>
+                  <a:txBody>
+                    <a:bodyPr/>
+                    <a:lstStyle/>
+                    <a:p>
+                      <a:r>
+                        <a:rPr lang="es-ES" dirty="0"/>
+                        <a:t>60</a:t>
+                      </a:r>
+                    </a:p>
+                  </a:txBody>
+                  <a:tcPr/>
+                </a:tc>
+                <a:tc>
+                  <a:txBody>
+                    <a:bodyPr/>
+                    <a:lstStyle/>
+                    <a:p>
+                      <a:pPr algn="ctr"/>
+                      <a:r>
+                        <a:rPr lang="es-ES" sz="2400" b="1" dirty="0"/>
+                        <a:t>X</a:t>
+                      </a:r>
+                    </a:p>
+                  </a:txBody>
+                  <a:tcPr/>
+                </a:tc>
+                <a:tc>
+                  <a:txBody>
+                    <a:bodyPr/>
+                    <a:lstStyle/>
+                    <a:p>
+                      <a:r>
+                        <a:rPr lang="es-ES" dirty="0"/>
+                        <a:t>40</a:t>
+                      </a:r>
+                    </a:p>
+                  </a:txBody>
+                  <a:tcPr/>
+                </a:tc>
+                <a:tc>
+                  <a:txBody>
+                    <a:bodyPr/>
+                    <a:lstStyle/>
+                    <a:p>
+                      <a:pPr algn="ctr"/>
+                      <a:endParaRPr lang="es-ES" b="1" dirty="0"/>
+                    </a:p>
+                  </a:txBody>
+                  <a:tcPr/>
+                </a:tc>
+                <a:tc>
+                  <a:txBody>
+                    <a:bodyPr/>
+                    <a:lstStyle/>
+                    <a:p>
+                      <a:endParaRPr lang="es-ES" dirty="0"/>
+                    </a:p>
+                  </a:txBody>
+                  <a:tcPr/>
+                </a:tc>
+                <a:tc>
+                  <a:txBody>
+                    <a:bodyPr/>
+                    <a:lstStyle/>
+                    <a:p>
+                      <a:pPr algn="ctr"/>
+                      <a:endParaRPr lang="es-ES" sz="2400" b="1" dirty="0"/>
+                    </a:p>
+                  </a:txBody>
+                  <a:tcPr/>
+                </a:tc>
+                <a:tc>
+                  <a:txBody>
+                    <a:bodyPr/>
+                    <a:lstStyle/>
+                    <a:p>
+                      <a:endParaRPr lang="es-ES"/>
+                    </a:p>
+                  </a:txBody>
+                  <a:tcPr/>
+                </a:tc>
+                <a:tc>
+                  <a:txBody>
+                    <a:bodyPr/>
+                    <a:lstStyle/>
+                    <a:p>
+                      <a:pPr algn="ctr"/>
+                      <a:endParaRPr lang="es-ES" sz="2400" b="1" dirty="0"/>
+                    </a:p>
+                  </a:txBody>
+                  <a:tcPr/>
+                </a:tc>
+                <a:tc>
+                  <a:txBody>
+                    <a:bodyPr/>
+                    <a:lstStyle/>
+                    <a:p>
+                      <a:endParaRPr lang="es-ES" dirty="0"/>
+                    </a:p>
+                  </a:txBody>
+                  <a:tcPr/>
+                </a:tc>
+                <a:tc>
+                  <a:txBody>
+                    <a:bodyPr/>
+                    <a:lstStyle/>
+                    <a:p>
+                      <a:r>
+                        <a:rPr lang="es-ES" dirty="0"/>
+                        <a:t>100</a:t>
+                      </a:r>
+                    </a:p>
+                  </a:txBody>
+                  <a:tcPr/>
+                </a:tc>
+                <a:extLst>
+                  <a:ext uri="{0D108BD9-81ED-4DB2-BD59-A6C34878D82A}">
+                    <a16:rowId xmlns:a16="http://schemas.microsoft.com/office/drawing/2014/main" val="3370513456"/>
+                  </a:ext>
+                </a:extLst>
+              </a:tr>
+              <a:tr h="531605">
+                <a:tc>
+                  <a:txBody>
+                    <a:bodyPr/>
+                    <a:lstStyle/>
+                    <a:p>
+                      <a:r>
+                        <a:rPr lang="es-ES" dirty="0"/>
+                        <a:t>Promedio</a:t>
+                      </a:r>
+                    </a:p>
+                  </a:txBody>
+                  <a:tcPr/>
+                </a:tc>
+                <a:tc>
+                  <a:txBody>
+                    <a:bodyPr/>
+                    <a:lstStyle/>
+                    <a:p>
+                      <a:pPr algn="ctr"/>
+                      <a:endParaRPr lang="es-ES" b="1" dirty="0"/>
+                    </a:p>
+                  </a:txBody>
+                  <a:tcPr/>
+                </a:tc>
+                <a:tc>
+                  <a:txBody>
+                    <a:bodyPr/>
+                    <a:lstStyle/>
+                    <a:p>
+                      <a:r>
+                        <a:rPr lang="es-ES" dirty="0"/>
+                        <a:t>19.38</a:t>
+                      </a:r>
+                    </a:p>
+                  </a:txBody>
+                  <a:tcPr/>
+                </a:tc>
+                <a:tc>
+                  <a:txBody>
+                    <a:bodyPr/>
+                    <a:lstStyle/>
+                    <a:p>
+                      <a:endParaRPr lang="es-ES" dirty="0"/>
+                    </a:p>
+                  </a:txBody>
+                  <a:tcPr/>
+                </a:tc>
+                <a:tc>
+                  <a:txBody>
+                    <a:bodyPr/>
+                    <a:lstStyle/>
+                    <a:p>
+                      <a:r>
+                        <a:rPr lang="es-ES" dirty="0"/>
+                        <a:t>24.38</a:t>
+                      </a:r>
+                    </a:p>
+                  </a:txBody>
+                  <a:tcPr/>
+                </a:tc>
+                <a:tc>
+                  <a:txBody>
+                    <a:bodyPr/>
+                    <a:lstStyle/>
+                    <a:p>
+                      <a:pPr algn="ctr"/>
+                      <a:endParaRPr lang="es-ES" b="1" dirty="0"/>
+                    </a:p>
+                  </a:txBody>
+                  <a:tcPr/>
+                </a:tc>
+                <a:tc>
+                  <a:txBody>
+                    <a:bodyPr/>
+                    <a:lstStyle/>
+                    <a:p>
+                      <a:r>
+                        <a:rPr lang="es-ES" dirty="0"/>
+                        <a:t>38.75</a:t>
+                      </a:r>
+                    </a:p>
+                  </a:txBody>
+                  <a:tcPr/>
+                </a:tc>
+                <a:tc>
+                  <a:txBody>
+                    <a:bodyPr/>
+                    <a:lstStyle/>
+                    <a:p>
+                      <a:pPr algn="ctr"/>
+                      <a:endParaRPr lang="es-ES" sz="2400" b="1" dirty="0"/>
+                    </a:p>
+                  </a:txBody>
+                  <a:tcPr/>
+                </a:tc>
+                <a:tc>
+                  <a:txBody>
+                    <a:bodyPr/>
+                    <a:lstStyle/>
+                    <a:p>
+                      <a:r>
+                        <a:rPr lang="es-ES" dirty="0"/>
+                        <a:t>13.75</a:t>
+                      </a:r>
+                    </a:p>
+                  </a:txBody>
+                  <a:tcPr/>
+                </a:tc>
+                <a:tc>
+                  <a:txBody>
+                    <a:bodyPr/>
+                    <a:lstStyle/>
+                    <a:p>
+                      <a:pPr algn="ctr"/>
+                      <a:endParaRPr lang="es-ES" sz="2400" b="1" dirty="0"/>
+                    </a:p>
+                  </a:txBody>
+                  <a:tcPr/>
+                </a:tc>
+                <a:tc>
+                  <a:txBody>
+                    <a:bodyPr/>
+                    <a:lstStyle/>
+                    <a:p>
+                      <a:r>
+                        <a:rPr lang="es-ES" dirty="0"/>
+                        <a:t>8.75</a:t>
+                      </a:r>
+                    </a:p>
+                  </a:txBody>
+                  <a:tcPr/>
+                </a:tc>
+                <a:tc>
+                  <a:txBody>
+                    <a:bodyPr/>
+                    <a:lstStyle/>
+                    <a:p>
+                      <a:r>
+                        <a:rPr lang="es-ES" dirty="0"/>
+                        <a:t>100</a:t>
+                      </a:r>
+                    </a:p>
+                  </a:txBody>
+                  <a:tcPr/>
+                </a:tc>
+                <a:extLst>
+                  <a:ext uri="{0D108BD9-81ED-4DB2-BD59-A6C34878D82A}">
+                    <a16:rowId xmlns:a16="http://schemas.microsoft.com/office/drawing/2014/main" val="1217697338"/>
+                  </a:ext>
+                </a:extLst>
+              </a:tr>
+            </a:tbl>
+          </a:graphicData>
+        </a:graphic>
+      </p:graphicFrame>
+    </p:spTree>
+    <p:extLst>
+      <p:ext uri="{BB962C8B-B14F-4D97-AF65-F5344CB8AC3E}">
+        <p14:creationId xmlns:p14="http://schemas.microsoft.com/office/powerpoint/2010/main" val="231851581"/>
       </p:ext>
     </p:extLst>
   </p:cSld>
